--- a/presentation/Miriam Schiele, MA presentation.pptx
+++ b/presentation/Miriam Schiele, MA presentation.pptx
@@ -7,7 +7,7 @@
     <p:sldMasterId id="2147483648" r:id="rId3"/>
   </p:sldMasterIdLst>
   <p:notesMasterIdLst>
-    <p:notesMasterId r:id="rId27"/>
+    <p:notesMasterId r:id="rId24"/>
   </p:notesMasterIdLst>
   <p:sldIdLst>
     <p:sldId id="348" r:id="rId4"/>
@@ -16,23 +16,20 @@
     <p:sldId id="394" r:id="rId7"/>
     <p:sldId id="400" r:id="rId8"/>
     <p:sldId id="403" r:id="rId9"/>
-    <p:sldId id="406" r:id="rId10"/>
-    <p:sldId id="411" r:id="rId11"/>
-    <p:sldId id="407" r:id="rId12"/>
-    <p:sldId id="408" r:id="rId13"/>
-    <p:sldId id="409" r:id="rId14"/>
-    <p:sldId id="410" r:id="rId15"/>
-    <p:sldId id="402" r:id="rId16"/>
-    <p:sldId id="397" r:id="rId17"/>
-    <p:sldId id="398" r:id="rId18"/>
-    <p:sldId id="373" r:id="rId19"/>
-    <p:sldId id="374" r:id="rId20"/>
-    <p:sldId id="389" r:id="rId21"/>
-    <p:sldId id="385" r:id="rId22"/>
-    <p:sldId id="392" r:id="rId23"/>
-    <p:sldId id="266" r:id="rId24"/>
-    <p:sldId id="299" r:id="rId25"/>
-    <p:sldId id="269" r:id="rId26"/>
+    <p:sldId id="411" r:id="rId10"/>
+    <p:sldId id="407" r:id="rId11"/>
+    <p:sldId id="408" r:id="rId12"/>
+    <p:sldId id="409" r:id="rId13"/>
+    <p:sldId id="410" r:id="rId14"/>
+    <p:sldId id="402" r:id="rId15"/>
+    <p:sldId id="397" r:id="rId16"/>
+    <p:sldId id="398" r:id="rId17"/>
+    <p:sldId id="374" r:id="rId18"/>
+    <p:sldId id="389" r:id="rId19"/>
+    <p:sldId id="385" r:id="rId20"/>
+    <p:sldId id="266" r:id="rId21"/>
+    <p:sldId id="299" r:id="rId22"/>
+    <p:sldId id="269" r:id="rId23"/>
   </p:sldIdLst>
   <p:sldSz cx="12192000" cy="6858000"/>
   <p:notesSz cx="6858000" cy="9144000"/>
@@ -2525,1672 +2522,6 @@
     <dgm:fillClrLst meth="repeat">
       <a:schemeClr val="accent1">
         <a:tint val="60000"/>
-      </a:schemeClr>
-    </dgm:fillClrLst>
-    <dgm:linClrLst meth="repeat">
-      <a:schemeClr val="lt1"/>
-    </dgm:linClrLst>
-    <dgm:effectClrLst/>
-    <dgm:txLinClrLst/>
-    <dgm:txFillClrLst meth="repeat">
-      <a:schemeClr val="dk1"/>
-    </dgm:txFillClrLst>
-    <dgm:txEffectClrLst/>
-  </dgm:styleLbl>
-  <dgm:styleLbl name="revTx">
-    <dgm:fillClrLst meth="repeat">
-      <a:schemeClr val="lt1">
-        <a:alpha val="0"/>
-      </a:schemeClr>
-    </dgm:fillClrLst>
-    <dgm:linClrLst meth="repeat">
-      <a:schemeClr val="dk1">
-        <a:alpha val="0"/>
-      </a:schemeClr>
-    </dgm:linClrLst>
-    <dgm:effectClrLst/>
-    <dgm:txLinClrLst/>
-    <dgm:txFillClrLst meth="repeat">
-      <a:schemeClr val="tx1"/>
-    </dgm:txFillClrLst>
-    <dgm:txEffectClrLst/>
-  </dgm:styleLbl>
-</dgm:colorsDef>
-</file>
-
-<file path=ppt/diagrams/colors4.xml><?xml version="1.0" encoding="utf-8"?>
-<dgm:colorsDef xmlns:dgm="http://schemas.openxmlformats.org/drawingml/2006/diagram" xmlns:a="http://schemas.openxmlformats.org/drawingml/2006/main" uniqueId="urn:microsoft.com/office/officeart/2005/8/colors/accent2_2">
-  <dgm:title val=""/>
-  <dgm:desc val=""/>
-  <dgm:catLst>
-    <dgm:cat type="accent2" pri="11200"/>
-  </dgm:catLst>
-  <dgm:styleLbl name="node0">
-    <dgm:fillClrLst meth="repeat">
-      <a:schemeClr val="accent2"/>
-    </dgm:fillClrLst>
-    <dgm:linClrLst meth="repeat">
-      <a:schemeClr val="lt1"/>
-    </dgm:linClrLst>
-    <dgm:effectClrLst/>
-    <dgm:txLinClrLst/>
-    <dgm:txFillClrLst/>
-    <dgm:txEffectClrLst/>
-  </dgm:styleLbl>
-  <dgm:styleLbl name="node1">
-    <dgm:fillClrLst meth="repeat">
-      <a:schemeClr val="accent2"/>
-    </dgm:fillClrLst>
-    <dgm:linClrLst meth="repeat">
-      <a:schemeClr val="lt1"/>
-    </dgm:linClrLst>
-    <dgm:effectClrLst/>
-    <dgm:txLinClrLst/>
-    <dgm:txFillClrLst/>
-    <dgm:txEffectClrLst/>
-  </dgm:styleLbl>
-  <dgm:styleLbl name="alignNode1">
-    <dgm:fillClrLst meth="repeat">
-      <a:schemeClr val="accent2"/>
-    </dgm:fillClrLst>
-    <dgm:linClrLst meth="repeat">
-      <a:schemeClr val="accent2"/>
-    </dgm:linClrLst>
-    <dgm:effectClrLst/>
-    <dgm:txLinClrLst/>
-    <dgm:txFillClrLst/>
-    <dgm:txEffectClrLst/>
-  </dgm:styleLbl>
-  <dgm:styleLbl name="lnNode1">
-    <dgm:fillClrLst meth="repeat">
-      <a:schemeClr val="accent2"/>
-    </dgm:fillClrLst>
-    <dgm:linClrLst meth="repeat">
-      <a:schemeClr val="lt1"/>
-    </dgm:linClrLst>
-    <dgm:effectClrLst/>
-    <dgm:txLinClrLst/>
-    <dgm:txFillClrLst/>
-    <dgm:txEffectClrLst/>
-  </dgm:styleLbl>
-  <dgm:styleLbl name="vennNode1">
-    <dgm:fillClrLst meth="repeat">
-      <a:schemeClr val="accent2">
-        <a:alpha val="50000"/>
-      </a:schemeClr>
-    </dgm:fillClrLst>
-    <dgm:linClrLst meth="repeat">
-      <a:schemeClr val="lt1"/>
-    </dgm:linClrLst>
-    <dgm:effectClrLst/>
-    <dgm:txLinClrLst/>
-    <dgm:txFillClrLst/>
-    <dgm:txEffectClrLst/>
-  </dgm:styleLbl>
-  <dgm:styleLbl name="node2">
-    <dgm:fillClrLst meth="repeat">
-      <a:schemeClr val="accent2"/>
-    </dgm:fillClrLst>
-    <dgm:linClrLst meth="repeat">
-      <a:schemeClr val="lt1"/>
-    </dgm:linClrLst>
-    <dgm:effectClrLst/>
-    <dgm:txLinClrLst/>
-    <dgm:txFillClrLst/>
-    <dgm:txEffectClrLst/>
-  </dgm:styleLbl>
-  <dgm:styleLbl name="node3">
-    <dgm:fillClrLst meth="repeat">
-      <a:schemeClr val="accent2"/>
-    </dgm:fillClrLst>
-    <dgm:linClrLst meth="repeat">
-      <a:schemeClr val="lt1"/>
-    </dgm:linClrLst>
-    <dgm:effectClrLst/>
-    <dgm:txLinClrLst/>
-    <dgm:txFillClrLst/>
-    <dgm:txEffectClrLst/>
-  </dgm:styleLbl>
-  <dgm:styleLbl name="node4">
-    <dgm:fillClrLst meth="repeat">
-      <a:schemeClr val="accent2"/>
-    </dgm:fillClrLst>
-    <dgm:linClrLst meth="repeat">
-      <a:schemeClr val="lt1"/>
-    </dgm:linClrLst>
-    <dgm:effectClrLst/>
-    <dgm:txLinClrLst/>
-    <dgm:txFillClrLst/>
-    <dgm:txEffectClrLst/>
-  </dgm:styleLbl>
-  <dgm:styleLbl name="fgImgPlace1">
-    <dgm:fillClrLst meth="repeat">
-      <a:schemeClr val="accent2">
-        <a:tint val="50000"/>
-      </a:schemeClr>
-    </dgm:fillClrLst>
-    <dgm:linClrLst meth="repeat">
-      <a:schemeClr val="lt1"/>
-    </dgm:linClrLst>
-    <dgm:effectClrLst/>
-    <dgm:txLinClrLst/>
-    <dgm:txFillClrLst meth="repeat">
-      <a:schemeClr val="lt1"/>
-    </dgm:txFillClrLst>
-    <dgm:txEffectClrLst/>
-  </dgm:styleLbl>
-  <dgm:styleLbl name="alignImgPlace1">
-    <dgm:fillClrLst meth="repeat">
-      <a:schemeClr val="accent2">
-        <a:tint val="50000"/>
-      </a:schemeClr>
-    </dgm:fillClrLst>
-    <dgm:linClrLst meth="repeat">
-      <a:schemeClr val="lt1"/>
-    </dgm:linClrLst>
-    <dgm:effectClrLst/>
-    <dgm:txLinClrLst/>
-    <dgm:txFillClrLst meth="repeat">
-      <a:schemeClr val="lt1"/>
-    </dgm:txFillClrLst>
-    <dgm:txEffectClrLst/>
-  </dgm:styleLbl>
-  <dgm:styleLbl name="bgImgPlace1">
-    <dgm:fillClrLst meth="repeat">
-      <a:schemeClr val="accent2">
-        <a:tint val="50000"/>
-      </a:schemeClr>
-    </dgm:fillClrLst>
-    <dgm:linClrLst meth="repeat">
-      <a:schemeClr val="lt1"/>
-    </dgm:linClrLst>
-    <dgm:effectClrLst/>
-    <dgm:txLinClrLst/>
-    <dgm:txFillClrLst meth="repeat">
-      <a:schemeClr val="lt1"/>
-    </dgm:txFillClrLst>
-    <dgm:txEffectClrLst/>
-  </dgm:styleLbl>
-  <dgm:styleLbl name="sibTrans2D1">
-    <dgm:fillClrLst meth="repeat">
-      <a:schemeClr val="accent2">
-        <a:tint val="60000"/>
-      </a:schemeClr>
-    </dgm:fillClrLst>
-    <dgm:linClrLst meth="repeat">
-      <a:schemeClr val="accent2">
-        <a:tint val="60000"/>
-      </a:schemeClr>
-    </dgm:linClrLst>
-    <dgm:effectClrLst/>
-    <dgm:txLinClrLst/>
-    <dgm:txFillClrLst/>
-    <dgm:txEffectClrLst/>
-  </dgm:styleLbl>
-  <dgm:styleLbl name="fgSibTrans2D1">
-    <dgm:fillClrLst meth="repeat">
-      <a:schemeClr val="accent2">
-        <a:tint val="60000"/>
-      </a:schemeClr>
-    </dgm:fillClrLst>
-    <dgm:linClrLst meth="repeat">
-      <a:schemeClr val="accent2">
-        <a:tint val="60000"/>
-      </a:schemeClr>
-    </dgm:linClrLst>
-    <dgm:effectClrLst/>
-    <dgm:txLinClrLst/>
-    <dgm:txFillClrLst/>
-    <dgm:txEffectClrLst/>
-  </dgm:styleLbl>
-  <dgm:styleLbl name="bgSibTrans2D1">
-    <dgm:fillClrLst meth="repeat">
-      <a:schemeClr val="accent2">
-        <a:tint val="60000"/>
-      </a:schemeClr>
-    </dgm:fillClrLst>
-    <dgm:linClrLst meth="repeat">
-      <a:schemeClr val="accent2">
-        <a:tint val="60000"/>
-      </a:schemeClr>
-    </dgm:linClrLst>
-    <dgm:effectClrLst/>
-    <dgm:txLinClrLst/>
-    <dgm:txFillClrLst/>
-    <dgm:txEffectClrLst/>
-  </dgm:styleLbl>
-  <dgm:styleLbl name="sibTrans1D1">
-    <dgm:fillClrLst meth="repeat">
-      <a:schemeClr val="accent2"/>
-    </dgm:fillClrLst>
-    <dgm:linClrLst meth="repeat">
-      <a:schemeClr val="accent2"/>
-    </dgm:linClrLst>
-    <dgm:effectClrLst/>
-    <dgm:txLinClrLst/>
-    <dgm:txFillClrLst meth="repeat">
-      <a:schemeClr val="tx1"/>
-    </dgm:txFillClrLst>
-    <dgm:txEffectClrLst/>
-  </dgm:styleLbl>
-  <dgm:styleLbl name="callout">
-    <dgm:fillClrLst meth="repeat">
-      <a:schemeClr val="accent2"/>
-    </dgm:fillClrLst>
-    <dgm:linClrLst meth="repeat">
-      <a:schemeClr val="accent2">
-        <a:tint val="50000"/>
-      </a:schemeClr>
-    </dgm:linClrLst>
-    <dgm:effectClrLst/>
-    <dgm:txLinClrLst/>
-    <dgm:txFillClrLst meth="repeat">
-      <a:schemeClr val="tx1"/>
-    </dgm:txFillClrLst>
-    <dgm:txEffectClrLst/>
-  </dgm:styleLbl>
-  <dgm:styleLbl name="asst0">
-    <dgm:fillClrLst meth="repeat">
-      <a:schemeClr val="accent2"/>
-    </dgm:fillClrLst>
-    <dgm:linClrLst meth="repeat">
-      <a:schemeClr val="lt1"/>
-    </dgm:linClrLst>
-    <dgm:effectClrLst/>
-    <dgm:txLinClrLst/>
-    <dgm:txFillClrLst/>
-    <dgm:txEffectClrLst/>
-  </dgm:styleLbl>
-  <dgm:styleLbl name="asst1">
-    <dgm:fillClrLst meth="repeat">
-      <a:schemeClr val="accent2"/>
-    </dgm:fillClrLst>
-    <dgm:linClrLst meth="repeat">
-      <a:schemeClr val="lt1"/>
-    </dgm:linClrLst>
-    <dgm:effectClrLst/>
-    <dgm:txLinClrLst/>
-    <dgm:txFillClrLst/>
-    <dgm:txEffectClrLst/>
-  </dgm:styleLbl>
-  <dgm:styleLbl name="asst2">
-    <dgm:fillClrLst meth="repeat">
-      <a:schemeClr val="accent2"/>
-    </dgm:fillClrLst>
-    <dgm:linClrLst meth="repeat">
-      <a:schemeClr val="lt1"/>
-    </dgm:linClrLst>
-    <dgm:effectClrLst/>
-    <dgm:txLinClrLst/>
-    <dgm:txFillClrLst/>
-    <dgm:txEffectClrLst/>
-  </dgm:styleLbl>
-  <dgm:styleLbl name="asst3">
-    <dgm:fillClrLst meth="repeat">
-      <a:schemeClr val="accent2"/>
-    </dgm:fillClrLst>
-    <dgm:linClrLst meth="repeat">
-      <a:schemeClr val="lt1"/>
-    </dgm:linClrLst>
-    <dgm:effectClrLst/>
-    <dgm:txLinClrLst/>
-    <dgm:txFillClrLst/>
-    <dgm:txEffectClrLst/>
-  </dgm:styleLbl>
-  <dgm:styleLbl name="asst4">
-    <dgm:fillClrLst meth="repeat">
-      <a:schemeClr val="accent2"/>
-    </dgm:fillClrLst>
-    <dgm:linClrLst meth="repeat">
-      <a:schemeClr val="lt1"/>
-    </dgm:linClrLst>
-    <dgm:effectClrLst/>
-    <dgm:txLinClrLst/>
-    <dgm:txFillClrLst/>
-    <dgm:txEffectClrLst/>
-  </dgm:styleLbl>
-  <dgm:styleLbl name="parChTrans2D1">
-    <dgm:fillClrLst meth="repeat">
-      <a:schemeClr val="accent2">
-        <a:tint val="60000"/>
-      </a:schemeClr>
-    </dgm:fillClrLst>
-    <dgm:linClrLst meth="repeat">
-      <a:schemeClr val="accent2">
-        <a:tint val="60000"/>
-      </a:schemeClr>
-    </dgm:linClrLst>
-    <dgm:effectClrLst/>
-    <dgm:txLinClrLst/>
-    <dgm:txFillClrLst meth="repeat">
-      <a:schemeClr val="lt1"/>
-    </dgm:txFillClrLst>
-    <dgm:txEffectClrLst/>
-  </dgm:styleLbl>
-  <dgm:styleLbl name="parChTrans2D2">
-    <dgm:fillClrLst meth="repeat">
-      <a:schemeClr val="accent2"/>
-    </dgm:fillClrLst>
-    <dgm:linClrLst meth="repeat">
-      <a:schemeClr val="accent2"/>
-    </dgm:linClrLst>
-    <dgm:effectClrLst/>
-    <dgm:txLinClrLst/>
-    <dgm:txFillClrLst meth="repeat">
-      <a:schemeClr val="lt1"/>
-    </dgm:txFillClrLst>
-    <dgm:txEffectClrLst/>
-  </dgm:styleLbl>
-  <dgm:styleLbl name="parChTrans2D3">
-    <dgm:fillClrLst meth="repeat">
-      <a:schemeClr val="accent2"/>
-    </dgm:fillClrLst>
-    <dgm:linClrLst meth="repeat">
-      <a:schemeClr val="accent2"/>
-    </dgm:linClrLst>
-    <dgm:effectClrLst/>
-    <dgm:txLinClrLst/>
-    <dgm:txFillClrLst meth="repeat">
-      <a:schemeClr val="lt1"/>
-    </dgm:txFillClrLst>
-    <dgm:txEffectClrLst/>
-  </dgm:styleLbl>
-  <dgm:styleLbl name="parChTrans2D4">
-    <dgm:fillClrLst meth="repeat">
-      <a:schemeClr val="accent2"/>
-    </dgm:fillClrLst>
-    <dgm:linClrLst meth="repeat">
-      <a:schemeClr val="accent2"/>
-    </dgm:linClrLst>
-    <dgm:effectClrLst/>
-    <dgm:txLinClrLst/>
-    <dgm:txFillClrLst meth="repeat">
-      <a:schemeClr val="lt1"/>
-    </dgm:txFillClrLst>
-    <dgm:txEffectClrLst/>
-  </dgm:styleLbl>
-  <dgm:styleLbl name="parChTrans1D1">
-    <dgm:fillClrLst meth="repeat">
-      <a:schemeClr val="accent2"/>
-    </dgm:fillClrLst>
-    <dgm:linClrLst meth="repeat">
-      <a:schemeClr val="accent2">
-        <a:shade val="60000"/>
-      </a:schemeClr>
-    </dgm:linClrLst>
-    <dgm:effectClrLst/>
-    <dgm:txLinClrLst/>
-    <dgm:txFillClrLst meth="repeat">
-      <a:schemeClr val="tx1"/>
-    </dgm:txFillClrLst>
-    <dgm:txEffectClrLst/>
-  </dgm:styleLbl>
-  <dgm:styleLbl name="parChTrans1D2">
-    <dgm:fillClrLst meth="repeat">
-      <a:schemeClr val="accent2"/>
-    </dgm:fillClrLst>
-    <dgm:linClrLst meth="repeat">
-      <a:schemeClr val="accent2">
-        <a:shade val="60000"/>
-      </a:schemeClr>
-    </dgm:linClrLst>
-    <dgm:effectClrLst/>
-    <dgm:txLinClrLst/>
-    <dgm:txFillClrLst meth="repeat">
-      <a:schemeClr val="tx1"/>
-    </dgm:txFillClrLst>
-    <dgm:txEffectClrLst/>
-  </dgm:styleLbl>
-  <dgm:styleLbl name="parChTrans1D3">
-    <dgm:fillClrLst meth="repeat">
-      <a:schemeClr val="accent2"/>
-    </dgm:fillClrLst>
-    <dgm:linClrLst meth="repeat">
-      <a:schemeClr val="accent2">
-        <a:shade val="80000"/>
-      </a:schemeClr>
-    </dgm:linClrLst>
-    <dgm:effectClrLst/>
-    <dgm:txLinClrLst/>
-    <dgm:txFillClrLst meth="repeat">
-      <a:schemeClr val="tx1"/>
-    </dgm:txFillClrLst>
-    <dgm:txEffectClrLst/>
-  </dgm:styleLbl>
-  <dgm:styleLbl name="parChTrans1D4">
-    <dgm:fillClrLst meth="repeat">
-      <a:schemeClr val="accent2"/>
-    </dgm:fillClrLst>
-    <dgm:linClrLst meth="repeat">
-      <a:schemeClr val="accent2">
-        <a:shade val="80000"/>
-      </a:schemeClr>
-    </dgm:linClrLst>
-    <dgm:effectClrLst/>
-    <dgm:txLinClrLst/>
-    <dgm:txFillClrLst meth="repeat">
-      <a:schemeClr val="tx1"/>
-    </dgm:txFillClrLst>
-    <dgm:txEffectClrLst/>
-  </dgm:styleLbl>
-  <dgm:styleLbl name="fgAcc1">
-    <dgm:fillClrLst meth="repeat">
-      <a:schemeClr val="lt1">
-        <a:alpha val="90000"/>
-      </a:schemeClr>
-    </dgm:fillClrLst>
-    <dgm:linClrLst meth="repeat">
-      <a:schemeClr val="accent2"/>
-    </dgm:linClrLst>
-    <dgm:effectClrLst/>
-    <dgm:txLinClrLst/>
-    <dgm:txFillClrLst meth="repeat">
-      <a:schemeClr val="dk1"/>
-    </dgm:txFillClrLst>
-    <dgm:txEffectClrLst/>
-  </dgm:styleLbl>
-  <dgm:styleLbl name="conFgAcc1">
-    <dgm:fillClrLst meth="repeat">
-      <a:schemeClr val="lt1">
-        <a:alpha val="90000"/>
-      </a:schemeClr>
-    </dgm:fillClrLst>
-    <dgm:linClrLst meth="repeat">
-      <a:schemeClr val="accent2"/>
-    </dgm:linClrLst>
-    <dgm:effectClrLst/>
-    <dgm:txLinClrLst/>
-    <dgm:txFillClrLst meth="repeat">
-      <a:schemeClr val="dk1"/>
-    </dgm:txFillClrLst>
-    <dgm:txEffectClrLst/>
-  </dgm:styleLbl>
-  <dgm:styleLbl name="alignAcc1">
-    <dgm:fillClrLst meth="repeat">
-      <a:schemeClr val="lt1">
-        <a:alpha val="90000"/>
-      </a:schemeClr>
-    </dgm:fillClrLst>
-    <dgm:linClrLst meth="repeat">
-      <a:schemeClr val="accent2"/>
-    </dgm:linClrLst>
-    <dgm:effectClrLst/>
-    <dgm:txLinClrLst/>
-    <dgm:txFillClrLst meth="repeat">
-      <a:schemeClr val="dk1"/>
-    </dgm:txFillClrLst>
-    <dgm:txEffectClrLst/>
-  </dgm:styleLbl>
-  <dgm:styleLbl name="trAlignAcc1">
-    <dgm:fillClrLst meth="repeat">
-      <a:schemeClr val="lt1">
-        <a:alpha val="40000"/>
-      </a:schemeClr>
-    </dgm:fillClrLst>
-    <dgm:linClrLst meth="repeat">
-      <a:schemeClr val="accent2"/>
-    </dgm:linClrLst>
-    <dgm:effectClrLst/>
-    <dgm:txLinClrLst/>
-    <dgm:txFillClrLst meth="repeat">
-      <a:schemeClr val="dk1"/>
-    </dgm:txFillClrLst>
-    <dgm:txEffectClrLst/>
-  </dgm:styleLbl>
-  <dgm:styleLbl name="bgAcc1">
-    <dgm:fillClrLst meth="repeat">
-      <a:schemeClr val="lt1">
-        <a:alpha val="90000"/>
-      </a:schemeClr>
-    </dgm:fillClrLst>
-    <dgm:linClrLst meth="repeat">
-      <a:schemeClr val="accent2"/>
-    </dgm:linClrLst>
-    <dgm:effectClrLst/>
-    <dgm:txLinClrLst/>
-    <dgm:txFillClrLst meth="repeat">
-      <a:schemeClr val="dk1"/>
-    </dgm:txFillClrLst>
-    <dgm:txEffectClrLst/>
-  </dgm:styleLbl>
-  <dgm:styleLbl name="solidFgAcc1">
-    <dgm:fillClrLst meth="repeat">
-      <a:schemeClr val="lt1"/>
-    </dgm:fillClrLst>
-    <dgm:linClrLst meth="repeat">
-      <a:schemeClr val="accent2"/>
-    </dgm:linClrLst>
-    <dgm:effectClrLst/>
-    <dgm:txLinClrLst/>
-    <dgm:txFillClrLst meth="repeat">
-      <a:schemeClr val="dk1"/>
-    </dgm:txFillClrLst>
-    <dgm:txEffectClrLst/>
-  </dgm:styleLbl>
-  <dgm:styleLbl name="solidAlignAcc1">
-    <dgm:fillClrLst meth="repeat">
-      <a:schemeClr val="lt1"/>
-    </dgm:fillClrLst>
-    <dgm:linClrLst meth="repeat">
-      <a:schemeClr val="accent2"/>
-    </dgm:linClrLst>
-    <dgm:effectClrLst/>
-    <dgm:txLinClrLst/>
-    <dgm:txFillClrLst meth="repeat">
-      <a:schemeClr val="dk1"/>
-    </dgm:txFillClrLst>
-    <dgm:txEffectClrLst/>
-  </dgm:styleLbl>
-  <dgm:styleLbl name="solidBgAcc1">
-    <dgm:fillClrLst meth="repeat">
-      <a:schemeClr val="lt1"/>
-    </dgm:fillClrLst>
-    <dgm:linClrLst meth="repeat">
-      <a:schemeClr val="accent2"/>
-    </dgm:linClrLst>
-    <dgm:effectClrLst/>
-    <dgm:txLinClrLst/>
-    <dgm:txFillClrLst meth="repeat">
-      <a:schemeClr val="dk1"/>
-    </dgm:txFillClrLst>
-    <dgm:txEffectClrLst/>
-  </dgm:styleLbl>
-  <dgm:styleLbl name="fgAccFollowNode1">
-    <dgm:fillClrLst meth="repeat">
-      <a:schemeClr val="accent2">
-        <a:alpha val="90000"/>
-        <a:tint val="40000"/>
-      </a:schemeClr>
-    </dgm:fillClrLst>
-    <dgm:linClrLst meth="repeat">
-      <a:schemeClr val="accent2">
-        <a:alpha val="90000"/>
-        <a:tint val="40000"/>
-      </a:schemeClr>
-    </dgm:linClrLst>
-    <dgm:effectClrLst/>
-    <dgm:txLinClrLst/>
-    <dgm:txFillClrLst meth="repeat">
-      <a:schemeClr val="dk1"/>
-    </dgm:txFillClrLst>
-    <dgm:txEffectClrLst/>
-  </dgm:styleLbl>
-  <dgm:styleLbl name="alignAccFollowNode1">
-    <dgm:fillClrLst meth="repeat">
-      <a:schemeClr val="accent2">
-        <a:alpha val="90000"/>
-        <a:tint val="40000"/>
-      </a:schemeClr>
-    </dgm:fillClrLst>
-    <dgm:linClrLst meth="repeat">
-      <a:schemeClr val="accent2">
-        <a:alpha val="90000"/>
-        <a:tint val="40000"/>
-      </a:schemeClr>
-    </dgm:linClrLst>
-    <dgm:effectClrLst/>
-    <dgm:txLinClrLst/>
-    <dgm:txFillClrLst meth="repeat">
-      <a:schemeClr val="dk1"/>
-    </dgm:txFillClrLst>
-    <dgm:txEffectClrLst/>
-  </dgm:styleLbl>
-  <dgm:styleLbl name="bgAccFollowNode1">
-    <dgm:fillClrLst meth="repeat">
-      <a:schemeClr val="accent2">
-        <a:alpha val="90000"/>
-        <a:tint val="40000"/>
-      </a:schemeClr>
-    </dgm:fillClrLst>
-    <dgm:linClrLst meth="repeat">
-      <a:schemeClr val="accent2">
-        <a:alpha val="90000"/>
-        <a:tint val="40000"/>
-      </a:schemeClr>
-    </dgm:linClrLst>
-    <dgm:effectClrLst/>
-    <dgm:txLinClrLst/>
-    <dgm:txFillClrLst meth="repeat">
-      <a:schemeClr val="dk1"/>
-    </dgm:txFillClrLst>
-    <dgm:txEffectClrLst/>
-  </dgm:styleLbl>
-  <dgm:styleLbl name="fgAcc0">
-    <dgm:fillClrLst meth="repeat">
-      <a:schemeClr val="lt1">
-        <a:alpha val="90000"/>
-      </a:schemeClr>
-    </dgm:fillClrLst>
-    <dgm:linClrLst meth="repeat">
-      <a:schemeClr val="accent2"/>
-    </dgm:linClrLst>
-    <dgm:effectClrLst/>
-    <dgm:txLinClrLst/>
-    <dgm:txFillClrLst meth="repeat">
-      <a:schemeClr val="dk1"/>
-    </dgm:txFillClrLst>
-    <dgm:txEffectClrLst/>
-  </dgm:styleLbl>
-  <dgm:styleLbl name="fgAcc2">
-    <dgm:fillClrLst meth="repeat">
-      <a:schemeClr val="lt1">
-        <a:alpha val="90000"/>
-      </a:schemeClr>
-    </dgm:fillClrLst>
-    <dgm:linClrLst meth="repeat">
-      <a:schemeClr val="accent2"/>
-    </dgm:linClrLst>
-    <dgm:effectClrLst/>
-    <dgm:txLinClrLst/>
-    <dgm:txFillClrLst meth="repeat">
-      <a:schemeClr val="dk1"/>
-    </dgm:txFillClrLst>
-    <dgm:txEffectClrLst/>
-  </dgm:styleLbl>
-  <dgm:styleLbl name="fgAcc3">
-    <dgm:fillClrLst meth="repeat">
-      <a:schemeClr val="lt1">
-        <a:alpha val="90000"/>
-      </a:schemeClr>
-    </dgm:fillClrLst>
-    <dgm:linClrLst meth="repeat">
-      <a:schemeClr val="accent2"/>
-    </dgm:linClrLst>
-    <dgm:effectClrLst/>
-    <dgm:txLinClrLst/>
-    <dgm:txFillClrLst meth="repeat">
-      <a:schemeClr val="dk1"/>
-    </dgm:txFillClrLst>
-    <dgm:txEffectClrLst/>
-  </dgm:styleLbl>
-  <dgm:styleLbl name="fgAcc4">
-    <dgm:fillClrLst meth="repeat">
-      <a:schemeClr val="lt1">
-        <a:alpha val="90000"/>
-      </a:schemeClr>
-    </dgm:fillClrLst>
-    <dgm:linClrLst meth="repeat">
-      <a:schemeClr val="accent2"/>
-    </dgm:linClrLst>
-    <dgm:effectClrLst/>
-    <dgm:txLinClrLst/>
-    <dgm:txFillClrLst meth="repeat">
-      <a:schemeClr val="dk1"/>
-    </dgm:txFillClrLst>
-    <dgm:txEffectClrLst/>
-  </dgm:styleLbl>
-  <dgm:styleLbl name="bgShp">
-    <dgm:fillClrLst meth="repeat">
-      <a:schemeClr val="accent2">
-        <a:tint val="40000"/>
-      </a:schemeClr>
-    </dgm:fillClrLst>
-    <dgm:linClrLst meth="repeat">
-      <a:schemeClr val="accent2"/>
-    </dgm:linClrLst>
-    <dgm:effectClrLst/>
-    <dgm:txLinClrLst/>
-    <dgm:txFillClrLst meth="repeat">
-      <a:schemeClr val="dk1"/>
-    </dgm:txFillClrLst>
-    <dgm:txEffectClrLst/>
-  </dgm:styleLbl>
-  <dgm:styleLbl name="dkBgShp">
-    <dgm:fillClrLst meth="repeat">
-      <a:schemeClr val="accent2">
-        <a:shade val="80000"/>
-      </a:schemeClr>
-    </dgm:fillClrLst>
-    <dgm:linClrLst meth="repeat">
-      <a:schemeClr val="accent2"/>
-    </dgm:linClrLst>
-    <dgm:effectClrLst/>
-    <dgm:txLinClrLst/>
-    <dgm:txFillClrLst meth="repeat">
-      <a:schemeClr val="lt1"/>
-    </dgm:txFillClrLst>
-    <dgm:txEffectClrLst/>
-  </dgm:styleLbl>
-  <dgm:styleLbl name="trBgShp">
-    <dgm:fillClrLst meth="repeat">
-      <a:schemeClr val="accent2">
-        <a:tint val="50000"/>
-        <a:alpha val="40000"/>
-      </a:schemeClr>
-    </dgm:fillClrLst>
-    <dgm:linClrLst meth="repeat">
-      <a:schemeClr val="accent2"/>
-    </dgm:linClrLst>
-    <dgm:effectClrLst/>
-    <dgm:txLinClrLst/>
-    <dgm:txFillClrLst meth="repeat">
-      <a:schemeClr val="lt1"/>
-    </dgm:txFillClrLst>
-    <dgm:txEffectClrLst/>
-  </dgm:styleLbl>
-  <dgm:styleLbl name="fgShp">
-    <dgm:fillClrLst meth="repeat">
-      <a:schemeClr val="accent2">
-        <a:tint val="60000"/>
-      </a:schemeClr>
-    </dgm:fillClrLst>
-    <dgm:linClrLst meth="repeat">
-      <a:schemeClr val="lt1"/>
-    </dgm:linClrLst>
-    <dgm:effectClrLst/>
-    <dgm:txLinClrLst/>
-    <dgm:txFillClrLst meth="repeat">
-      <a:schemeClr val="dk1"/>
-    </dgm:txFillClrLst>
-    <dgm:txEffectClrLst/>
-  </dgm:styleLbl>
-  <dgm:styleLbl name="revTx">
-    <dgm:fillClrLst meth="repeat">
-      <a:schemeClr val="lt1">
-        <a:alpha val="0"/>
-      </a:schemeClr>
-    </dgm:fillClrLst>
-    <dgm:linClrLst meth="repeat">
-      <a:schemeClr val="dk1">
-        <a:alpha val="0"/>
-      </a:schemeClr>
-    </dgm:linClrLst>
-    <dgm:effectClrLst/>
-    <dgm:txLinClrLst/>
-    <dgm:txFillClrLst meth="repeat">
-      <a:schemeClr val="tx1"/>
-    </dgm:txFillClrLst>
-    <dgm:txEffectClrLst/>
-  </dgm:styleLbl>
-</dgm:colorsDef>
-</file>
-
-<file path=ppt/diagrams/colors5.xml><?xml version="1.0" encoding="utf-8"?>
-<dgm:colorsDef xmlns:dgm="http://schemas.openxmlformats.org/drawingml/2006/diagram" xmlns:a="http://schemas.openxmlformats.org/drawingml/2006/main" uniqueId="urn:microsoft.com/office/officeart/2005/8/colors/colorful1">
-  <dgm:title val=""/>
-  <dgm:desc val=""/>
-  <dgm:catLst>
-    <dgm:cat type="colorful" pri="10100"/>
-  </dgm:catLst>
-  <dgm:styleLbl name="node0">
-    <dgm:fillClrLst meth="repeat">
-      <a:schemeClr val="accent1"/>
-    </dgm:fillClrLst>
-    <dgm:linClrLst meth="repeat">
-      <a:schemeClr val="lt1"/>
-    </dgm:linClrLst>
-    <dgm:effectClrLst/>
-    <dgm:txLinClrLst/>
-    <dgm:txFillClrLst/>
-    <dgm:txEffectClrLst/>
-  </dgm:styleLbl>
-  <dgm:styleLbl name="node1">
-    <dgm:fillClrLst meth="repeat">
-      <a:schemeClr val="accent2"/>
-      <a:schemeClr val="accent3"/>
-      <a:schemeClr val="accent4"/>
-      <a:schemeClr val="accent5"/>
-      <a:schemeClr val="accent6"/>
-    </dgm:fillClrLst>
-    <dgm:linClrLst meth="repeat">
-      <a:schemeClr val="lt1"/>
-    </dgm:linClrLst>
-    <dgm:effectClrLst/>
-    <dgm:txLinClrLst/>
-    <dgm:txFillClrLst/>
-    <dgm:txEffectClrLst/>
-  </dgm:styleLbl>
-  <dgm:styleLbl name="alignNode1">
-    <dgm:fillClrLst meth="repeat">
-      <a:schemeClr val="accent2"/>
-      <a:schemeClr val="accent3"/>
-      <a:schemeClr val="accent4"/>
-      <a:schemeClr val="accent5"/>
-      <a:schemeClr val="accent6"/>
-    </dgm:fillClrLst>
-    <dgm:linClrLst meth="repeat">
-      <a:schemeClr val="accent2"/>
-      <a:schemeClr val="accent3"/>
-      <a:schemeClr val="accent4"/>
-      <a:schemeClr val="accent5"/>
-      <a:schemeClr val="accent6"/>
-    </dgm:linClrLst>
-    <dgm:effectClrLst/>
-    <dgm:txLinClrLst/>
-    <dgm:txFillClrLst/>
-    <dgm:txEffectClrLst/>
-  </dgm:styleLbl>
-  <dgm:styleLbl name="lnNode1">
-    <dgm:fillClrLst meth="repeat">
-      <a:schemeClr val="accent2"/>
-      <a:schemeClr val="accent3"/>
-      <a:schemeClr val="accent4"/>
-      <a:schemeClr val="accent5"/>
-      <a:schemeClr val="accent6"/>
-    </dgm:fillClrLst>
-    <dgm:linClrLst meth="repeat">
-      <a:schemeClr val="lt1"/>
-    </dgm:linClrLst>
-    <dgm:effectClrLst/>
-    <dgm:txLinClrLst/>
-    <dgm:txFillClrLst/>
-    <dgm:txEffectClrLst/>
-  </dgm:styleLbl>
-  <dgm:styleLbl name="vennNode1">
-    <dgm:fillClrLst meth="repeat">
-      <a:schemeClr val="accent2">
-        <a:alpha val="50000"/>
-      </a:schemeClr>
-      <a:schemeClr val="accent3">
-        <a:alpha val="50000"/>
-      </a:schemeClr>
-      <a:schemeClr val="accent4">
-        <a:alpha val="50000"/>
-      </a:schemeClr>
-      <a:schemeClr val="accent5">
-        <a:alpha val="50000"/>
-      </a:schemeClr>
-      <a:schemeClr val="accent6">
-        <a:alpha val="50000"/>
-      </a:schemeClr>
-    </dgm:fillClrLst>
-    <dgm:linClrLst meth="repeat">
-      <a:schemeClr val="lt1"/>
-    </dgm:linClrLst>
-    <dgm:effectClrLst/>
-    <dgm:txLinClrLst/>
-    <dgm:txFillClrLst/>
-    <dgm:txEffectClrLst/>
-  </dgm:styleLbl>
-  <dgm:styleLbl name="node2">
-    <dgm:fillClrLst>
-      <a:schemeClr val="accent2"/>
-    </dgm:fillClrLst>
-    <dgm:linClrLst meth="repeat">
-      <a:schemeClr val="lt1"/>
-    </dgm:linClrLst>
-    <dgm:effectClrLst/>
-    <dgm:txLinClrLst/>
-    <dgm:txFillClrLst/>
-    <dgm:txEffectClrLst/>
-  </dgm:styleLbl>
-  <dgm:styleLbl name="node3">
-    <dgm:fillClrLst>
-      <a:schemeClr val="accent3"/>
-    </dgm:fillClrLst>
-    <dgm:linClrLst meth="repeat">
-      <a:schemeClr val="lt1"/>
-    </dgm:linClrLst>
-    <dgm:effectClrLst/>
-    <dgm:txLinClrLst/>
-    <dgm:txFillClrLst/>
-    <dgm:txEffectClrLst/>
-  </dgm:styleLbl>
-  <dgm:styleLbl name="node4">
-    <dgm:fillClrLst>
-      <a:schemeClr val="accent4"/>
-    </dgm:fillClrLst>
-    <dgm:linClrLst meth="repeat">
-      <a:schemeClr val="lt1"/>
-    </dgm:linClrLst>
-    <dgm:effectClrLst/>
-    <dgm:txLinClrLst/>
-    <dgm:txFillClrLst/>
-    <dgm:txEffectClrLst/>
-  </dgm:styleLbl>
-  <dgm:styleLbl name="fgImgPlace1">
-    <dgm:fillClrLst meth="repeat">
-      <a:schemeClr val="accent2">
-        <a:tint val="50000"/>
-      </a:schemeClr>
-      <a:schemeClr val="accent3">
-        <a:tint val="50000"/>
-      </a:schemeClr>
-      <a:schemeClr val="accent4">
-        <a:tint val="50000"/>
-      </a:schemeClr>
-      <a:schemeClr val="accent5">
-        <a:tint val="50000"/>
-      </a:schemeClr>
-      <a:schemeClr val="accent6">
-        <a:tint val="50000"/>
-      </a:schemeClr>
-    </dgm:fillClrLst>
-    <dgm:linClrLst meth="repeat">
-      <a:schemeClr val="lt1"/>
-    </dgm:linClrLst>
-    <dgm:effectClrLst/>
-    <dgm:txLinClrLst/>
-    <dgm:txFillClrLst meth="repeat">
-      <a:schemeClr val="lt1"/>
-    </dgm:txFillClrLst>
-    <dgm:txEffectClrLst/>
-  </dgm:styleLbl>
-  <dgm:styleLbl name="alignImgPlace1">
-    <dgm:fillClrLst>
-      <a:schemeClr val="accent1">
-        <a:tint val="50000"/>
-      </a:schemeClr>
-      <a:schemeClr val="accent2">
-        <a:tint val="20000"/>
-      </a:schemeClr>
-    </dgm:fillClrLst>
-    <dgm:linClrLst meth="repeat">
-      <a:schemeClr val="lt1"/>
-    </dgm:linClrLst>
-    <dgm:effectClrLst/>
-    <dgm:txLinClrLst/>
-    <dgm:txFillClrLst meth="repeat">
-      <a:schemeClr val="lt1"/>
-    </dgm:txFillClrLst>
-    <dgm:txEffectClrLst/>
-  </dgm:styleLbl>
-  <dgm:styleLbl name="bgImgPlace1">
-    <dgm:fillClrLst>
-      <a:schemeClr val="accent1">
-        <a:tint val="50000"/>
-      </a:schemeClr>
-      <a:schemeClr val="accent2">
-        <a:tint val="20000"/>
-      </a:schemeClr>
-    </dgm:fillClrLst>
-    <dgm:linClrLst meth="repeat">
-      <a:schemeClr val="lt1"/>
-    </dgm:linClrLst>
-    <dgm:effectClrLst/>
-    <dgm:txLinClrLst/>
-    <dgm:txFillClrLst meth="repeat">
-      <a:schemeClr val="lt1"/>
-    </dgm:txFillClrLst>
-    <dgm:txEffectClrLst/>
-  </dgm:styleLbl>
-  <dgm:styleLbl name="sibTrans2D1">
-    <dgm:fillClrLst meth="repeat">
-      <a:schemeClr val="accent2"/>
-      <a:schemeClr val="accent3"/>
-      <a:schemeClr val="accent4"/>
-      <a:schemeClr val="accent5"/>
-      <a:schemeClr val="accent6"/>
-    </dgm:fillClrLst>
-    <dgm:linClrLst meth="cycle">
-      <a:schemeClr val="lt1"/>
-    </dgm:linClrLst>
-    <dgm:effectClrLst/>
-    <dgm:txLinClrLst/>
-    <dgm:txFillClrLst/>
-    <dgm:txEffectClrLst/>
-  </dgm:styleLbl>
-  <dgm:styleLbl name="fgSibTrans2D1">
-    <dgm:fillClrLst meth="repeat">
-      <a:schemeClr val="accent2"/>
-      <a:schemeClr val="accent3"/>
-      <a:schemeClr val="accent4"/>
-      <a:schemeClr val="accent5"/>
-      <a:schemeClr val="accent6"/>
-    </dgm:fillClrLst>
-    <dgm:linClrLst meth="cycle">
-      <a:schemeClr val="lt1"/>
-    </dgm:linClrLst>
-    <dgm:effectClrLst/>
-    <dgm:txLinClrLst/>
-    <dgm:txFillClrLst meth="repeat">
-      <a:schemeClr val="lt1"/>
-    </dgm:txFillClrLst>
-    <dgm:txEffectClrLst/>
-  </dgm:styleLbl>
-  <dgm:styleLbl name="bgSibTrans2D1">
-    <dgm:fillClrLst meth="repeat">
-      <a:schemeClr val="accent2"/>
-      <a:schemeClr val="accent3"/>
-      <a:schemeClr val="accent4"/>
-      <a:schemeClr val="accent5"/>
-      <a:schemeClr val="accent6"/>
-    </dgm:fillClrLst>
-    <dgm:linClrLst meth="cycle">
-      <a:schemeClr val="lt1"/>
-    </dgm:linClrLst>
-    <dgm:effectClrLst/>
-    <dgm:txLinClrLst/>
-    <dgm:txFillClrLst meth="repeat">
-      <a:schemeClr val="lt1"/>
-    </dgm:txFillClrLst>
-    <dgm:txEffectClrLst/>
-  </dgm:styleLbl>
-  <dgm:styleLbl name="sibTrans1D1">
-    <dgm:fillClrLst meth="repeat">
-      <a:schemeClr val="accent2"/>
-      <a:schemeClr val="accent3"/>
-      <a:schemeClr val="accent4"/>
-      <a:schemeClr val="accent5"/>
-      <a:schemeClr val="accent6"/>
-    </dgm:fillClrLst>
-    <dgm:linClrLst meth="repeat">
-      <a:schemeClr val="accent2"/>
-      <a:schemeClr val="accent3"/>
-      <a:schemeClr val="accent4"/>
-      <a:schemeClr val="accent5"/>
-      <a:schemeClr val="accent6"/>
-    </dgm:linClrLst>
-    <dgm:effectClrLst/>
-    <dgm:txLinClrLst/>
-    <dgm:txFillClrLst meth="repeat">
-      <a:schemeClr val="tx1"/>
-    </dgm:txFillClrLst>
-    <dgm:txEffectClrLst/>
-  </dgm:styleLbl>
-  <dgm:styleLbl name="callout">
-    <dgm:fillClrLst meth="repeat">
-      <a:schemeClr val="accent2"/>
-    </dgm:fillClrLst>
-    <dgm:linClrLst meth="repeat">
-      <a:schemeClr val="accent2">
-        <a:tint val="50000"/>
-      </a:schemeClr>
-    </dgm:linClrLst>
-    <dgm:effectClrLst/>
-    <dgm:txLinClrLst/>
-    <dgm:txFillClrLst meth="repeat">
-      <a:schemeClr val="tx1"/>
-    </dgm:txFillClrLst>
-    <dgm:txEffectClrLst/>
-  </dgm:styleLbl>
-  <dgm:styleLbl name="asst0">
-    <dgm:fillClrLst meth="repeat">
-      <a:schemeClr val="accent1"/>
-    </dgm:fillClrLst>
-    <dgm:linClrLst meth="repeat">
-      <a:schemeClr val="lt1"/>
-    </dgm:linClrLst>
-    <dgm:effectClrLst/>
-    <dgm:txLinClrLst/>
-    <dgm:txFillClrLst/>
-    <dgm:txEffectClrLst/>
-  </dgm:styleLbl>
-  <dgm:styleLbl name="asst1">
-    <dgm:fillClrLst meth="repeat">
-      <a:schemeClr val="accent2"/>
-    </dgm:fillClrLst>
-    <dgm:linClrLst meth="repeat">
-      <a:schemeClr val="lt1"/>
-    </dgm:linClrLst>
-    <dgm:effectClrLst/>
-    <dgm:txLinClrLst/>
-    <dgm:txFillClrLst/>
-    <dgm:txEffectClrLst/>
-  </dgm:styleLbl>
-  <dgm:styleLbl name="asst2">
-    <dgm:fillClrLst>
-      <a:schemeClr val="accent3"/>
-    </dgm:fillClrLst>
-    <dgm:linClrLst meth="repeat">
-      <a:schemeClr val="lt1"/>
-    </dgm:linClrLst>
-    <dgm:effectClrLst/>
-    <dgm:txLinClrLst/>
-    <dgm:txFillClrLst/>
-    <dgm:txEffectClrLst/>
-  </dgm:styleLbl>
-  <dgm:styleLbl name="asst3">
-    <dgm:fillClrLst>
-      <a:schemeClr val="accent4"/>
-    </dgm:fillClrLst>
-    <dgm:linClrLst meth="repeat">
-      <a:schemeClr val="lt1"/>
-    </dgm:linClrLst>
-    <dgm:effectClrLst/>
-    <dgm:txLinClrLst/>
-    <dgm:txFillClrLst/>
-    <dgm:txEffectClrLst/>
-  </dgm:styleLbl>
-  <dgm:styleLbl name="asst4">
-    <dgm:fillClrLst>
-      <a:schemeClr val="accent5"/>
-    </dgm:fillClrLst>
-    <dgm:linClrLst meth="repeat">
-      <a:schemeClr val="lt1"/>
-    </dgm:linClrLst>
-    <dgm:effectClrLst/>
-    <dgm:txLinClrLst/>
-    <dgm:txFillClrLst/>
-    <dgm:txEffectClrLst/>
-  </dgm:styleLbl>
-  <dgm:styleLbl name="parChTrans2D1">
-    <dgm:fillClrLst meth="repeat">
-      <a:schemeClr val="accent2"/>
-    </dgm:fillClrLst>
-    <dgm:linClrLst meth="repeat">
-      <a:schemeClr val="lt1"/>
-    </dgm:linClrLst>
-    <dgm:effectClrLst/>
-    <dgm:txLinClrLst/>
-    <dgm:txFillClrLst meth="repeat">
-      <a:schemeClr val="lt1"/>
-    </dgm:txFillClrLst>
-    <dgm:txEffectClrLst/>
-  </dgm:styleLbl>
-  <dgm:styleLbl name="parChTrans2D2">
-    <dgm:fillClrLst meth="repeat">
-      <a:schemeClr val="accent3"/>
-    </dgm:fillClrLst>
-    <dgm:linClrLst meth="repeat">
-      <a:schemeClr val="lt1"/>
-    </dgm:linClrLst>
-    <dgm:effectClrLst/>
-    <dgm:txLinClrLst/>
-    <dgm:txFillClrLst/>
-    <dgm:txEffectClrLst/>
-  </dgm:styleLbl>
-  <dgm:styleLbl name="parChTrans2D3">
-    <dgm:fillClrLst meth="repeat">
-      <a:schemeClr val="accent4"/>
-    </dgm:fillClrLst>
-    <dgm:linClrLst meth="repeat">
-      <a:schemeClr val="lt1"/>
-    </dgm:linClrLst>
-    <dgm:effectClrLst/>
-    <dgm:txLinClrLst/>
-    <dgm:txFillClrLst/>
-    <dgm:txEffectClrLst/>
-  </dgm:styleLbl>
-  <dgm:styleLbl name="parChTrans2D4">
-    <dgm:fillClrLst meth="repeat">
-      <a:schemeClr val="accent5"/>
-    </dgm:fillClrLst>
-    <dgm:linClrLst meth="repeat">
-      <a:schemeClr val="lt1"/>
-    </dgm:linClrLst>
-    <dgm:effectClrLst/>
-    <dgm:txLinClrLst/>
-    <dgm:txFillClrLst meth="repeat">
-      <a:schemeClr val="lt1"/>
-    </dgm:txFillClrLst>
-    <dgm:txEffectClrLst/>
-  </dgm:styleLbl>
-  <dgm:styleLbl name="parChTrans1D1">
-    <dgm:fillClrLst meth="repeat">
-      <a:schemeClr val="accent2"/>
-    </dgm:fillClrLst>
-    <dgm:linClrLst meth="repeat">
-      <a:schemeClr val="accent1"/>
-    </dgm:linClrLst>
-    <dgm:effectClrLst/>
-    <dgm:txLinClrLst/>
-    <dgm:txFillClrLst meth="repeat">
-      <a:schemeClr val="tx1"/>
-    </dgm:txFillClrLst>
-    <dgm:txEffectClrLst/>
-  </dgm:styleLbl>
-  <dgm:styleLbl name="parChTrans1D2">
-    <dgm:fillClrLst meth="repeat">
-      <a:schemeClr val="accent3">
-        <a:tint val="90000"/>
-      </a:schemeClr>
-    </dgm:fillClrLst>
-    <dgm:linClrLst meth="repeat">
-      <a:schemeClr val="accent2"/>
-    </dgm:linClrLst>
-    <dgm:effectClrLst/>
-    <dgm:txLinClrLst/>
-    <dgm:txFillClrLst meth="repeat">
-      <a:schemeClr val="tx1"/>
-    </dgm:txFillClrLst>
-    <dgm:txEffectClrLst/>
-  </dgm:styleLbl>
-  <dgm:styleLbl name="parChTrans1D3">
-    <dgm:fillClrLst meth="repeat">
-      <a:schemeClr val="accent4">
-        <a:tint val="70000"/>
-      </a:schemeClr>
-    </dgm:fillClrLst>
-    <dgm:linClrLst meth="repeat">
-      <a:schemeClr val="accent3"/>
-    </dgm:linClrLst>
-    <dgm:effectClrLst/>
-    <dgm:txLinClrLst/>
-    <dgm:txFillClrLst meth="repeat">
-      <a:schemeClr val="tx1"/>
-    </dgm:txFillClrLst>
-    <dgm:txEffectClrLst/>
-  </dgm:styleLbl>
-  <dgm:styleLbl name="parChTrans1D4">
-    <dgm:fillClrLst meth="repeat">
-      <a:schemeClr val="accent5">
-        <a:tint val="50000"/>
-      </a:schemeClr>
-    </dgm:fillClrLst>
-    <dgm:linClrLst meth="repeat">
-      <a:schemeClr val="accent4"/>
-    </dgm:linClrLst>
-    <dgm:effectClrLst/>
-    <dgm:txLinClrLst/>
-    <dgm:txFillClrLst meth="repeat">
-      <a:schemeClr val="tx1"/>
-    </dgm:txFillClrLst>
-    <dgm:txEffectClrLst/>
-  </dgm:styleLbl>
-  <dgm:styleLbl name="fgAcc1">
-    <dgm:fillClrLst meth="repeat">
-      <a:schemeClr val="lt1">
-        <a:alpha val="90000"/>
-      </a:schemeClr>
-    </dgm:fillClrLst>
-    <dgm:linClrLst meth="repeat">
-      <a:schemeClr val="accent2"/>
-      <a:schemeClr val="accent3"/>
-      <a:schemeClr val="accent4"/>
-      <a:schemeClr val="accent5"/>
-      <a:schemeClr val="accent6"/>
-    </dgm:linClrLst>
-    <dgm:effectClrLst/>
-    <dgm:txLinClrLst/>
-    <dgm:txFillClrLst meth="repeat">
-      <a:schemeClr val="dk1"/>
-    </dgm:txFillClrLst>
-    <dgm:txEffectClrLst/>
-  </dgm:styleLbl>
-  <dgm:styleLbl name="conFgAcc1">
-    <dgm:fillClrLst meth="repeat">
-      <a:schemeClr val="lt1">
-        <a:alpha val="90000"/>
-      </a:schemeClr>
-    </dgm:fillClrLst>
-    <dgm:linClrLst meth="repeat">
-      <a:schemeClr val="accent2"/>
-      <a:schemeClr val="accent3"/>
-      <a:schemeClr val="accent4"/>
-      <a:schemeClr val="accent5"/>
-      <a:schemeClr val="accent6"/>
-    </dgm:linClrLst>
-    <dgm:effectClrLst/>
-    <dgm:txLinClrLst/>
-    <dgm:txFillClrLst meth="repeat">
-      <a:schemeClr val="dk1"/>
-    </dgm:txFillClrLst>
-    <dgm:txEffectClrLst/>
-  </dgm:styleLbl>
-  <dgm:styleLbl name="alignAcc1">
-    <dgm:fillClrLst meth="repeat">
-      <a:schemeClr val="lt1">
-        <a:alpha val="90000"/>
-      </a:schemeClr>
-    </dgm:fillClrLst>
-    <dgm:linClrLst meth="repeat">
-      <a:schemeClr val="accent2"/>
-      <a:schemeClr val="accent3"/>
-      <a:schemeClr val="accent4"/>
-      <a:schemeClr val="accent5"/>
-      <a:schemeClr val="accent6"/>
-    </dgm:linClrLst>
-    <dgm:effectClrLst/>
-    <dgm:txLinClrLst/>
-    <dgm:txFillClrLst meth="repeat">
-      <a:schemeClr val="dk1"/>
-    </dgm:txFillClrLst>
-    <dgm:txEffectClrLst/>
-  </dgm:styleLbl>
-  <dgm:styleLbl name="trAlignAcc1">
-    <dgm:fillClrLst meth="repeat">
-      <a:schemeClr val="lt1">
-        <a:alpha val="40000"/>
-      </a:schemeClr>
-    </dgm:fillClrLst>
-    <dgm:linClrLst meth="repeat">
-      <a:schemeClr val="accent1"/>
-    </dgm:linClrLst>
-    <dgm:effectClrLst/>
-    <dgm:txLinClrLst/>
-    <dgm:txFillClrLst meth="repeat">
-      <a:schemeClr val="dk1"/>
-    </dgm:txFillClrLst>
-    <dgm:txEffectClrLst/>
-  </dgm:styleLbl>
-  <dgm:styleLbl name="bgAcc1">
-    <dgm:fillClrLst meth="repeat">
-      <a:schemeClr val="lt1">
-        <a:alpha val="90000"/>
-      </a:schemeClr>
-    </dgm:fillClrLst>
-    <dgm:linClrLst meth="repeat">
-      <a:schemeClr val="accent2"/>
-      <a:schemeClr val="accent3"/>
-      <a:schemeClr val="accent4"/>
-      <a:schemeClr val="accent5"/>
-      <a:schemeClr val="accent6"/>
-    </dgm:linClrLst>
-    <dgm:effectClrLst/>
-    <dgm:txLinClrLst/>
-    <dgm:txFillClrLst meth="repeat">
-      <a:schemeClr val="dk1"/>
-    </dgm:txFillClrLst>
-    <dgm:txEffectClrLst/>
-  </dgm:styleLbl>
-  <dgm:styleLbl name="solidFgAcc1">
-    <dgm:fillClrLst meth="repeat">
-      <a:schemeClr val="lt1"/>
-    </dgm:fillClrLst>
-    <dgm:linClrLst meth="repeat">
-      <a:schemeClr val="accent2"/>
-      <a:schemeClr val="accent3"/>
-      <a:schemeClr val="accent4"/>
-      <a:schemeClr val="accent5"/>
-      <a:schemeClr val="accent6"/>
-    </dgm:linClrLst>
-    <dgm:effectClrLst/>
-    <dgm:txLinClrLst/>
-    <dgm:txFillClrLst meth="repeat">
-      <a:schemeClr val="dk1"/>
-    </dgm:txFillClrLst>
-    <dgm:txEffectClrLst/>
-  </dgm:styleLbl>
-  <dgm:styleLbl name="solidAlignAcc1">
-    <dgm:fillClrLst meth="repeat">
-      <a:schemeClr val="lt1"/>
-    </dgm:fillClrLst>
-    <dgm:linClrLst meth="repeat">
-      <a:schemeClr val="accent2"/>
-      <a:schemeClr val="accent3"/>
-      <a:schemeClr val="accent4"/>
-      <a:schemeClr val="accent5"/>
-      <a:schemeClr val="accent6"/>
-    </dgm:linClrLst>
-    <dgm:effectClrLst/>
-    <dgm:txLinClrLst/>
-    <dgm:txFillClrLst meth="repeat">
-      <a:schemeClr val="dk1"/>
-    </dgm:txFillClrLst>
-    <dgm:txEffectClrLst/>
-  </dgm:styleLbl>
-  <dgm:styleLbl name="solidBgAcc1">
-    <dgm:fillClrLst meth="repeat">
-      <a:schemeClr val="lt1"/>
-    </dgm:fillClrLst>
-    <dgm:linClrLst meth="repeat">
-      <a:schemeClr val="accent2"/>
-      <a:schemeClr val="accent3"/>
-      <a:schemeClr val="accent4"/>
-      <a:schemeClr val="accent5"/>
-      <a:schemeClr val="accent6"/>
-    </dgm:linClrLst>
-    <dgm:effectClrLst/>
-    <dgm:txLinClrLst/>
-    <dgm:txFillClrLst meth="repeat">
-      <a:schemeClr val="dk1"/>
-    </dgm:txFillClrLst>
-    <dgm:txEffectClrLst/>
-  </dgm:styleLbl>
-  <dgm:styleLbl name="fgAccFollowNode1">
-    <dgm:fillClrLst meth="repeat">
-      <a:schemeClr val="accent2">
-        <a:tint val="40000"/>
-        <a:alpha val="90000"/>
-      </a:schemeClr>
-      <a:schemeClr val="accent3">
-        <a:tint val="40000"/>
-        <a:alpha val="90000"/>
-      </a:schemeClr>
-      <a:schemeClr val="accent4">
-        <a:tint val="40000"/>
-        <a:alpha val="90000"/>
-      </a:schemeClr>
-      <a:schemeClr val="accent5">
-        <a:tint val="40000"/>
-        <a:alpha val="90000"/>
-      </a:schemeClr>
-      <a:schemeClr val="accent6">
-        <a:tint val="40000"/>
-        <a:alpha val="90000"/>
-      </a:schemeClr>
-    </dgm:fillClrLst>
-    <dgm:linClrLst meth="repeat">
-      <a:schemeClr val="accent2">
-        <a:tint val="40000"/>
-        <a:alpha val="90000"/>
-      </a:schemeClr>
-      <a:schemeClr val="accent3">
-        <a:tint val="40000"/>
-        <a:alpha val="90000"/>
-      </a:schemeClr>
-      <a:schemeClr val="accent4">
-        <a:tint val="40000"/>
-        <a:alpha val="90000"/>
-      </a:schemeClr>
-      <a:schemeClr val="accent5">
-        <a:tint val="40000"/>
-        <a:alpha val="90000"/>
-      </a:schemeClr>
-      <a:schemeClr val="accent6">
-        <a:tint val="40000"/>
-        <a:alpha val="90000"/>
-      </a:schemeClr>
-    </dgm:linClrLst>
-    <dgm:effectClrLst/>
-    <dgm:txLinClrLst/>
-    <dgm:txFillClrLst meth="repeat">
-      <a:schemeClr val="dk1"/>
-    </dgm:txFillClrLst>
-    <dgm:txEffectClrLst/>
-  </dgm:styleLbl>
-  <dgm:styleLbl name="alignAccFollowNode1">
-    <dgm:fillClrLst meth="repeat">
-      <a:schemeClr val="accent2">
-        <a:tint val="40000"/>
-        <a:alpha val="90000"/>
-      </a:schemeClr>
-      <a:schemeClr val="accent3">
-        <a:tint val="40000"/>
-        <a:alpha val="90000"/>
-      </a:schemeClr>
-      <a:schemeClr val="accent4">
-        <a:tint val="40000"/>
-        <a:alpha val="90000"/>
-      </a:schemeClr>
-      <a:schemeClr val="accent5">
-        <a:tint val="40000"/>
-        <a:alpha val="90000"/>
-      </a:schemeClr>
-      <a:schemeClr val="accent6">
-        <a:tint val="40000"/>
-        <a:alpha val="90000"/>
-      </a:schemeClr>
-    </dgm:fillClrLst>
-    <dgm:linClrLst meth="repeat">
-      <a:schemeClr val="accent2">
-        <a:tint val="40000"/>
-        <a:alpha val="90000"/>
-      </a:schemeClr>
-      <a:schemeClr val="accent3">
-        <a:tint val="40000"/>
-        <a:alpha val="90000"/>
-      </a:schemeClr>
-      <a:schemeClr val="accent4">
-        <a:tint val="40000"/>
-        <a:alpha val="90000"/>
-      </a:schemeClr>
-      <a:schemeClr val="accent5">
-        <a:tint val="40000"/>
-        <a:alpha val="90000"/>
-      </a:schemeClr>
-      <a:schemeClr val="accent6">
-        <a:tint val="40000"/>
-        <a:alpha val="90000"/>
-      </a:schemeClr>
-    </dgm:linClrLst>
-    <dgm:effectClrLst/>
-    <dgm:txLinClrLst/>
-    <dgm:txFillClrLst meth="repeat">
-      <a:schemeClr val="dk1"/>
-    </dgm:txFillClrLst>
-    <dgm:txEffectClrLst/>
-  </dgm:styleLbl>
-  <dgm:styleLbl name="bgAccFollowNode1">
-    <dgm:fillClrLst meth="repeat">
-      <a:schemeClr val="accent2">
-        <a:tint val="40000"/>
-        <a:alpha val="90000"/>
-      </a:schemeClr>
-      <a:schemeClr val="accent3">
-        <a:tint val="40000"/>
-        <a:alpha val="90000"/>
-      </a:schemeClr>
-      <a:schemeClr val="accent4">
-        <a:tint val="40000"/>
-        <a:alpha val="90000"/>
-      </a:schemeClr>
-      <a:schemeClr val="accent5">
-        <a:tint val="40000"/>
-        <a:alpha val="90000"/>
-      </a:schemeClr>
-      <a:schemeClr val="accent6">
-        <a:tint val="40000"/>
-        <a:alpha val="90000"/>
-      </a:schemeClr>
-    </dgm:fillClrLst>
-    <dgm:linClrLst meth="repeat">
-      <a:schemeClr val="accent2">
-        <a:tint val="40000"/>
-        <a:alpha val="90000"/>
-      </a:schemeClr>
-      <a:schemeClr val="accent3">
-        <a:tint val="40000"/>
-        <a:alpha val="90000"/>
-      </a:schemeClr>
-      <a:schemeClr val="accent4">
-        <a:tint val="40000"/>
-        <a:alpha val="90000"/>
-      </a:schemeClr>
-      <a:schemeClr val="accent5">
-        <a:tint val="40000"/>
-        <a:alpha val="90000"/>
-      </a:schemeClr>
-      <a:schemeClr val="accent6">
-        <a:tint val="40000"/>
-        <a:alpha val="90000"/>
-      </a:schemeClr>
-    </dgm:linClrLst>
-    <dgm:effectClrLst/>
-    <dgm:txLinClrLst/>
-    <dgm:txFillClrLst meth="repeat">
-      <a:schemeClr val="dk1"/>
-    </dgm:txFillClrLst>
-    <dgm:txEffectClrLst/>
-  </dgm:styleLbl>
-  <dgm:styleLbl name="fgAcc0">
-    <dgm:fillClrLst meth="repeat">
-      <a:schemeClr val="lt1">
-        <a:alpha val="90000"/>
-      </a:schemeClr>
-    </dgm:fillClrLst>
-    <dgm:linClrLst>
-      <a:schemeClr val="accent1"/>
-    </dgm:linClrLst>
-    <dgm:effectClrLst/>
-    <dgm:txLinClrLst/>
-    <dgm:txFillClrLst meth="repeat">
-      <a:schemeClr val="dk1"/>
-    </dgm:txFillClrLst>
-    <dgm:txEffectClrLst/>
-  </dgm:styleLbl>
-  <dgm:styleLbl name="fgAcc2">
-    <dgm:fillClrLst meth="repeat">
-      <a:schemeClr val="lt1">
-        <a:alpha val="90000"/>
-      </a:schemeClr>
-    </dgm:fillClrLst>
-    <dgm:linClrLst>
-      <a:schemeClr val="accent2"/>
-    </dgm:linClrLst>
-    <dgm:effectClrLst/>
-    <dgm:txLinClrLst/>
-    <dgm:txFillClrLst meth="repeat">
-      <a:schemeClr val="dk1"/>
-    </dgm:txFillClrLst>
-    <dgm:txEffectClrLst/>
-  </dgm:styleLbl>
-  <dgm:styleLbl name="fgAcc3">
-    <dgm:fillClrLst meth="repeat">
-      <a:schemeClr val="lt1">
-        <a:alpha val="90000"/>
-      </a:schemeClr>
-    </dgm:fillClrLst>
-    <dgm:linClrLst>
-      <a:schemeClr val="accent3"/>
-    </dgm:linClrLst>
-    <dgm:effectClrLst/>
-    <dgm:txLinClrLst/>
-    <dgm:txFillClrLst meth="repeat">
-      <a:schemeClr val="dk1"/>
-    </dgm:txFillClrLst>
-    <dgm:txEffectClrLst/>
-  </dgm:styleLbl>
-  <dgm:styleLbl name="fgAcc4">
-    <dgm:fillClrLst meth="repeat">
-      <a:schemeClr val="lt1">
-        <a:alpha val="90000"/>
-      </a:schemeClr>
-    </dgm:fillClrLst>
-    <dgm:linClrLst>
-      <a:schemeClr val="accent4"/>
-    </dgm:linClrLst>
-    <dgm:effectClrLst/>
-    <dgm:txLinClrLst/>
-    <dgm:txFillClrLst meth="repeat">
-      <a:schemeClr val="dk1"/>
-    </dgm:txFillClrLst>
-    <dgm:txEffectClrLst/>
-  </dgm:styleLbl>
-  <dgm:styleLbl name="bgShp">
-    <dgm:fillClrLst meth="repeat">
-      <a:schemeClr val="accent2">
-        <a:tint val="40000"/>
-      </a:schemeClr>
-    </dgm:fillClrLst>
-    <dgm:linClrLst meth="repeat">
-      <a:schemeClr val="dk1"/>
-    </dgm:linClrLst>
-    <dgm:effectClrLst/>
-    <dgm:txLinClrLst/>
-    <dgm:txFillClrLst meth="repeat">
-      <a:schemeClr val="dk1"/>
-    </dgm:txFillClrLst>
-    <dgm:txEffectClrLst/>
-  </dgm:styleLbl>
-  <dgm:styleLbl name="dkBgShp">
-    <dgm:fillClrLst meth="repeat">
-      <a:schemeClr val="accent2">
-        <a:shade val="90000"/>
-      </a:schemeClr>
-    </dgm:fillClrLst>
-    <dgm:linClrLst meth="repeat">
-      <a:schemeClr val="dk1"/>
-    </dgm:linClrLst>
-    <dgm:effectClrLst/>
-    <dgm:txLinClrLst/>
-    <dgm:txFillClrLst meth="repeat">
-      <a:schemeClr val="lt1"/>
-    </dgm:txFillClrLst>
-    <dgm:txEffectClrLst/>
-  </dgm:styleLbl>
-  <dgm:styleLbl name="trBgShp">
-    <dgm:fillClrLst meth="repeat">
-      <a:schemeClr val="accent1">
-        <a:tint val="50000"/>
-        <a:alpha val="40000"/>
-      </a:schemeClr>
-    </dgm:fillClrLst>
-    <dgm:linClrLst meth="repeat">
-      <a:schemeClr val="accent2"/>
-    </dgm:linClrLst>
-    <dgm:effectClrLst/>
-    <dgm:txLinClrLst/>
-    <dgm:txFillClrLst meth="repeat">
-      <a:schemeClr val="lt1"/>
-    </dgm:txFillClrLst>
-    <dgm:txEffectClrLst/>
-  </dgm:styleLbl>
-  <dgm:styleLbl name="fgShp">
-    <dgm:fillClrLst meth="repeat">
-      <a:schemeClr val="accent2">
-        <a:tint val="40000"/>
       </a:schemeClr>
     </dgm:fillClrLst>
     <dgm:linClrLst meth="repeat">
@@ -5698,615 +4029,6 @@
     <dgm:cxn modelId="{3E6BF5FB-AA3A-4344-8B86-3275CA18CD70}" type="presParOf" srcId="{D49F6BE0-1F30-4FE1-B03F-6B75C66E8998}" destId="{0F077D20-D7BC-4B6E-A703-D796674C4E24}" srcOrd="4" destOrd="0" presId="urn:microsoft.com/office/officeart/2005/8/layout/hList1"/>
     <dgm:cxn modelId="{669ECB44-247C-4E63-8465-802A1B5C305F}" type="presParOf" srcId="{0F077D20-D7BC-4B6E-A703-D796674C4E24}" destId="{183B2940-3F48-40DF-AA25-9D7FCC904456}" srcOrd="0" destOrd="0" presId="urn:microsoft.com/office/officeart/2005/8/layout/hList1"/>
     <dgm:cxn modelId="{67485DC6-8423-4423-B72A-30EAFC16D9EE}" type="presParOf" srcId="{0F077D20-D7BC-4B6E-A703-D796674C4E24}" destId="{A3F691FD-79CC-4CC1-8A7A-DE89107553D6}" srcOrd="1" destOrd="0" presId="urn:microsoft.com/office/officeart/2005/8/layout/hList1"/>
-  </dgm:cxnLst>
-  <dgm:bg/>
-  <dgm:whole/>
-  <dgm:extLst>
-    <a:ext uri="http://schemas.microsoft.com/office/drawing/2008/diagram">
-      <dsp:dataModelExt xmlns:dsp="http://schemas.microsoft.com/office/drawing/2008/diagram" relId="rId6" minVer="http://schemas.openxmlformats.org/drawingml/2006/diagram"/>
-    </a:ext>
-  </dgm:extLst>
-</dgm:dataModel>
-</file>
-
-<file path=ppt/diagrams/data4.xml><?xml version="1.0" encoding="utf-8"?>
-<dgm:dataModel xmlns:dgm="http://schemas.openxmlformats.org/drawingml/2006/diagram" xmlns:a="http://schemas.openxmlformats.org/drawingml/2006/main">
-  <dgm:ptLst>
-    <dgm:pt modelId="{1C9AAB3F-8784-408C-BBFB-AA54C7623402}" type="doc">
-      <dgm:prSet loTypeId="urn:microsoft.com/office/officeart/2005/8/layout/chevron2" loCatId="process" qsTypeId="urn:microsoft.com/office/officeart/2005/8/quickstyle/simple1" qsCatId="simple" csTypeId="urn:microsoft.com/office/officeart/2005/8/colors/accent2_2" csCatId="accent2" phldr="1"/>
-      <dgm:spPr/>
-      <dgm:t>
-        <a:bodyPr/>
-        <a:lstStyle/>
-        <a:p>
-          <a:endParaRPr lang="en-US"/>
-        </a:p>
-      </dgm:t>
-    </dgm:pt>
-    <dgm:pt modelId="{92BB5FC3-F0F6-4370-AF12-C778C5BFD0C3}">
-      <dgm:prSet phldrT="[Text]"/>
-      <dgm:spPr>
-        <a:solidFill>
-          <a:srgbClr val="143742"/>
-        </a:solidFill>
-        <a:ln>
-          <a:solidFill>
-            <a:srgbClr val="143742"/>
-          </a:solidFill>
-        </a:ln>
-      </dgm:spPr>
-      <dgm:t>
-        <a:bodyPr/>
-        <a:lstStyle/>
-        <a:p>
-          <a:r>
-            <a:rPr lang="en-US" dirty="0"/>
-            <a:t>multiple signals</a:t>
-          </a:r>
-        </a:p>
-      </dgm:t>
-    </dgm:pt>
-    <dgm:pt modelId="{1168B5A0-F66C-4634-BA16-C7F5CB87274F}" type="parTrans" cxnId="{C466614B-BDA1-4547-BD86-4DE5FE9AA4E2}">
-      <dgm:prSet/>
-      <dgm:spPr/>
-      <dgm:t>
-        <a:bodyPr/>
-        <a:lstStyle/>
-        <a:p>
-          <a:endParaRPr lang="en-US"/>
-        </a:p>
-      </dgm:t>
-    </dgm:pt>
-    <dgm:pt modelId="{78F0E976-B135-4DA6-A174-4E87C11F40FF}" type="sibTrans" cxnId="{C466614B-BDA1-4547-BD86-4DE5FE9AA4E2}">
-      <dgm:prSet/>
-      <dgm:spPr/>
-      <dgm:t>
-        <a:bodyPr/>
-        <a:lstStyle/>
-        <a:p>
-          <a:endParaRPr lang="en-US"/>
-        </a:p>
-      </dgm:t>
-    </dgm:pt>
-    <dgm:pt modelId="{99435A5D-906B-4B64-BD3C-3675693A4363}">
-      <dgm:prSet phldrT="[Text]"/>
-      <dgm:spPr>
-        <a:ln>
-          <a:solidFill>
-            <a:srgbClr val="143742"/>
-          </a:solidFill>
-        </a:ln>
-      </dgm:spPr>
-      <dgm:t>
-        <a:bodyPr/>
-        <a:lstStyle/>
-        <a:p>
-          <a:pPr>
-            <a:buClr>
-              <a:schemeClr val="bg1"/>
-            </a:buClr>
-            <a:buFont typeface="Arial" panose="020B0604020202020204" pitchFamily="34" charset="0"/>
-            <a:buChar char="•"/>
-          </a:pPr>
-          <a:r>
-            <a:rPr lang="en-US" dirty="0"/>
-            <a:t>onsets and offsets are </a:t>
-          </a:r>
-          <a:r>
-            <a:rPr lang="en-US" b="1" dirty="0"/>
-            <a:t>disaligned</a:t>
-          </a:r>
-        </a:p>
-      </dgm:t>
-    </dgm:pt>
-    <dgm:pt modelId="{76F07CC0-AABB-4336-A3C9-8397239D22C4}" type="parTrans" cxnId="{7CA8884B-50D4-4045-A170-D1E827D1A662}">
-      <dgm:prSet/>
-      <dgm:spPr/>
-      <dgm:t>
-        <a:bodyPr/>
-        <a:lstStyle/>
-        <a:p>
-          <a:endParaRPr lang="en-US"/>
-        </a:p>
-      </dgm:t>
-    </dgm:pt>
-    <dgm:pt modelId="{F9F38989-7C32-4216-A007-4589902AB2D7}" type="sibTrans" cxnId="{7CA8884B-50D4-4045-A170-D1E827D1A662}">
-      <dgm:prSet/>
-      <dgm:spPr/>
-      <dgm:t>
-        <a:bodyPr/>
-        <a:lstStyle/>
-        <a:p>
-          <a:endParaRPr lang="en-US"/>
-        </a:p>
-      </dgm:t>
-    </dgm:pt>
-    <dgm:pt modelId="{CB6C4ABC-8F9E-4FC0-B8DD-03B8FBB6BE26}">
-      <dgm:prSet phldrT="[Text]"/>
-      <dgm:spPr>
-        <a:solidFill>
-          <a:srgbClr val="143742"/>
-        </a:solidFill>
-        <a:ln>
-          <a:solidFill>
-            <a:srgbClr val="143742"/>
-          </a:solidFill>
-        </a:ln>
-      </dgm:spPr>
-      <dgm:t>
-        <a:bodyPr/>
-        <a:lstStyle/>
-        <a:p>
-          <a:r>
-            <a:rPr lang="en-US" dirty="0"/>
-            <a:t>problem</a:t>
-          </a:r>
-        </a:p>
-      </dgm:t>
-    </dgm:pt>
-    <dgm:pt modelId="{C09D38C4-414E-471E-BE0B-23F834ABA4F4}" type="parTrans" cxnId="{C23BAC6D-395D-4BD8-8C3B-1FD980495293}">
-      <dgm:prSet/>
-      <dgm:spPr/>
-      <dgm:t>
-        <a:bodyPr/>
-        <a:lstStyle/>
-        <a:p>
-          <a:endParaRPr lang="en-US"/>
-        </a:p>
-      </dgm:t>
-    </dgm:pt>
-    <dgm:pt modelId="{EC3229F9-A0B3-4B53-8822-202CF5DE320E}" type="sibTrans" cxnId="{C23BAC6D-395D-4BD8-8C3B-1FD980495293}">
-      <dgm:prSet/>
-      <dgm:spPr/>
-      <dgm:t>
-        <a:bodyPr/>
-        <a:lstStyle/>
-        <a:p>
-          <a:endParaRPr lang="en-US"/>
-        </a:p>
-      </dgm:t>
-    </dgm:pt>
-    <dgm:pt modelId="{12EE13CD-06D7-4C4C-ACAC-1799ABFB98C5}">
-      <dgm:prSet phldrT="[Text]"/>
-      <dgm:spPr>
-        <a:ln>
-          <a:solidFill>
-            <a:srgbClr val="143742"/>
-          </a:solidFill>
-        </a:ln>
-      </dgm:spPr>
-      <dgm:t>
-        <a:bodyPr/>
-        <a:lstStyle/>
-        <a:p>
-          <a:pPr>
-            <a:buClr>
-              <a:schemeClr val="bg1"/>
-            </a:buClr>
-            <a:buFont typeface="Arial" panose="020B0604020202020204" pitchFamily="34" charset="0"/>
-            <a:buChar char="•"/>
-          </a:pPr>
-          <a:r>
-            <a:rPr lang="en-US" dirty="0"/>
-            <a:t>pairing gestures with counterparts?</a:t>
-          </a:r>
-        </a:p>
-      </dgm:t>
-    </dgm:pt>
-    <dgm:pt modelId="{D1457F6B-6F84-467E-BECB-665312C71456}" type="parTrans" cxnId="{BEB26582-B3C0-4254-B268-8D43C8D98AD3}">
-      <dgm:prSet/>
-      <dgm:spPr/>
-      <dgm:t>
-        <a:bodyPr/>
-        <a:lstStyle/>
-        <a:p>
-          <a:endParaRPr lang="en-US"/>
-        </a:p>
-      </dgm:t>
-    </dgm:pt>
-    <dgm:pt modelId="{4136D2C8-6F27-4B55-AE47-A73A81356574}" type="sibTrans" cxnId="{BEB26582-B3C0-4254-B268-8D43C8D98AD3}">
-      <dgm:prSet/>
-      <dgm:spPr/>
-      <dgm:t>
-        <a:bodyPr/>
-        <a:lstStyle/>
-        <a:p>
-          <a:endParaRPr lang="en-US"/>
-        </a:p>
-      </dgm:t>
-    </dgm:pt>
-    <dgm:pt modelId="{BFBE7E11-EDAC-4B7C-844A-AEED4EB7E778}" type="pres">
-      <dgm:prSet presAssocID="{1C9AAB3F-8784-408C-BBFB-AA54C7623402}" presName="linearFlow" presStyleCnt="0">
-        <dgm:presLayoutVars>
-          <dgm:dir/>
-          <dgm:animLvl val="lvl"/>
-          <dgm:resizeHandles val="exact"/>
-        </dgm:presLayoutVars>
-      </dgm:prSet>
-      <dgm:spPr/>
-    </dgm:pt>
-    <dgm:pt modelId="{81B84F3F-1669-4C17-B08F-CD456A6F6D3C}" type="pres">
-      <dgm:prSet presAssocID="{92BB5FC3-F0F6-4370-AF12-C778C5BFD0C3}" presName="composite" presStyleCnt="0"/>
-      <dgm:spPr/>
-    </dgm:pt>
-    <dgm:pt modelId="{9B37FA0E-3E67-45E9-A8DA-10B41BCBAA54}" type="pres">
-      <dgm:prSet presAssocID="{92BB5FC3-F0F6-4370-AF12-C778C5BFD0C3}" presName="parentText" presStyleLbl="alignNode1" presStyleIdx="0" presStyleCnt="2">
-        <dgm:presLayoutVars>
-          <dgm:chMax val="1"/>
-          <dgm:bulletEnabled val="1"/>
-        </dgm:presLayoutVars>
-      </dgm:prSet>
-      <dgm:spPr/>
-    </dgm:pt>
-    <dgm:pt modelId="{99357225-B752-4A61-9102-801B1D2F7625}" type="pres">
-      <dgm:prSet presAssocID="{92BB5FC3-F0F6-4370-AF12-C778C5BFD0C3}" presName="descendantText" presStyleLbl="alignAcc1" presStyleIdx="0" presStyleCnt="2">
-        <dgm:presLayoutVars>
-          <dgm:bulletEnabled val="1"/>
-        </dgm:presLayoutVars>
-      </dgm:prSet>
-      <dgm:spPr/>
-    </dgm:pt>
-    <dgm:pt modelId="{C31115E8-3B8D-46C3-97B1-F0B58D2487E0}" type="pres">
-      <dgm:prSet presAssocID="{78F0E976-B135-4DA6-A174-4E87C11F40FF}" presName="sp" presStyleCnt="0"/>
-      <dgm:spPr/>
-    </dgm:pt>
-    <dgm:pt modelId="{8D7BD792-6919-408A-B1F1-B9A1C94EB452}" type="pres">
-      <dgm:prSet presAssocID="{CB6C4ABC-8F9E-4FC0-B8DD-03B8FBB6BE26}" presName="composite" presStyleCnt="0"/>
-      <dgm:spPr/>
-    </dgm:pt>
-    <dgm:pt modelId="{78A07824-1A0A-438D-873C-AA5D0EC2F4EE}" type="pres">
-      <dgm:prSet presAssocID="{CB6C4ABC-8F9E-4FC0-B8DD-03B8FBB6BE26}" presName="parentText" presStyleLbl="alignNode1" presStyleIdx="1" presStyleCnt="2">
-        <dgm:presLayoutVars>
-          <dgm:chMax val="1"/>
-          <dgm:bulletEnabled val="1"/>
-        </dgm:presLayoutVars>
-      </dgm:prSet>
-      <dgm:spPr/>
-    </dgm:pt>
-    <dgm:pt modelId="{ADE01BE2-9FE5-47CA-A56D-B9B1AE4E317F}" type="pres">
-      <dgm:prSet presAssocID="{CB6C4ABC-8F9E-4FC0-B8DD-03B8FBB6BE26}" presName="descendantText" presStyleLbl="alignAcc1" presStyleIdx="1" presStyleCnt="2">
-        <dgm:presLayoutVars>
-          <dgm:bulletEnabled val="1"/>
-        </dgm:presLayoutVars>
-      </dgm:prSet>
-      <dgm:spPr/>
-    </dgm:pt>
-  </dgm:ptLst>
-  <dgm:cxnLst>
-    <dgm:cxn modelId="{01A18102-2B11-4EC4-B75B-C3F9F2F35EC8}" type="presOf" srcId="{99435A5D-906B-4B64-BD3C-3675693A4363}" destId="{99357225-B752-4A61-9102-801B1D2F7625}" srcOrd="0" destOrd="0" presId="urn:microsoft.com/office/officeart/2005/8/layout/chevron2"/>
-    <dgm:cxn modelId="{1891EE5D-B186-410B-A24F-7DDC3536136F}" type="presOf" srcId="{CB6C4ABC-8F9E-4FC0-B8DD-03B8FBB6BE26}" destId="{78A07824-1A0A-438D-873C-AA5D0EC2F4EE}" srcOrd="0" destOrd="0" presId="urn:microsoft.com/office/officeart/2005/8/layout/chevron2"/>
-    <dgm:cxn modelId="{C466614B-BDA1-4547-BD86-4DE5FE9AA4E2}" srcId="{1C9AAB3F-8784-408C-BBFB-AA54C7623402}" destId="{92BB5FC3-F0F6-4370-AF12-C778C5BFD0C3}" srcOrd="0" destOrd="0" parTransId="{1168B5A0-F66C-4634-BA16-C7F5CB87274F}" sibTransId="{78F0E976-B135-4DA6-A174-4E87C11F40FF}"/>
-    <dgm:cxn modelId="{7CA8884B-50D4-4045-A170-D1E827D1A662}" srcId="{92BB5FC3-F0F6-4370-AF12-C778C5BFD0C3}" destId="{99435A5D-906B-4B64-BD3C-3675693A4363}" srcOrd="0" destOrd="0" parTransId="{76F07CC0-AABB-4336-A3C9-8397239D22C4}" sibTransId="{F9F38989-7C32-4216-A007-4589902AB2D7}"/>
-    <dgm:cxn modelId="{C23BAC6D-395D-4BD8-8C3B-1FD980495293}" srcId="{1C9AAB3F-8784-408C-BBFB-AA54C7623402}" destId="{CB6C4ABC-8F9E-4FC0-B8DD-03B8FBB6BE26}" srcOrd="1" destOrd="0" parTransId="{C09D38C4-414E-471E-BE0B-23F834ABA4F4}" sibTransId="{EC3229F9-A0B3-4B53-8822-202CF5DE320E}"/>
-    <dgm:cxn modelId="{BEB26582-B3C0-4254-B268-8D43C8D98AD3}" srcId="{CB6C4ABC-8F9E-4FC0-B8DD-03B8FBB6BE26}" destId="{12EE13CD-06D7-4C4C-ACAC-1799ABFB98C5}" srcOrd="0" destOrd="0" parTransId="{D1457F6B-6F84-467E-BECB-665312C71456}" sibTransId="{4136D2C8-6F27-4B55-AE47-A73A81356574}"/>
-    <dgm:cxn modelId="{074C2284-F934-47D7-8BE6-4062769645F6}" type="presOf" srcId="{1C9AAB3F-8784-408C-BBFB-AA54C7623402}" destId="{BFBE7E11-EDAC-4B7C-844A-AEED4EB7E778}" srcOrd="0" destOrd="0" presId="urn:microsoft.com/office/officeart/2005/8/layout/chevron2"/>
-    <dgm:cxn modelId="{DBD5A386-4743-4904-8713-720245FA90E6}" type="presOf" srcId="{12EE13CD-06D7-4C4C-ACAC-1799ABFB98C5}" destId="{ADE01BE2-9FE5-47CA-A56D-B9B1AE4E317F}" srcOrd="0" destOrd="0" presId="urn:microsoft.com/office/officeart/2005/8/layout/chevron2"/>
-    <dgm:cxn modelId="{A58C4EC5-F49E-4A97-9B4F-C8FDCFE0B3EB}" type="presOf" srcId="{92BB5FC3-F0F6-4370-AF12-C778C5BFD0C3}" destId="{9B37FA0E-3E67-45E9-A8DA-10B41BCBAA54}" srcOrd="0" destOrd="0" presId="urn:microsoft.com/office/officeart/2005/8/layout/chevron2"/>
-    <dgm:cxn modelId="{BE6FF40C-00B6-4003-9EFD-6767934F0834}" type="presParOf" srcId="{BFBE7E11-EDAC-4B7C-844A-AEED4EB7E778}" destId="{81B84F3F-1669-4C17-B08F-CD456A6F6D3C}" srcOrd="0" destOrd="0" presId="urn:microsoft.com/office/officeart/2005/8/layout/chevron2"/>
-    <dgm:cxn modelId="{955A480E-6A5D-4792-A184-E9DC56D9837F}" type="presParOf" srcId="{81B84F3F-1669-4C17-B08F-CD456A6F6D3C}" destId="{9B37FA0E-3E67-45E9-A8DA-10B41BCBAA54}" srcOrd="0" destOrd="0" presId="urn:microsoft.com/office/officeart/2005/8/layout/chevron2"/>
-    <dgm:cxn modelId="{1524FB7D-B408-4BFF-80CF-5AFF581AF2FF}" type="presParOf" srcId="{81B84F3F-1669-4C17-B08F-CD456A6F6D3C}" destId="{99357225-B752-4A61-9102-801B1D2F7625}" srcOrd="1" destOrd="0" presId="urn:microsoft.com/office/officeart/2005/8/layout/chevron2"/>
-    <dgm:cxn modelId="{457B682C-3727-4C49-A3B0-11744E7D267B}" type="presParOf" srcId="{BFBE7E11-EDAC-4B7C-844A-AEED4EB7E778}" destId="{C31115E8-3B8D-46C3-97B1-F0B58D2487E0}" srcOrd="1" destOrd="0" presId="urn:microsoft.com/office/officeart/2005/8/layout/chevron2"/>
-    <dgm:cxn modelId="{60DA66D7-CBCE-4F1D-B60E-A6037B5448FD}" type="presParOf" srcId="{BFBE7E11-EDAC-4B7C-844A-AEED4EB7E778}" destId="{8D7BD792-6919-408A-B1F1-B9A1C94EB452}" srcOrd="2" destOrd="0" presId="urn:microsoft.com/office/officeart/2005/8/layout/chevron2"/>
-    <dgm:cxn modelId="{51EF103C-E9ED-47F5-8071-71C9EE54F024}" type="presParOf" srcId="{8D7BD792-6919-408A-B1F1-B9A1C94EB452}" destId="{78A07824-1A0A-438D-873C-AA5D0EC2F4EE}" srcOrd="0" destOrd="0" presId="urn:microsoft.com/office/officeart/2005/8/layout/chevron2"/>
-    <dgm:cxn modelId="{EAED55B6-89E1-4303-BA52-1275A8334A36}" type="presParOf" srcId="{8D7BD792-6919-408A-B1F1-B9A1C94EB452}" destId="{ADE01BE2-9FE5-47CA-A56D-B9B1AE4E317F}" srcOrd="1" destOrd="0" presId="urn:microsoft.com/office/officeart/2005/8/layout/chevron2"/>
-  </dgm:cxnLst>
-  <dgm:bg/>
-  <dgm:whole/>
-  <dgm:extLst>
-    <a:ext uri="http://schemas.microsoft.com/office/drawing/2008/diagram">
-      <dsp:dataModelExt xmlns:dsp="http://schemas.microsoft.com/office/drawing/2008/diagram" relId="rId6" minVer="http://schemas.openxmlformats.org/drawingml/2006/diagram"/>
-    </a:ext>
-  </dgm:extLst>
-</dgm:dataModel>
-</file>
-
-<file path=ppt/diagrams/data5.xml><?xml version="1.0" encoding="utf-8"?>
-<dgm:dataModel xmlns:dgm="http://schemas.openxmlformats.org/drawingml/2006/diagram" xmlns:a="http://schemas.openxmlformats.org/drawingml/2006/main">
-  <dgm:ptLst>
-    <dgm:pt modelId="{416B9090-B5C3-4D5C-8575-94F7CE698EEE}" type="doc">
-      <dgm:prSet loTypeId="urn:microsoft.com/office/officeart/2005/8/layout/default" loCatId="list" qsTypeId="urn:microsoft.com/office/officeart/2005/8/quickstyle/simple1" qsCatId="simple" csTypeId="urn:microsoft.com/office/officeart/2005/8/colors/colorful1" csCatId="colorful" phldr="1"/>
-      <dgm:spPr/>
-      <dgm:t>
-        <a:bodyPr/>
-        <a:lstStyle/>
-        <a:p>
-          <a:endParaRPr lang="en-US"/>
-        </a:p>
-      </dgm:t>
-    </dgm:pt>
-    <dgm:pt modelId="{47CFE2E5-E64C-4D8C-8713-A1D29E8B1082}">
-      <dgm:prSet phldrT="[Text]"/>
-      <dgm:spPr>
-        <a:solidFill>
-          <a:srgbClr val="143742"/>
-        </a:solidFill>
-      </dgm:spPr>
-      <dgm:t>
-        <a:bodyPr/>
-        <a:lstStyle/>
-        <a:p>
-          <a:r>
-            <a:rPr lang="en-US" dirty="0"/>
-            <a:t>comprehension of signals?</a:t>
-          </a:r>
-        </a:p>
-      </dgm:t>
-    </dgm:pt>
-    <dgm:pt modelId="{188B736F-084D-40BE-8208-54A87F5C656D}" type="parTrans" cxnId="{D1979635-6D20-4850-814B-F0890AA50F38}">
-      <dgm:prSet/>
-      <dgm:spPr/>
-      <dgm:t>
-        <a:bodyPr/>
-        <a:lstStyle/>
-        <a:p>
-          <a:endParaRPr lang="en-US"/>
-        </a:p>
-      </dgm:t>
-    </dgm:pt>
-    <dgm:pt modelId="{EB3A2279-D59A-4CF4-A30B-0E90E9AB3BB4}" type="sibTrans" cxnId="{D1979635-6D20-4850-814B-F0890AA50F38}">
-      <dgm:prSet/>
-      <dgm:spPr/>
-      <dgm:t>
-        <a:bodyPr/>
-        <a:lstStyle/>
-        <a:p>
-          <a:endParaRPr lang="en-US"/>
-        </a:p>
-      </dgm:t>
-    </dgm:pt>
-    <dgm:pt modelId="{AE44F1FB-6611-4ED7-AC71-899DE90623D7}">
-      <dgm:prSet phldrT="[Text]"/>
-      <dgm:spPr>
-        <a:solidFill>
-          <a:schemeClr val="accent3">
-            <a:lumMod val="50000"/>
-          </a:schemeClr>
-        </a:solidFill>
-      </dgm:spPr>
-      <dgm:t>
-        <a:bodyPr/>
-        <a:lstStyle/>
-        <a:p>
-          <a:r>
-            <a:rPr lang="en-US" dirty="0"/>
-            <a:t>temporal organization?</a:t>
-          </a:r>
-        </a:p>
-      </dgm:t>
-    </dgm:pt>
-    <dgm:pt modelId="{2D4AEEE3-CCFF-49A7-8D64-CF44408E20C5}" type="parTrans" cxnId="{C8636A6C-A0CD-45DA-93F6-0D12DD2D401D}">
-      <dgm:prSet/>
-      <dgm:spPr/>
-      <dgm:t>
-        <a:bodyPr/>
-        <a:lstStyle/>
-        <a:p>
-          <a:endParaRPr lang="en-US"/>
-        </a:p>
-      </dgm:t>
-    </dgm:pt>
-    <dgm:pt modelId="{E86F83B1-A89C-463B-A3F6-07580B5172F4}" type="sibTrans" cxnId="{C8636A6C-A0CD-45DA-93F6-0D12DD2D401D}">
-      <dgm:prSet/>
-      <dgm:spPr/>
-      <dgm:t>
-        <a:bodyPr/>
-        <a:lstStyle/>
-        <a:p>
-          <a:endParaRPr lang="en-US"/>
-        </a:p>
-      </dgm:t>
-    </dgm:pt>
-    <dgm:pt modelId="{B60504E4-9741-4554-AB6A-60D338AB786E}">
-      <dgm:prSet phldrT="[Text]"/>
-      <dgm:spPr>
-        <a:solidFill>
-          <a:schemeClr val="accent6">
-            <a:lumMod val="50000"/>
-          </a:schemeClr>
-        </a:solidFill>
-      </dgm:spPr>
-      <dgm:t>
-        <a:bodyPr/>
-        <a:lstStyle/>
-        <a:p>
-          <a:r>
-            <a:rPr lang="en-US" dirty="0"/>
-            <a:t>general or domain specific?</a:t>
-          </a:r>
-        </a:p>
-      </dgm:t>
-    </dgm:pt>
-    <dgm:pt modelId="{1FDAAA88-E5E5-4CD9-9EDE-13FE291A826F}" type="parTrans" cxnId="{CCA61A70-051B-43F5-BA32-8E91028EA8C5}">
-      <dgm:prSet/>
-      <dgm:spPr/>
-      <dgm:t>
-        <a:bodyPr/>
-        <a:lstStyle/>
-        <a:p>
-          <a:endParaRPr lang="en-US"/>
-        </a:p>
-      </dgm:t>
-    </dgm:pt>
-    <dgm:pt modelId="{0FFCD7EA-25B7-433F-A44F-DF31012F2F38}" type="sibTrans" cxnId="{CCA61A70-051B-43F5-BA32-8E91028EA8C5}">
-      <dgm:prSet/>
-      <dgm:spPr/>
-      <dgm:t>
-        <a:bodyPr/>
-        <a:lstStyle/>
-        <a:p>
-          <a:endParaRPr lang="en-US"/>
-        </a:p>
-      </dgm:t>
-    </dgm:pt>
-    <dgm:pt modelId="{69AE814C-1EA2-4850-93D1-F9018F3FF1DB}">
-      <dgm:prSet phldrT="[Text]"/>
-      <dgm:spPr>
-        <a:solidFill>
-          <a:schemeClr val="accent5">
-            <a:lumMod val="50000"/>
-          </a:schemeClr>
-        </a:solidFill>
-      </dgm:spPr>
-      <dgm:t>
-        <a:bodyPr/>
-        <a:lstStyle/>
-        <a:p>
-          <a:r>
-            <a:rPr lang="en-US" dirty="0"/>
-            <a:t>default mode?</a:t>
-          </a:r>
-        </a:p>
-      </dgm:t>
-    </dgm:pt>
-    <dgm:pt modelId="{55FC587F-D168-4CE0-B09C-A834A37259B7}" type="parTrans" cxnId="{D60E0525-A0F8-49F8-914D-299992256CD4}">
-      <dgm:prSet/>
-      <dgm:spPr/>
-      <dgm:t>
-        <a:bodyPr/>
-        <a:lstStyle/>
-        <a:p>
-          <a:endParaRPr lang="en-US"/>
-        </a:p>
-      </dgm:t>
-    </dgm:pt>
-    <dgm:pt modelId="{5C01F564-4DCE-4A23-AB2F-59B4C6FA098C}" type="sibTrans" cxnId="{D60E0525-A0F8-49F8-914D-299992256CD4}">
-      <dgm:prSet/>
-      <dgm:spPr/>
-      <dgm:t>
-        <a:bodyPr/>
-        <a:lstStyle/>
-        <a:p>
-          <a:endParaRPr lang="en-US"/>
-        </a:p>
-      </dgm:t>
-    </dgm:pt>
-    <dgm:pt modelId="{8D25E41B-0795-44B6-8DE9-E03C9B5F370E}">
-      <dgm:prSet phldrT="[Text]"/>
-      <dgm:spPr>
-        <a:solidFill>
-          <a:srgbClr val="412C52"/>
-        </a:solidFill>
-      </dgm:spPr>
-      <dgm:t>
-        <a:bodyPr/>
-        <a:lstStyle/>
-        <a:p>
-          <a:r>
-            <a:rPr lang="en-US" dirty="0"/>
-            <a:t>cultural universals = innateness?</a:t>
-          </a:r>
-        </a:p>
-      </dgm:t>
-    </dgm:pt>
-    <dgm:pt modelId="{496D65BA-DE0A-4E44-8D2A-E870E6F79329}" type="parTrans" cxnId="{ED8D3938-88FD-43A8-991B-9327D3CA7F26}">
-      <dgm:prSet/>
-      <dgm:spPr/>
-      <dgm:t>
-        <a:bodyPr/>
-        <a:lstStyle/>
-        <a:p>
-          <a:endParaRPr lang="en-US"/>
-        </a:p>
-      </dgm:t>
-    </dgm:pt>
-    <dgm:pt modelId="{51F3BFBE-8A7B-43EF-AA01-A3C0C0339435}" type="sibTrans" cxnId="{ED8D3938-88FD-43A8-991B-9327D3CA7F26}">
-      <dgm:prSet/>
-      <dgm:spPr/>
-      <dgm:t>
-        <a:bodyPr/>
-        <a:lstStyle/>
-        <a:p>
-          <a:endParaRPr lang="en-US"/>
-        </a:p>
-      </dgm:t>
-    </dgm:pt>
-    <dgm:pt modelId="{AC8FD31B-1B40-436E-9BF8-A3AFFCB85B71}" type="pres">
-      <dgm:prSet presAssocID="{416B9090-B5C3-4D5C-8575-94F7CE698EEE}" presName="diagram" presStyleCnt="0">
-        <dgm:presLayoutVars>
-          <dgm:dir/>
-          <dgm:resizeHandles val="exact"/>
-        </dgm:presLayoutVars>
-      </dgm:prSet>
-      <dgm:spPr/>
-    </dgm:pt>
-    <dgm:pt modelId="{A61AA9AD-9E85-484A-959E-B44AB0FA6046}" type="pres">
-      <dgm:prSet presAssocID="{47CFE2E5-E64C-4D8C-8713-A1D29E8B1082}" presName="node" presStyleLbl="node1" presStyleIdx="0" presStyleCnt="5">
-        <dgm:presLayoutVars>
-          <dgm:bulletEnabled val="1"/>
-        </dgm:presLayoutVars>
-      </dgm:prSet>
-      <dgm:spPr/>
-    </dgm:pt>
-    <dgm:pt modelId="{59810D55-2A4D-475B-A4C3-C79C07D93B72}" type="pres">
-      <dgm:prSet presAssocID="{EB3A2279-D59A-4CF4-A30B-0E90E9AB3BB4}" presName="sibTrans" presStyleCnt="0"/>
-      <dgm:spPr/>
-    </dgm:pt>
-    <dgm:pt modelId="{01E41B91-7C5C-482A-9119-F73CFC58CECD}" type="pres">
-      <dgm:prSet presAssocID="{AE44F1FB-6611-4ED7-AC71-899DE90623D7}" presName="node" presStyleLbl="node1" presStyleIdx="1" presStyleCnt="5">
-        <dgm:presLayoutVars>
-          <dgm:bulletEnabled val="1"/>
-        </dgm:presLayoutVars>
-      </dgm:prSet>
-      <dgm:spPr/>
-    </dgm:pt>
-    <dgm:pt modelId="{1701BABD-D056-4C38-BC87-62D8A7028987}" type="pres">
-      <dgm:prSet presAssocID="{E86F83B1-A89C-463B-A3F6-07580B5172F4}" presName="sibTrans" presStyleCnt="0"/>
-      <dgm:spPr/>
-    </dgm:pt>
-    <dgm:pt modelId="{442FF368-1727-4637-A509-07B3F397DC87}" type="pres">
-      <dgm:prSet presAssocID="{B60504E4-9741-4554-AB6A-60D338AB786E}" presName="node" presStyleLbl="node1" presStyleIdx="2" presStyleCnt="5">
-        <dgm:presLayoutVars>
-          <dgm:bulletEnabled val="1"/>
-        </dgm:presLayoutVars>
-      </dgm:prSet>
-      <dgm:spPr/>
-    </dgm:pt>
-    <dgm:pt modelId="{B699BD35-ED1D-4693-BA5B-05EDE1674A79}" type="pres">
-      <dgm:prSet presAssocID="{0FFCD7EA-25B7-433F-A44F-DF31012F2F38}" presName="sibTrans" presStyleCnt="0"/>
-      <dgm:spPr/>
-    </dgm:pt>
-    <dgm:pt modelId="{FDF94F0A-091E-4798-9342-E3D34B499C08}" type="pres">
-      <dgm:prSet presAssocID="{69AE814C-1EA2-4850-93D1-F9018F3FF1DB}" presName="node" presStyleLbl="node1" presStyleIdx="3" presStyleCnt="5">
-        <dgm:presLayoutVars>
-          <dgm:bulletEnabled val="1"/>
-        </dgm:presLayoutVars>
-      </dgm:prSet>
-      <dgm:spPr/>
-    </dgm:pt>
-    <dgm:pt modelId="{59747170-DCED-486E-A45B-014C4D2A9F3B}" type="pres">
-      <dgm:prSet presAssocID="{5C01F564-4DCE-4A23-AB2F-59B4C6FA098C}" presName="sibTrans" presStyleCnt="0"/>
-      <dgm:spPr/>
-    </dgm:pt>
-    <dgm:pt modelId="{D79EDD25-5C3B-499D-8F05-A5697030320B}" type="pres">
-      <dgm:prSet presAssocID="{8D25E41B-0795-44B6-8DE9-E03C9B5F370E}" presName="node" presStyleLbl="node1" presStyleIdx="4" presStyleCnt="5">
-        <dgm:presLayoutVars>
-          <dgm:bulletEnabled val="1"/>
-        </dgm:presLayoutVars>
-      </dgm:prSet>
-      <dgm:spPr/>
-    </dgm:pt>
-  </dgm:ptLst>
-  <dgm:cxnLst>
-    <dgm:cxn modelId="{4F15AB1C-5DF3-48D0-98D4-21DF7089878F}" type="presOf" srcId="{B60504E4-9741-4554-AB6A-60D338AB786E}" destId="{442FF368-1727-4637-A509-07B3F397DC87}" srcOrd="0" destOrd="0" presId="urn:microsoft.com/office/officeart/2005/8/layout/default"/>
-    <dgm:cxn modelId="{D60E0525-A0F8-49F8-914D-299992256CD4}" srcId="{416B9090-B5C3-4D5C-8575-94F7CE698EEE}" destId="{69AE814C-1EA2-4850-93D1-F9018F3FF1DB}" srcOrd="3" destOrd="0" parTransId="{55FC587F-D168-4CE0-B09C-A834A37259B7}" sibTransId="{5C01F564-4DCE-4A23-AB2F-59B4C6FA098C}"/>
-    <dgm:cxn modelId="{4BCFCE2D-0B06-47E3-AD0A-BA0246ACC55C}" type="presOf" srcId="{8D25E41B-0795-44B6-8DE9-E03C9B5F370E}" destId="{D79EDD25-5C3B-499D-8F05-A5697030320B}" srcOrd="0" destOrd="0" presId="urn:microsoft.com/office/officeart/2005/8/layout/default"/>
-    <dgm:cxn modelId="{D1979635-6D20-4850-814B-F0890AA50F38}" srcId="{416B9090-B5C3-4D5C-8575-94F7CE698EEE}" destId="{47CFE2E5-E64C-4D8C-8713-A1D29E8B1082}" srcOrd="0" destOrd="0" parTransId="{188B736F-084D-40BE-8208-54A87F5C656D}" sibTransId="{EB3A2279-D59A-4CF4-A30B-0E90E9AB3BB4}"/>
-    <dgm:cxn modelId="{ED8D3938-88FD-43A8-991B-9327D3CA7F26}" srcId="{416B9090-B5C3-4D5C-8575-94F7CE698EEE}" destId="{8D25E41B-0795-44B6-8DE9-E03C9B5F370E}" srcOrd="4" destOrd="0" parTransId="{496D65BA-DE0A-4E44-8D2A-E870E6F79329}" sibTransId="{51F3BFBE-8A7B-43EF-AA01-A3C0C0339435}"/>
-    <dgm:cxn modelId="{C8636A6C-A0CD-45DA-93F6-0D12DD2D401D}" srcId="{416B9090-B5C3-4D5C-8575-94F7CE698EEE}" destId="{AE44F1FB-6611-4ED7-AC71-899DE90623D7}" srcOrd="1" destOrd="0" parTransId="{2D4AEEE3-CCFF-49A7-8D64-CF44408E20C5}" sibTransId="{E86F83B1-A89C-463B-A3F6-07580B5172F4}"/>
-    <dgm:cxn modelId="{CCA61A70-051B-43F5-BA32-8E91028EA8C5}" srcId="{416B9090-B5C3-4D5C-8575-94F7CE698EEE}" destId="{B60504E4-9741-4554-AB6A-60D338AB786E}" srcOrd="2" destOrd="0" parTransId="{1FDAAA88-E5E5-4CD9-9EDE-13FE291A826F}" sibTransId="{0FFCD7EA-25B7-433F-A44F-DF31012F2F38}"/>
-    <dgm:cxn modelId="{828EC08B-B8A7-426C-867B-19DC50178782}" type="presOf" srcId="{69AE814C-1EA2-4850-93D1-F9018F3FF1DB}" destId="{FDF94F0A-091E-4798-9342-E3D34B499C08}" srcOrd="0" destOrd="0" presId="urn:microsoft.com/office/officeart/2005/8/layout/default"/>
-    <dgm:cxn modelId="{CBDA138E-BD4E-40B4-A597-A90459118B53}" type="presOf" srcId="{AE44F1FB-6611-4ED7-AC71-899DE90623D7}" destId="{01E41B91-7C5C-482A-9119-F73CFC58CECD}" srcOrd="0" destOrd="0" presId="urn:microsoft.com/office/officeart/2005/8/layout/default"/>
-    <dgm:cxn modelId="{52900D94-A758-413B-88CF-CEB5BF8D3F4C}" type="presOf" srcId="{47CFE2E5-E64C-4D8C-8713-A1D29E8B1082}" destId="{A61AA9AD-9E85-484A-959E-B44AB0FA6046}" srcOrd="0" destOrd="0" presId="urn:microsoft.com/office/officeart/2005/8/layout/default"/>
-    <dgm:cxn modelId="{E730F4A2-1D13-4682-8126-FC20FF29E868}" type="presOf" srcId="{416B9090-B5C3-4D5C-8575-94F7CE698EEE}" destId="{AC8FD31B-1B40-436E-9BF8-A3AFFCB85B71}" srcOrd="0" destOrd="0" presId="urn:microsoft.com/office/officeart/2005/8/layout/default"/>
-    <dgm:cxn modelId="{C2DAA4A2-1802-46D2-AF1A-2520E3807BF6}" type="presParOf" srcId="{AC8FD31B-1B40-436E-9BF8-A3AFFCB85B71}" destId="{A61AA9AD-9E85-484A-959E-B44AB0FA6046}" srcOrd="0" destOrd="0" presId="urn:microsoft.com/office/officeart/2005/8/layout/default"/>
-    <dgm:cxn modelId="{89E139BA-3FF5-4AB4-B964-B4DFC7C6BF52}" type="presParOf" srcId="{AC8FD31B-1B40-436E-9BF8-A3AFFCB85B71}" destId="{59810D55-2A4D-475B-A4C3-C79C07D93B72}" srcOrd="1" destOrd="0" presId="urn:microsoft.com/office/officeart/2005/8/layout/default"/>
-    <dgm:cxn modelId="{8ED7AFCF-4A48-4634-B0D6-7F79C2D0C00D}" type="presParOf" srcId="{AC8FD31B-1B40-436E-9BF8-A3AFFCB85B71}" destId="{01E41B91-7C5C-482A-9119-F73CFC58CECD}" srcOrd="2" destOrd="0" presId="urn:microsoft.com/office/officeart/2005/8/layout/default"/>
-    <dgm:cxn modelId="{7676E4FD-94F7-4314-84F1-96EDF06A413E}" type="presParOf" srcId="{AC8FD31B-1B40-436E-9BF8-A3AFFCB85B71}" destId="{1701BABD-D056-4C38-BC87-62D8A7028987}" srcOrd="3" destOrd="0" presId="urn:microsoft.com/office/officeart/2005/8/layout/default"/>
-    <dgm:cxn modelId="{89FDE785-8432-499E-8A21-D389DEE86E5E}" type="presParOf" srcId="{AC8FD31B-1B40-436E-9BF8-A3AFFCB85B71}" destId="{442FF368-1727-4637-A509-07B3F397DC87}" srcOrd="4" destOrd="0" presId="urn:microsoft.com/office/officeart/2005/8/layout/default"/>
-    <dgm:cxn modelId="{DFABF23B-B2AC-4997-8108-02B3D70531A3}" type="presParOf" srcId="{AC8FD31B-1B40-436E-9BF8-A3AFFCB85B71}" destId="{B699BD35-ED1D-4693-BA5B-05EDE1674A79}" srcOrd="5" destOrd="0" presId="urn:microsoft.com/office/officeart/2005/8/layout/default"/>
-    <dgm:cxn modelId="{24A509F7-94AA-485E-B768-FE8B68D60F8D}" type="presParOf" srcId="{AC8FD31B-1B40-436E-9BF8-A3AFFCB85B71}" destId="{FDF94F0A-091E-4798-9342-E3D34B499C08}" srcOrd="6" destOrd="0" presId="urn:microsoft.com/office/officeart/2005/8/layout/default"/>
-    <dgm:cxn modelId="{8FE38B3F-CF41-4654-BF6E-D0B8132AABE9}" type="presParOf" srcId="{AC8FD31B-1B40-436E-9BF8-A3AFFCB85B71}" destId="{59747170-DCED-486E-A45B-014C4D2A9F3B}" srcOrd="7" destOrd="0" presId="urn:microsoft.com/office/officeart/2005/8/layout/default"/>
-    <dgm:cxn modelId="{E5DFC17E-43D1-45EE-B239-3A50B3E9347B}" type="presParOf" srcId="{AC8FD31B-1B40-436E-9BF8-A3AFFCB85B71}" destId="{D79EDD25-5C3B-499D-8F05-A5697030320B}" srcOrd="8" destOrd="0" presId="urn:microsoft.com/office/officeart/2005/8/layout/default"/>
   </dgm:cxnLst>
   <dgm:bg/>
   <dgm:whole/>
@@ -8083,684 +5805,6 @@
 </dsp:drawing>
 </file>
 
-<file path=ppt/diagrams/drawing4.xml><?xml version="1.0" encoding="utf-8"?>
-<dsp:drawing xmlns:dgm="http://schemas.openxmlformats.org/drawingml/2006/diagram" xmlns:dsp="http://schemas.microsoft.com/office/drawing/2008/diagram" xmlns:a="http://schemas.openxmlformats.org/drawingml/2006/main">
-  <dsp:spTree>
-    <dsp:nvGrpSpPr>
-      <dsp:cNvPr id="0" name=""/>
-      <dsp:cNvGrpSpPr/>
-    </dsp:nvGrpSpPr>
-    <dsp:grpSpPr/>
-    <dsp:sp modelId="{9B37FA0E-3E67-45E9-A8DA-10B41BCBAA54}">
-      <dsp:nvSpPr>
-        <dsp:cNvPr id="0" name=""/>
-        <dsp:cNvSpPr/>
-      </dsp:nvSpPr>
-      <dsp:spPr>
-        <a:xfrm rot="5400000">
-          <a:off x="-359503" y="360811"/>
-          <a:ext cx="2396689" cy="1677682"/>
-        </a:xfrm>
-        <a:prstGeom prst="chevron">
-          <a:avLst/>
-        </a:prstGeom>
-        <a:solidFill>
-          <a:srgbClr val="143742"/>
-        </a:solidFill>
-        <a:ln w="15875" cap="flat" cmpd="sng" algn="ctr">
-          <a:solidFill>
-            <a:srgbClr val="143742"/>
-          </a:solidFill>
-          <a:prstDash val="solid"/>
-        </a:ln>
-        <a:effectLst/>
-      </dsp:spPr>
-      <dsp:style>
-        <a:lnRef idx="2">
-          <a:scrgbClr r="0" g="0" b="0"/>
-        </a:lnRef>
-        <a:fillRef idx="1">
-          <a:scrgbClr r="0" g="0" b="0"/>
-        </a:fillRef>
-        <a:effectRef idx="0">
-          <a:scrgbClr r="0" g="0" b="0"/>
-        </a:effectRef>
-        <a:fontRef idx="minor">
-          <a:schemeClr val="lt1"/>
-        </a:fontRef>
-      </dsp:style>
-      <dsp:txBody>
-        <a:bodyPr spcFirstLastPara="0" vert="horz" wrap="square" lIns="17145" tIns="17145" rIns="17145" bIns="17145" numCol="1" spcCol="1270" anchor="ctr" anchorCtr="0">
-          <a:noAutofit/>
-        </a:bodyPr>
-        <a:lstStyle/>
-        <a:p>
-          <a:pPr marL="0" lvl="0" indent="0" algn="ctr" defTabSz="1200150">
-            <a:lnSpc>
-              <a:spcPct val="90000"/>
-            </a:lnSpc>
-            <a:spcBef>
-              <a:spcPct val="0"/>
-            </a:spcBef>
-            <a:spcAft>
-              <a:spcPct val="35000"/>
-            </a:spcAft>
-            <a:buNone/>
-          </a:pPr>
-          <a:r>
-            <a:rPr lang="en-US" sz="2700" kern="1200" dirty="0"/>
-            <a:t>multiple signals</a:t>
-          </a:r>
-        </a:p>
-      </dsp:txBody>
-      <dsp:txXfrm rot="-5400000">
-        <a:off x="1" y="840148"/>
-        <a:ext cx="1677682" cy="719007"/>
-      </dsp:txXfrm>
-    </dsp:sp>
-    <dsp:sp modelId="{99357225-B752-4A61-9102-801B1D2F7625}">
-      <dsp:nvSpPr>
-        <dsp:cNvPr id="0" name=""/>
-        <dsp:cNvSpPr/>
-      </dsp:nvSpPr>
-      <dsp:spPr>
-        <a:xfrm rot="5400000">
-          <a:off x="2646080" y="-967089"/>
-          <a:ext cx="1557847" cy="3494643"/>
-        </a:xfrm>
-        <a:prstGeom prst="round2SameRect">
-          <a:avLst/>
-        </a:prstGeom>
-        <a:solidFill>
-          <a:schemeClr val="lt1">
-            <a:alpha val="90000"/>
-            <a:hueOff val="0"/>
-            <a:satOff val="0"/>
-            <a:lumOff val="0"/>
-            <a:alphaOff val="0"/>
-          </a:schemeClr>
-        </a:solidFill>
-        <a:ln w="15875" cap="flat" cmpd="sng" algn="ctr">
-          <a:solidFill>
-            <a:srgbClr val="143742"/>
-          </a:solidFill>
-          <a:prstDash val="solid"/>
-        </a:ln>
-        <a:effectLst/>
-      </dsp:spPr>
-      <dsp:style>
-        <a:lnRef idx="2">
-          <a:scrgbClr r="0" g="0" b="0"/>
-        </a:lnRef>
-        <a:fillRef idx="1">
-          <a:scrgbClr r="0" g="0" b="0"/>
-        </a:fillRef>
-        <a:effectRef idx="0">
-          <a:scrgbClr r="0" g="0" b="0"/>
-        </a:effectRef>
-        <a:fontRef idx="minor"/>
-      </dsp:style>
-      <dsp:txBody>
-        <a:bodyPr spcFirstLastPara="0" vert="horz" wrap="square" lIns="248920" tIns="22225" rIns="22225" bIns="22225" numCol="1" spcCol="1270" anchor="ctr" anchorCtr="0">
-          <a:noAutofit/>
-        </a:bodyPr>
-        <a:lstStyle/>
-        <a:p>
-          <a:pPr marL="285750" lvl="1" indent="-285750" algn="l" defTabSz="1555750">
-            <a:lnSpc>
-              <a:spcPct val="90000"/>
-            </a:lnSpc>
-            <a:spcBef>
-              <a:spcPct val="0"/>
-            </a:spcBef>
-            <a:spcAft>
-              <a:spcPct val="15000"/>
-            </a:spcAft>
-            <a:buClr>
-              <a:schemeClr val="bg1"/>
-            </a:buClr>
-            <a:buFont typeface="Arial" panose="020B0604020202020204" pitchFamily="34" charset="0"/>
-            <a:buChar char="•"/>
-          </a:pPr>
-          <a:r>
-            <a:rPr lang="en-US" sz="3500" kern="1200" dirty="0"/>
-            <a:t>onsets and offsets are </a:t>
-          </a:r>
-          <a:r>
-            <a:rPr lang="en-US" sz="3500" b="1" kern="1200" dirty="0"/>
-            <a:t>disaligned</a:t>
-          </a:r>
-        </a:p>
-      </dsp:txBody>
-      <dsp:txXfrm rot="-5400000">
-        <a:off x="1677682" y="77357"/>
-        <a:ext cx="3418595" cy="1405751"/>
-      </dsp:txXfrm>
-    </dsp:sp>
-    <dsp:sp modelId="{78A07824-1A0A-438D-873C-AA5D0EC2F4EE}">
-      <dsp:nvSpPr>
-        <dsp:cNvPr id="0" name=""/>
-        <dsp:cNvSpPr/>
-      </dsp:nvSpPr>
-      <dsp:spPr>
-        <a:xfrm rot="5400000">
-          <a:off x="-359503" y="2472920"/>
-          <a:ext cx="2396689" cy="1677682"/>
-        </a:xfrm>
-        <a:prstGeom prst="chevron">
-          <a:avLst/>
-        </a:prstGeom>
-        <a:solidFill>
-          <a:srgbClr val="143742"/>
-        </a:solidFill>
-        <a:ln w="15875" cap="flat" cmpd="sng" algn="ctr">
-          <a:solidFill>
-            <a:srgbClr val="143742"/>
-          </a:solidFill>
-          <a:prstDash val="solid"/>
-        </a:ln>
-        <a:effectLst/>
-      </dsp:spPr>
-      <dsp:style>
-        <a:lnRef idx="2">
-          <a:scrgbClr r="0" g="0" b="0"/>
-        </a:lnRef>
-        <a:fillRef idx="1">
-          <a:scrgbClr r="0" g="0" b="0"/>
-        </a:fillRef>
-        <a:effectRef idx="0">
-          <a:scrgbClr r="0" g="0" b="0"/>
-        </a:effectRef>
-        <a:fontRef idx="minor">
-          <a:schemeClr val="lt1"/>
-        </a:fontRef>
-      </dsp:style>
-      <dsp:txBody>
-        <a:bodyPr spcFirstLastPara="0" vert="horz" wrap="square" lIns="17145" tIns="17145" rIns="17145" bIns="17145" numCol="1" spcCol="1270" anchor="ctr" anchorCtr="0">
-          <a:noAutofit/>
-        </a:bodyPr>
-        <a:lstStyle/>
-        <a:p>
-          <a:pPr marL="0" lvl="0" indent="0" algn="ctr" defTabSz="1200150">
-            <a:lnSpc>
-              <a:spcPct val="90000"/>
-            </a:lnSpc>
-            <a:spcBef>
-              <a:spcPct val="0"/>
-            </a:spcBef>
-            <a:spcAft>
-              <a:spcPct val="35000"/>
-            </a:spcAft>
-            <a:buNone/>
-          </a:pPr>
-          <a:r>
-            <a:rPr lang="en-US" sz="2700" kern="1200" dirty="0"/>
-            <a:t>problem</a:t>
-          </a:r>
-        </a:p>
-      </dsp:txBody>
-      <dsp:txXfrm rot="-5400000">
-        <a:off x="1" y="2952257"/>
-        <a:ext cx="1677682" cy="719007"/>
-      </dsp:txXfrm>
-    </dsp:sp>
-    <dsp:sp modelId="{ADE01BE2-9FE5-47CA-A56D-B9B1AE4E317F}">
-      <dsp:nvSpPr>
-        <dsp:cNvPr id="0" name=""/>
-        <dsp:cNvSpPr/>
-      </dsp:nvSpPr>
-      <dsp:spPr>
-        <a:xfrm rot="5400000">
-          <a:off x="2646080" y="1145019"/>
-          <a:ext cx="1557847" cy="3494643"/>
-        </a:xfrm>
-        <a:prstGeom prst="round2SameRect">
-          <a:avLst/>
-        </a:prstGeom>
-        <a:solidFill>
-          <a:schemeClr val="lt1">
-            <a:alpha val="90000"/>
-            <a:hueOff val="0"/>
-            <a:satOff val="0"/>
-            <a:lumOff val="0"/>
-            <a:alphaOff val="0"/>
-          </a:schemeClr>
-        </a:solidFill>
-        <a:ln w="15875" cap="flat" cmpd="sng" algn="ctr">
-          <a:solidFill>
-            <a:srgbClr val="143742"/>
-          </a:solidFill>
-          <a:prstDash val="solid"/>
-        </a:ln>
-        <a:effectLst/>
-      </dsp:spPr>
-      <dsp:style>
-        <a:lnRef idx="2">
-          <a:scrgbClr r="0" g="0" b="0"/>
-        </a:lnRef>
-        <a:fillRef idx="1">
-          <a:scrgbClr r="0" g="0" b="0"/>
-        </a:fillRef>
-        <a:effectRef idx="0">
-          <a:scrgbClr r="0" g="0" b="0"/>
-        </a:effectRef>
-        <a:fontRef idx="minor"/>
-      </dsp:style>
-      <dsp:txBody>
-        <a:bodyPr spcFirstLastPara="0" vert="horz" wrap="square" lIns="248920" tIns="22225" rIns="22225" bIns="22225" numCol="1" spcCol="1270" anchor="ctr" anchorCtr="0">
-          <a:noAutofit/>
-        </a:bodyPr>
-        <a:lstStyle/>
-        <a:p>
-          <a:pPr marL="285750" lvl="1" indent="-285750" algn="l" defTabSz="1555750">
-            <a:lnSpc>
-              <a:spcPct val="90000"/>
-            </a:lnSpc>
-            <a:spcBef>
-              <a:spcPct val="0"/>
-            </a:spcBef>
-            <a:spcAft>
-              <a:spcPct val="15000"/>
-            </a:spcAft>
-            <a:buClr>
-              <a:schemeClr val="bg1"/>
-            </a:buClr>
-            <a:buFont typeface="Arial" panose="020B0604020202020204" pitchFamily="34" charset="0"/>
-            <a:buChar char="•"/>
-          </a:pPr>
-          <a:r>
-            <a:rPr lang="en-US" sz="3500" kern="1200" dirty="0"/>
-            <a:t>pairing gestures with counterparts?</a:t>
-          </a:r>
-        </a:p>
-      </dsp:txBody>
-      <dsp:txXfrm rot="-5400000">
-        <a:off x="1677682" y="2189465"/>
-        <a:ext cx="3418595" cy="1405751"/>
-      </dsp:txXfrm>
-    </dsp:sp>
-  </dsp:spTree>
-</dsp:drawing>
-</file>
-
-<file path=ppt/diagrams/drawing5.xml><?xml version="1.0" encoding="utf-8"?>
-<dsp:drawing xmlns:dgm="http://schemas.openxmlformats.org/drawingml/2006/diagram" xmlns:dsp="http://schemas.microsoft.com/office/drawing/2008/diagram" xmlns:a="http://schemas.openxmlformats.org/drawingml/2006/main">
-  <dsp:spTree>
-    <dsp:nvGrpSpPr>
-      <dsp:cNvPr id="0" name=""/>
-      <dsp:cNvGrpSpPr/>
-    </dsp:nvGrpSpPr>
-    <dsp:grpSpPr/>
-    <dsp:sp modelId="{A61AA9AD-9E85-484A-959E-B44AB0FA6046}">
-      <dsp:nvSpPr>
-        <dsp:cNvPr id="0" name=""/>
-        <dsp:cNvSpPr/>
-      </dsp:nvSpPr>
-      <dsp:spPr>
-        <a:xfrm>
-          <a:off x="0" y="36934"/>
-          <a:ext cx="3037581" cy="1822549"/>
-        </a:xfrm>
-        <a:prstGeom prst="rect">
-          <a:avLst/>
-        </a:prstGeom>
-        <a:solidFill>
-          <a:srgbClr val="143742"/>
-        </a:solidFill>
-        <a:ln w="15875" cap="flat" cmpd="sng" algn="ctr">
-          <a:solidFill>
-            <a:schemeClr val="lt1">
-              <a:hueOff val="0"/>
-              <a:satOff val="0"/>
-              <a:lumOff val="0"/>
-              <a:alphaOff val="0"/>
-            </a:schemeClr>
-          </a:solidFill>
-          <a:prstDash val="solid"/>
-        </a:ln>
-        <a:effectLst/>
-      </dsp:spPr>
-      <dsp:style>
-        <a:lnRef idx="2">
-          <a:scrgbClr r="0" g="0" b="0"/>
-        </a:lnRef>
-        <a:fillRef idx="1">
-          <a:scrgbClr r="0" g="0" b="0"/>
-        </a:fillRef>
-        <a:effectRef idx="0">
-          <a:scrgbClr r="0" g="0" b="0"/>
-        </a:effectRef>
-        <a:fontRef idx="minor">
-          <a:schemeClr val="lt1"/>
-        </a:fontRef>
-      </dsp:style>
-      <dsp:txBody>
-        <a:bodyPr spcFirstLastPara="0" vert="horz" wrap="square" lIns="140970" tIns="140970" rIns="140970" bIns="140970" numCol="1" spcCol="1270" anchor="ctr" anchorCtr="0">
-          <a:noAutofit/>
-        </a:bodyPr>
-        <a:lstStyle/>
-        <a:p>
-          <a:pPr marL="0" lvl="0" indent="0" algn="ctr" defTabSz="1644650">
-            <a:lnSpc>
-              <a:spcPct val="90000"/>
-            </a:lnSpc>
-            <a:spcBef>
-              <a:spcPct val="0"/>
-            </a:spcBef>
-            <a:spcAft>
-              <a:spcPct val="35000"/>
-            </a:spcAft>
-            <a:buNone/>
-          </a:pPr>
-          <a:r>
-            <a:rPr lang="en-US" sz="3700" kern="1200" dirty="0"/>
-            <a:t>comprehension of signals?</a:t>
-          </a:r>
-        </a:p>
-      </dsp:txBody>
-      <dsp:txXfrm>
-        <a:off x="0" y="36934"/>
-        <a:ext cx="3037581" cy="1822549"/>
-      </dsp:txXfrm>
-    </dsp:sp>
-    <dsp:sp modelId="{01E41B91-7C5C-482A-9119-F73CFC58CECD}">
-      <dsp:nvSpPr>
-        <dsp:cNvPr id="0" name=""/>
-        <dsp:cNvSpPr/>
-      </dsp:nvSpPr>
-      <dsp:spPr>
-        <a:xfrm>
-          <a:off x="3341340" y="36934"/>
-          <a:ext cx="3037581" cy="1822549"/>
-        </a:xfrm>
-        <a:prstGeom prst="rect">
-          <a:avLst/>
-        </a:prstGeom>
-        <a:solidFill>
-          <a:schemeClr val="accent3">
-            <a:lumMod val="50000"/>
-          </a:schemeClr>
-        </a:solidFill>
-        <a:ln w="15875" cap="flat" cmpd="sng" algn="ctr">
-          <a:solidFill>
-            <a:schemeClr val="lt1">
-              <a:hueOff val="0"/>
-              <a:satOff val="0"/>
-              <a:lumOff val="0"/>
-              <a:alphaOff val="0"/>
-            </a:schemeClr>
-          </a:solidFill>
-          <a:prstDash val="solid"/>
-        </a:ln>
-        <a:effectLst/>
-      </dsp:spPr>
-      <dsp:style>
-        <a:lnRef idx="2">
-          <a:scrgbClr r="0" g="0" b="0"/>
-        </a:lnRef>
-        <a:fillRef idx="1">
-          <a:scrgbClr r="0" g="0" b="0"/>
-        </a:fillRef>
-        <a:effectRef idx="0">
-          <a:scrgbClr r="0" g="0" b="0"/>
-        </a:effectRef>
-        <a:fontRef idx="minor">
-          <a:schemeClr val="lt1"/>
-        </a:fontRef>
-      </dsp:style>
-      <dsp:txBody>
-        <a:bodyPr spcFirstLastPara="0" vert="horz" wrap="square" lIns="140970" tIns="140970" rIns="140970" bIns="140970" numCol="1" spcCol="1270" anchor="ctr" anchorCtr="0">
-          <a:noAutofit/>
-        </a:bodyPr>
-        <a:lstStyle/>
-        <a:p>
-          <a:pPr marL="0" lvl="0" indent="0" algn="ctr" defTabSz="1644650">
-            <a:lnSpc>
-              <a:spcPct val="90000"/>
-            </a:lnSpc>
-            <a:spcBef>
-              <a:spcPct val="0"/>
-            </a:spcBef>
-            <a:spcAft>
-              <a:spcPct val="35000"/>
-            </a:spcAft>
-            <a:buNone/>
-          </a:pPr>
-          <a:r>
-            <a:rPr lang="en-US" sz="3700" kern="1200" dirty="0"/>
-            <a:t>temporal organization?</a:t>
-          </a:r>
-        </a:p>
-      </dsp:txBody>
-      <dsp:txXfrm>
-        <a:off x="3341340" y="36934"/>
-        <a:ext cx="3037581" cy="1822549"/>
-      </dsp:txXfrm>
-    </dsp:sp>
-    <dsp:sp modelId="{442FF368-1727-4637-A509-07B3F397DC87}">
-      <dsp:nvSpPr>
-        <dsp:cNvPr id="0" name=""/>
-        <dsp:cNvSpPr/>
-      </dsp:nvSpPr>
-      <dsp:spPr>
-        <a:xfrm>
-          <a:off x="6682680" y="36934"/>
-          <a:ext cx="3037581" cy="1822549"/>
-        </a:xfrm>
-        <a:prstGeom prst="rect">
-          <a:avLst/>
-        </a:prstGeom>
-        <a:solidFill>
-          <a:schemeClr val="accent6">
-            <a:lumMod val="50000"/>
-          </a:schemeClr>
-        </a:solidFill>
-        <a:ln w="15875" cap="flat" cmpd="sng" algn="ctr">
-          <a:solidFill>
-            <a:schemeClr val="lt1">
-              <a:hueOff val="0"/>
-              <a:satOff val="0"/>
-              <a:lumOff val="0"/>
-              <a:alphaOff val="0"/>
-            </a:schemeClr>
-          </a:solidFill>
-          <a:prstDash val="solid"/>
-        </a:ln>
-        <a:effectLst/>
-      </dsp:spPr>
-      <dsp:style>
-        <a:lnRef idx="2">
-          <a:scrgbClr r="0" g="0" b="0"/>
-        </a:lnRef>
-        <a:fillRef idx="1">
-          <a:scrgbClr r="0" g="0" b="0"/>
-        </a:fillRef>
-        <a:effectRef idx="0">
-          <a:scrgbClr r="0" g="0" b="0"/>
-        </a:effectRef>
-        <a:fontRef idx="minor">
-          <a:schemeClr val="lt1"/>
-        </a:fontRef>
-      </dsp:style>
-      <dsp:txBody>
-        <a:bodyPr spcFirstLastPara="0" vert="horz" wrap="square" lIns="140970" tIns="140970" rIns="140970" bIns="140970" numCol="1" spcCol="1270" anchor="ctr" anchorCtr="0">
-          <a:noAutofit/>
-        </a:bodyPr>
-        <a:lstStyle/>
-        <a:p>
-          <a:pPr marL="0" lvl="0" indent="0" algn="ctr" defTabSz="1644650">
-            <a:lnSpc>
-              <a:spcPct val="90000"/>
-            </a:lnSpc>
-            <a:spcBef>
-              <a:spcPct val="0"/>
-            </a:spcBef>
-            <a:spcAft>
-              <a:spcPct val="35000"/>
-            </a:spcAft>
-            <a:buNone/>
-          </a:pPr>
-          <a:r>
-            <a:rPr lang="en-US" sz="3700" kern="1200" dirty="0"/>
-            <a:t>general or domain specific?</a:t>
-          </a:r>
-        </a:p>
-      </dsp:txBody>
-      <dsp:txXfrm>
-        <a:off x="6682680" y="36934"/>
-        <a:ext cx="3037581" cy="1822549"/>
-      </dsp:txXfrm>
-    </dsp:sp>
-    <dsp:sp modelId="{FDF94F0A-091E-4798-9342-E3D34B499C08}">
-      <dsp:nvSpPr>
-        <dsp:cNvPr id="0" name=""/>
-        <dsp:cNvSpPr/>
-      </dsp:nvSpPr>
-      <dsp:spPr>
-        <a:xfrm>
-          <a:off x="1670670" y="2163241"/>
-          <a:ext cx="3037581" cy="1822549"/>
-        </a:xfrm>
-        <a:prstGeom prst="rect">
-          <a:avLst/>
-        </a:prstGeom>
-        <a:solidFill>
-          <a:schemeClr val="accent5">
-            <a:lumMod val="50000"/>
-          </a:schemeClr>
-        </a:solidFill>
-        <a:ln w="15875" cap="flat" cmpd="sng" algn="ctr">
-          <a:solidFill>
-            <a:schemeClr val="lt1">
-              <a:hueOff val="0"/>
-              <a:satOff val="0"/>
-              <a:lumOff val="0"/>
-              <a:alphaOff val="0"/>
-            </a:schemeClr>
-          </a:solidFill>
-          <a:prstDash val="solid"/>
-        </a:ln>
-        <a:effectLst/>
-      </dsp:spPr>
-      <dsp:style>
-        <a:lnRef idx="2">
-          <a:scrgbClr r="0" g="0" b="0"/>
-        </a:lnRef>
-        <a:fillRef idx="1">
-          <a:scrgbClr r="0" g="0" b="0"/>
-        </a:fillRef>
-        <a:effectRef idx="0">
-          <a:scrgbClr r="0" g="0" b="0"/>
-        </a:effectRef>
-        <a:fontRef idx="minor">
-          <a:schemeClr val="lt1"/>
-        </a:fontRef>
-      </dsp:style>
-      <dsp:txBody>
-        <a:bodyPr spcFirstLastPara="0" vert="horz" wrap="square" lIns="140970" tIns="140970" rIns="140970" bIns="140970" numCol="1" spcCol="1270" anchor="ctr" anchorCtr="0">
-          <a:noAutofit/>
-        </a:bodyPr>
-        <a:lstStyle/>
-        <a:p>
-          <a:pPr marL="0" lvl="0" indent="0" algn="ctr" defTabSz="1644650">
-            <a:lnSpc>
-              <a:spcPct val="90000"/>
-            </a:lnSpc>
-            <a:spcBef>
-              <a:spcPct val="0"/>
-            </a:spcBef>
-            <a:spcAft>
-              <a:spcPct val="35000"/>
-            </a:spcAft>
-            <a:buNone/>
-          </a:pPr>
-          <a:r>
-            <a:rPr lang="en-US" sz="3700" kern="1200" dirty="0"/>
-            <a:t>default mode?</a:t>
-          </a:r>
-        </a:p>
-      </dsp:txBody>
-      <dsp:txXfrm>
-        <a:off x="1670670" y="2163241"/>
-        <a:ext cx="3037581" cy="1822549"/>
-      </dsp:txXfrm>
-    </dsp:sp>
-    <dsp:sp modelId="{D79EDD25-5C3B-499D-8F05-A5697030320B}">
-      <dsp:nvSpPr>
-        <dsp:cNvPr id="0" name=""/>
-        <dsp:cNvSpPr/>
-      </dsp:nvSpPr>
-      <dsp:spPr>
-        <a:xfrm>
-          <a:off x="5012010" y="2163241"/>
-          <a:ext cx="3037581" cy="1822549"/>
-        </a:xfrm>
-        <a:prstGeom prst="rect">
-          <a:avLst/>
-        </a:prstGeom>
-        <a:solidFill>
-          <a:srgbClr val="412C52"/>
-        </a:solidFill>
-        <a:ln w="15875" cap="flat" cmpd="sng" algn="ctr">
-          <a:solidFill>
-            <a:schemeClr val="lt1">
-              <a:hueOff val="0"/>
-              <a:satOff val="0"/>
-              <a:lumOff val="0"/>
-              <a:alphaOff val="0"/>
-            </a:schemeClr>
-          </a:solidFill>
-          <a:prstDash val="solid"/>
-        </a:ln>
-        <a:effectLst/>
-      </dsp:spPr>
-      <dsp:style>
-        <a:lnRef idx="2">
-          <a:scrgbClr r="0" g="0" b="0"/>
-        </a:lnRef>
-        <a:fillRef idx="1">
-          <a:scrgbClr r="0" g="0" b="0"/>
-        </a:fillRef>
-        <a:effectRef idx="0">
-          <a:scrgbClr r="0" g="0" b="0"/>
-        </a:effectRef>
-        <a:fontRef idx="minor">
-          <a:schemeClr val="lt1"/>
-        </a:fontRef>
-      </dsp:style>
-      <dsp:txBody>
-        <a:bodyPr spcFirstLastPara="0" vert="horz" wrap="square" lIns="140970" tIns="140970" rIns="140970" bIns="140970" numCol="1" spcCol="1270" anchor="ctr" anchorCtr="0">
-          <a:noAutofit/>
-        </a:bodyPr>
-        <a:lstStyle/>
-        <a:p>
-          <a:pPr marL="0" lvl="0" indent="0" algn="ctr" defTabSz="1644650">
-            <a:lnSpc>
-              <a:spcPct val="90000"/>
-            </a:lnSpc>
-            <a:spcBef>
-              <a:spcPct val="0"/>
-            </a:spcBef>
-            <a:spcAft>
-              <a:spcPct val="35000"/>
-            </a:spcAft>
-            <a:buNone/>
-          </a:pPr>
-          <a:r>
-            <a:rPr lang="en-US" sz="3700" kern="1200" dirty="0"/>
-            <a:t>cultural universals = innateness?</a:t>
-          </a:r>
-        </a:p>
-      </dsp:txBody>
-      <dsp:txXfrm>
-        <a:off x="5012010" y="2163241"/>
-        <a:ext cx="3037581" cy="1822549"/>
-      </dsp:txXfrm>
-    </dsp:sp>
-  </dsp:spTree>
-</dsp:drawing>
-</file>
-
 <file path=ppt/diagrams/layout1.xml><?xml version="1.0" encoding="utf-8"?>
 <dgm:layoutDef xmlns:dgm="http://schemas.openxmlformats.org/drawingml/2006/diagram" xmlns:a="http://schemas.openxmlformats.org/drawingml/2006/main" uniqueId="urn:microsoft.com/office/officeart/2018/2/layout/IconVerticalSolidList">
   <dgm:title val="Icon Vertical Solid List"/>
@@ -9497,409 +6541,6 @@
 </dgm:layoutDef>
 </file>
 
-<file path=ppt/diagrams/layout4.xml><?xml version="1.0" encoding="utf-8"?>
-<dgm:layoutDef xmlns:dgm="http://schemas.openxmlformats.org/drawingml/2006/diagram" xmlns:a="http://schemas.openxmlformats.org/drawingml/2006/main" uniqueId="urn:microsoft.com/office/officeart/2005/8/layout/chevron2">
-  <dgm:title val=""/>
-  <dgm:desc val=""/>
-  <dgm:catLst>
-    <dgm:cat type="process" pri="12000"/>
-    <dgm:cat type="list" pri="16000"/>
-    <dgm:cat type="convert" pri="11000"/>
-  </dgm:catLst>
-  <dgm:sampData>
-    <dgm:dataModel>
-      <dgm:ptLst>
-        <dgm:pt modelId="0" type="doc"/>
-        <dgm:pt modelId="1">
-          <dgm:prSet phldr="1"/>
-        </dgm:pt>
-        <dgm:pt modelId="11">
-          <dgm:prSet phldr="1"/>
-        </dgm:pt>
-        <dgm:pt modelId="12">
-          <dgm:prSet phldr="1"/>
-        </dgm:pt>
-        <dgm:pt modelId="2">
-          <dgm:prSet phldr="1"/>
-        </dgm:pt>
-        <dgm:pt modelId="21">
-          <dgm:prSet phldr="1"/>
-        </dgm:pt>
-        <dgm:pt modelId="22">
-          <dgm:prSet phldr="1"/>
-        </dgm:pt>
-        <dgm:pt modelId="3">
-          <dgm:prSet phldr="1"/>
-        </dgm:pt>
-        <dgm:pt modelId="31">
-          <dgm:prSet phldr="1"/>
-        </dgm:pt>
-        <dgm:pt modelId="32">
-          <dgm:prSet phldr="1"/>
-        </dgm:pt>
-      </dgm:ptLst>
-      <dgm:cxnLst>
-        <dgm:cxn modelId="4" srcId="0" destId="1" srcOrd="0" destOrd="0"/>
-        <dgm:cxn modelId="5" srcId="0" destId="2" srcOrd="1" destOrd="0"/>
-        <dgm:cxn modelId="6" srcId="0" destId="3" srcOrd="2" destOrd="0"/>
-        <dgm:cxn modelId="13" srcId="1" destId="11" srcOrd="0" destOrd="0"/>
-        <dgm:cxn modelId="14" srcId="1" destId="12" srcOrd="1" destOrd="0"/>
-        <dgm:cxn modelId="23" srcId="2" destId="21" srcOrd="0" destOrd="0"/>
-        <dgm:cxn modelId="24" srcId="2" destId="22" srcOrd="1" destOrd="0"/>
-        <dgm:cxn modelId="33" srcId="3" destId="31" srcOrd="0" destOrd="0"/>
-        <dgm:cxn modelId="34" srcId="3" destId="32" srcOrd="1" destOrd="0"/>
-      </dgm:cxnLst>
-      <dgm:bg/>
-      <dgm:whole/>
-    </dgm:dataModel>
-  </dgm:sampData>
-  <dgm:styleData>
-    <dgm:dataModel>
-      <dgm:ptLst>
-        <dgm:pt modelId="0" type="doc"/>
-        <dgm:pt modelId="1"/>
-      </dgm:ptLst>
-      <dgm:cxnLst>
-        <dgm:cxn modelId="4" srcId="0" destId="1" srcOrd="0" destOrd="0"/>
-      </dgm:cxnLst>
-      <dgm:bg/>
-      <dgm:whole/>
-    </dgm:dataModel>
-  </dgm:styleData>
-  <dgm:clrData>
-    <dgm:dataModel>
-      <dgm:ptLst>
-        <dgm:pt modelId="0" type="doc"/>
-        <dgm:pt modelId="1"/>
-        <dgm:pt modelId="11"/>
-        <dgm:pt modelId="2"/>
-        <dgm:pt modelId="21"/>
-        <dgm:pt modelId="3"/>
-        <dgm:pt modelId="31"/>
-        <dgm:pt modelId="4"/>
-        <dgm:pt modelId="41"/>
-      </dgm:ptLst>
-      <dgm:cxnLst>
-        <dgm:cxn modelId="5" srcId="0" destId="1" srcOrd="0" destOrd="0"/>
-        <dgm:cxn modelId="6" srcId="0" destId="2" srcOrd="1" destOrd="0"/>
-        <dgm:cxn modelId="7" srcId="0" destId="3" srcOrd="2" destOrd="0"/>
-        <dgm:cxn modelId="8" srcId="0" destId="4" srcOrd="3" destOrd="0"/>
-        <dgm:cxn modelId="13" srcId="1" destId="11" srcOrd="0" destOrd="0"/>
-        <dgm:cxn modelId="23" srcId="2" destId="21" srcOrd="0" destOrd="0"/>
-        <dgm:cxn modelId="33" srcId="3" destId="31" srcOrd="0" destOrd="0"/>
-        <dgm:cxn modelId="43" srcId="4" destId="41" srcOrd="0" destOrd="0"/>
-      </dgm:cxnLst>
-      <dgm:bg/>
-      <dgm:whole/>
-    </dgm:dataModel>
-  </dgm:clrData>
-  <dgm:layoutNode name="linearFlow">
-    <dgm:varLst>
-      <dgm:dir/>
-      <dgm:animLvl val="lvl"/>
-      <dgm:resizeHandles val="exact"/>
-    </dgm:varLst>
-    <dgm:alg type="lin">
-      <dgm:param type="linDir" val="fromT"/>
-      <dgm:param type="nodeHorzAlign" val="l"/>
-    </dgm:alg>
-    <dgm:shape xmlns:r="http://schemas.openxmlformats.org/officeDocument/2006/relationships" r:blip="">
-      <dgm:adjLst/>
-    </dgm:shape>
-    <dgm:presOf/>
-    <dgm:constrLst>
-      <dgm:constr type="h" for="ch" forName="composite" refType="h"/>
-      <dgm:constr type="w" for="ch" forName="composite" refType="w"/>
-      <dgm:constr type="h" for="des" forName="parentText" op="equ"/>
-      <dgm:constr type="h" for="ch" forName="sp" val="-14.88"/>
-      <dgm:constr type="h" for="ch" forName="sp" refType="w" refFor="des" refForName="parentText" op="gte" fact="-0.3"/>
-      <dgm:constr type="primFontSz" for="des" forName="parentText" op="equ" val="65"/>
-      <dgm:constr type="primFontSz" for="des" forName="descendantText" op="equ" val="65"/>
-    </dgm:constrLst>
-    <dgm:ruleLst/>
-    <dgm:forEach name="Name0" axis="ch" ptType="node">
-      <dgm:layoutNode name="composite">
-        <dgm:alg type="composite"/>
-        <dgm:shape xmlns:r="http://schemas.openxmlformats.org/officeDocument/2006/relationships" r:blip="">
-          <dgm:adjLst/>
-        </dgm:shape>
-        <dgm:presOf/>
-        <dgm:choose name="Name1">
-          <dgm:if name="Name2" func="var" arg="dir" op="equ" val="norm">
-            <dgm:constrLst>
-              <dgm:constr type="t" for="ch" forName="parentText"/>
-              <dgm:constr type="l" for="ch" forName="parentText"/>
-              <dgm:constr type="w" for="ch" forName="parentText" refType="w" fact="0.4"/>
-              <dgm:constr type="h" for="ch" forName="parentText" refType="h"/>
-              <dgm:constr type="w" for="ch" forName="parentText" refType="w" op="lte" fact="0.5"/>
-              <dgm:constr type="w" for="ch" forName="parentText" refType="h" refFor="ch" refForName="parentText" op="lte" fact="0.7"/>
-              <dgm:constr type="h" for="ch" forName="parentText" refType="w" refFor="ch" refForName="parentText" op="lte" fact="3"/>
-              <dgm:constr type="l" for="ch" forName="descendantText" refType="w" refFor="ch" refForName="parentText"/>
-              <dgm:constr type="w" for="ch" forName="descendantText" refType="w"/>
-              <dgm:constr type="wOff" for="ch" forName="descendantText" refType="w" refFor="ch" refForName="parentText" fact="-1"/>
-              <dgm:constr type="t" for="ch" forName="descendantText"/>
-              <dgm:constr type="b" for="ch" forName="descendantText" refType="h" refFor="ch" refForName="parentText"/>
-              <dgm:constr type="bOff" for="ch" forName="descendantText" refType="w" refFor="ch" refForName="parentText" fact="-0.5"/>
-            </dgm:constrLst>
-          </dgm:if>
-          <dgm:else name="Name3">
-            <dgm:constrLst>
-              <dgm:constr type="t" for="ch" forName="parentText"/>
-              <dgm:constr type="r" for="ch" forName="parentText" refType="w"/>
-              <dgm:constr type="w" for="ch" forName="parentText" refType="w" fact="0.4"/>
-              <dgm:constr type="h" for="ch" forName="parentText" refType="h"/>
-              <dgm:constr type="w" for="ch" forName="parentText" refType="w" op="lte" fact="0.5"/>
-              <dgm:constr type="w" for="ch" forName="parentText" refType="h" refFor="ch" refForName="parentText" op="lte" fact="0.7"/>
-              <dgm:constr type="h" for="ch" forName="parentText" refType="w" refFor="ch" refForName="parentText" op="lte" fact="3"/>
-              <dgm:constr type="l" for="ch" forName="descendantText"/>
-              <dgm:constr type="w" for="ch" forName="descendantText" refType="w"/>
-              <dgm:constr type="wOff" for="ch" forName="descendantText" refType="w" refFor="ch" refForName="parentText" fact="-1"/>
-              <dgm:constr type="t" for="ch" forName="descendantText"/>
-              <dgm:constr type="b" for="ch" forName="descendantText" refType="h" refFor="ch" refForName="parentText"/>
-              <dgm:constr type="bOff" for="ch" forName="descendantText" refType="w" refFor="ch" refForName="parentText" fact="-0.5"/>
-            </dgm:constrLst>
-          </dgm:else>
-        </dgm:choose>
-        <dgm:ruleLst/>
-        <dgm:layoutNode name="parentText" styleLbl="alignNode1">
-          <dgm:varLst>
-            <dgm:chMax val="1"/>
-            <dgm:bulletEnabled val="1"/>
-          </dgm:varLst>
-          <dgm:alg type="tx"/>
-          <dgm:shape xmlns:r="http://schemas.openxmlformats.org/officeDocument/2006/relationships" rot="90" type="chevron" r:blip="">
-            <dgm:adjLst/>
-          </dgm:shape>
-          <dgm:presOf axis="self" ptType="node"/>
-          <dgm:constrLst>
-            <dgm:constr type="lMarg" refType="primFontSz" fact="0.05"/>
-            <dgm:constr type="rMarg" refType="primFontSz" fact="0.05"/>
-            <dgm:constr type="tMarg" refType="primFontSz" fact="0.05"/>
-            <dgm:constr type="bMarg" refType="primFontSz" fact="0.05"/>
-          </dgm:constrLst>
-          <dgm:ruleLst>
-            <dgm:rule type="h" val="100" fact="NaN" max="NaN"/>
-            <dgm:rule type="primFontSz" val="24" fact="NaN" max="NaN"/>
-            <dgm:rule type="h" val="110" fact="NaN" max="NaN"/>
-            <dgm:rule type="primFontSz" val="18" fact="NaN" max="NaN"/>
-            <dgm:rule type="h" val="INF" fact="NaN" max="NaN"/>
-            <dgm:rule type="primFontSz" val="5" fact="NaN" max="NaN"/>
-          </dgm:ruleLst>
-        </dgm:layoutNode>
-        <dgm:layoutNode name="descendantText" styleLbl="alignAcc1">
-          <dgm:varLst>
-            <dgm:bulletEnabled val="1"/>
-          </dgm:varLst>
-          <dgm:choose name="Name4">
-            <dgm:if name="Name5" func="var" arg="dir" op="equ" val="norm">
-              <dgm:alg type="tx">
-                <dgm:param type="stBulletLvl" val="1"/>
-                <dgm:param type="txAnchorVertCh" val="mid"/>
-              </dgm:alg>
-              <dgm:shape xmlns:r="http://schemas.openxmlformats.org/officeDocument/2006/relationships" rot="90" type="round2SameRect" r:blip="">
-                <dgm:adjLst/>
-              </dgm:shape>
-            </dgm:if>
-            <dgm:else name="Name6">
-              <dgm:alg type="tx">
-                <dgm:param type="stBulletLvl" val="1"/>
-                <dgm:param type="txAnchorVertCh" val="mid"/>
-              </dgm:alg>
-              <dgm:shape xmlns:r="http://schemas.openxmlformats.org/officeDocument/2006/relationships" rot="-90" type="round2SameRect" r:blip="">
-                <dgm:adjLst/>
-              </dgm:shape>
-            </dgm:else>
-          </dgm:choose>
-          <dgm:presOf axis="des" ptType="node"/>
-          <dgm:choose name="Name7">
-            <dgm:if name="Name8" func="var" arg="dir" op="equ" val="norm">
-              <dgm:constrLst>
-                <dgm:constr type="secFontSz" refType="primFontSz"/>
-                <dgm:constr type="tMarg" refType="primFontSz" fact="0.05"/>
-                <dgm:constr type="bMarg" refType="primFontSz" fact="0.05"/>
-                <dgm:constr type="rMarg" refType="primFontSz" fact="0.05"/>
-              </dgm:constrLst>
-            </dgm:if>
-            <dgm:else name="Name9">
-              <dgm:constrLst>
-                <dgm:constr type="secFontSz" refType="primFontSz"/>
-                <dgm:constr type="tMarg" refType="primFontSz" fact="0.05"/>
-                <dgm:constr type="bMarg" refType="primFontSz" fact="0.05"/>
-                <dgm:constr type="lMarg" refType="primFontSz" fact="0.05"/>
-              </dgm:constrLst>
-            </dgm:else>
-          </dgm:choose>
-          <dgm:ruleLst>
-            <dgm:rule type="primFontSz" val="5" fact="NaN" max="NaN"/>
-          </dgm:ruleLst>
-        </dgm:layoutNode>
-      </dgm:layoutNode>
-      <dgm:forEach name="Name10" axis="followSib" ptType="sibTrans" cnt="1">
-        <dgm:layoutNode name="sp">
-          <dgm:alg type="sp"/>
-          <dgm:shape xmlns:r="http://schemas.openxmlformats.org/officeDocument/2006/relationships" r:blip="">
-            <dgm:adjLst/>
-          </dgm:shape>
-          <dgm:presOf axis="self"/>
-          <dgm:constrLst>
-            <dgm:constr type="w" val="1"/>
-            <dgm:constr type="h" val="37.5"/>
-          </dgm:constrLst>
-          <dgm:ruleLst/>
-        </dgm:layoutNode>
-      </dgm:forEach>
-    </dgm:forEach>
-  </dgm:layoutNode>
-</dgm:layoutDef>
-</file>
-
-<file path=ppt/diagrams/layout5.xml><?xml version="1.0" encoding="utf-8"?>
-<dgm:layoutDef xmlns:dgm="http://schemas.openxmlformats.org/drawingml/2006/diagram" xmlns:a="http://schemas.openxmlformats.org/drawingml/2006/main" uniqueId="urn:microsoft.com/office/officeart/2005/8/layout/default">
-  <dgm:title val=""/>
-  <dgm:desc val=""/>
-  <dgm:catLst>
-    <dgm:cat type="list" pri="400"/>
-  </dgm:catLst>
-  <dgm:sampData>
-    <dgm:dataModel>
-      <dgm:ptLst>
-        <dgm:pt modelId="0" type="doc"/>
-        <dgm:pt modelId="1">
-          <dgm:prSet phldr="1"/>
-        </dgm:pt>
-        <dgm:pt modelId="2">
-          <dgm:prSet phldr="1"/>
-        </dgm:pt>
-        <dgm:pt modelId="3">
-          <dgm:prSet phldr="1"/>
-        </dgm:pt>
-        <dgm:pt modelId="4">
-          <dgm:prSet phldr="1"/>
-        </dgm:pt>
-        <dgm:pt modelId="5">
-          <dgm:prSet phldr="1"/>
-        </dgm:pt>
-      </dgm:ptLst>
-      <dgm:cxnLst>
-        <dgm:cxn modelId="6" srcId="0" destId="1" srcOrd="0" destOrd="0"/>
-        <dgm:cxn modelId="7" srcId="0" destId="2" srcOrd="1" destOrd="0"/>
-        <dgm:cxn modelId="8" srcId="0" destId="3" srcOrd="2" destOrd="0"/>
-        <dgm:cxn modelId="9" srcId="0" destId="4" srcOrd="3" destOrd="0"/>
-        <dgm:cxn modelId="10" srcId="0" destId="5" srcOrd="4" destOrd="0"/>
-      </dgm:cxnLst>
-      <dgm:bg/>
-      <dgm:whole/>
-    </dgm:dataModel>
-  </dgm:sampData>
-  <dgm:styleData>
-    <dgm:dataModel>
-      <dgm:ptLst>
-        <dgm:pt modelId="0" type="doc"/>
-        <dgm:pt modelId="1"/>
-        <dgm:pt modelId="2"/>
-      </dgm:ptLst>
-      <dgm:cxnLst>
-        <dgm:cxn modelId="3" srcId="0" destId="1" srcOrd="0" destOrd="0"/>
-        <dgm:cxn modelId="4" srcId="0" destId="2" srcOrd="1" destOrd="0"/>
-      </dgm:cxnLst>
-      <dgm:bg/>
-      <dgm:whole/>
-    </dgm:dataModel>
-  </dgm:styleData>
-  <dgm:clrData>
-    <dgm:dataModel>
-      <dgm:ptLst>
-        <dgm:pt modelId="0" type="doc"/>
-        <dgm:pt modelId="1"/>
-        <dgm:pt modelId="2"/>
-        <dgm:pt modelId="3"/>
-        <dgm:pt modelId="4"/>
-        <dgm:pt modelId="5"/>
-        <dgm:pt modelId="6"/>
-      </dgm:ptLst>
-      <dgm:cxnLst>
-        <dgm:cxn modelId="7" srcId="0" destId="1" srcOrd="0" destOrd="0"/>
-        <dgm:cxn modelId="8" srcId="0" destId="2" srcOrd="1" destOrd="0"/>
-        <dgm:cxn modelId="9" srcId="0" destId="3" srcOrd="2" destOrd="0"/>
-        <dgm:cxn modelId="10" srcId="0" destId="4" srcOrd="3" destOrd="0"/>
-        <dgm:cxn modelId="11" srcId="0" destId="5" srcOrd="4" destOrd="0"/>
-        <dgm:cxn modelId="12" srcId="0" destId="6" srcOrd="5" destOrd="0"/>
-      </dgm:cxnLst>
-      <dgm:bg/>
-      <dgm:whole/>
-    </dgm:dataModel>
-  </dgm:clrData>
-  <dgm:layoutNode name="diagram">
-    <dgm:varLst>
-      <dgm:dir/>
-      <dgm:resizeHandles val="exact"/>
-    </dgm:varLst>
-    <dgm:choose name="Name0">
-      <dgm:if name="Name1" func="var" arg="dir" op="equ" val="norm">
-        <dgm:alg type="snake">
-          <dgm:param type="grDir" val="tL"/>
-          <dgm:param type="flowDir" val="row"/>
-          <dgm:param type="contDir" val="sameDir"/>
-          <dgm:param type="off" val="ctr"/>
-        </dgm:alg>
-      </dgm:if>
-      <dgm:else name="Name2">
-        <dgm:alg type="snake">
-          <dgm:param type="grDir" val="tR"/>
-          <dgm:param type="flowDir" val="row"/>
-          <dgm:param type="contDir" val="sameDir"/>
-          <dgm:param type="off" val="ctr"/>
-        </dgm:alg>
-      </dgm:else>
-    </dgm:choose>
-    <dgm:shape xmlns:r="http://schemas.openxmlformats.org/officeDocument/2006/relationships" r:blip="">
-      <dgm:adjLst/>
-    </dgm:shape>
-    <dgm:presOf/>
-    <dgm:constrLst>
-      <dgm:constr type="w" for="ch" forName="node" refType="w"/>
-      <dgm:constr type="h" for="ch" forName="node" refType="w" refFor="ch" refForName="node" fact="0.6"/>
-      <dgm:constr type="w" for="ch" forName="sibTrans" refType="w" refFor="ch" refForName="node" fact="0.1"/>
-      <dgm:constr type="sp" refType="w" refFor="ch" refForName="sibTrans"/>
-      <dgm:constr type="primFontSz" for="ch" forName="node" op="equ" val="65"/>
-    </dgm:constrLst>
-    <dgm:ruleLst/>
-    <dgm:forEach name="Name3" axis="ch" ptType="node">
-      <dgm:layoutNode name="node">
-        <dgm:varLst>
-          <dgm:bulletEnabled val="1"/>
-        </dgm:varLst>
-        <dgm:alg type="tx"/>
-        <dgm:shape xmlns:r="http://schemas.openxmlformats.org/officeDocument/2006/relationships" type="rect" r:blip="">
-          <dgm:adjLst/>
-        </dgm:shape>
-        <dgm:presOf axis="desOrSelf" ptType="node"/>
-        <dgm:constrLst>
-          <dgm:constr type="lMarg" refType="primFontSz" fact="0.3"/>
-          <dgm:constr type="rMarg" refType="primFontSz" fact="0.3"/>
-          <dgm:constr type="tMarg" refType="primFontSz" fact="0.3"/>
-          <dgm:constr type="bMarg" refType="primFontSz" fact="0.3"/>
-        </dgm:constrLst>
-        <dgm:ruleLst>
-          <dgm:rule type="primFontSz" val="5" fact="NaN" max="NaN"/>
-        </dgm:ruleLst>
-      </dgm:layoutNode>
-      <dgm:forEach name="Name4" axis="followSib" ptType="sibTrans" cnt="1">
-        <dgm:layoutNode name="sibTrans">
-          <dgm:alg type="sp"/>
-          <dgm:shape xmlns:r="http://schemas.openxmlformats.org/officeDocument/2006/relationships" r:blip="">
-            <dgm:adjLst/>
-          </dgm:shape>
-          <dgm:presOf/>
-          <dgm:constrLst/>
-          <dgm:ruleLst/>
-        </dgm:layoutNode>
-      </dgm:forEach>
-    </dgm:forEach>
-  </dgm:layoutNode>
-</dgm:layoutDef>
-</file>
-
 <file path=ppt/diagrams/quickStyle1.xml><?xml version="1.0" encoding="utf-8"?>
 <dgm:styleDef xmlns:dgm="http://schemas.openxmlformats.org/drawingml/2006/diagram" xmlns:a="http://schemas.openxmlformats.org/drawingml/2006/main" uniqueId="urn:microsoft.com/office/officeart/2005/8/quickstyle/simple1">
   <dgm:title val=""/>
@@ -11969,2074 +8610,6 @@
 </file>
 
 <file path=ppt/diagrams/quickStyle3.xml><?xml version="1.0" encoding="utf-8"?>
-<dgm:styleDef xmlns:dgm="http://schemas.openxmlformats.org/drawingml/2006/diagram" xmlns:a="http://schemas.openxmlformats.org/drawingml/2006/main" uniqueId="urn:microsoft.com/office/officeart/2005/8/quickstyle/simple1">
-  <dgm:title val=""/>
-  <dgm:desc val=""/>
-  <dgm:catLst>
-    <dgm:cat type="simple" pri="10100"/>
-  </dgm:catLst>
-  <dgm:scene3d>
-    <a:camera prst="orthographicFront"/>
-    <a:lightRig rig="threePt" dir="t"/>
-  </dgm:scene3d>
-  <dgm:styleLbl name="node0">
-    <dgm:scene3d>
-      <a:camera prst="orthographicFront"/>
-      <a:lightRig rig="threePt" dir="t"/>
-    </dgm:scene3d>
-    <dgm:sp3d/>
-    <dgm:txPr/>
-    <dgm:style>
-      <a:lnRef idx="2">
-        <a:scrgbClr r="0" g="0" b="0"/>
-      </a:lnRef>
-      <a:fillRef idx="1">
-        <a:scrgbClr r="0" g="0" b="0"/>
-      </a:fillRef>
-      <a:effectRef idx="0">
-        <a:scrgbClr r="0" g="0" b="0"/>
-      </a:effectRef>
-      <a:fontRef idx="minor">
-        <a:schemeClr val="lt1"/>
-      </a:fontRef>
-    </dgm:style>
-  </dgm:styleLbl>
-  <dgm:styleLbl name="lnNode1">
-    <dgm:scene3d>
-      <a:camera prst="orthographicFront"/>
-      <a:lightRig rig="threePt" dir="t"/>
-    </dgm:scene3d>
-    <dgm:sp3d/>
-    <dgm:txPr/>
-    <dgm:style>
-      <a:lnRef idx="2">
-        <a:scrgbClr r="0" g="0" b="0"/>
-      </a:lnRef>
-      <a:fillRef idx="1">
-        <a:scrgbClr r="0" g="0" b="0"/>
-      </a:fillRef>
-      <a:effectRef idx="0">
-        <a:scrgbClr r="0" g="0" b="0"/>
-      </a:effectRef>
-      <a:fontRef idx="minor">
-        <a:schemeClr val="lt1"/>
-      </a:fontRef>
-    </dgm:style>
-  </dgm:styleLbl>
-  <dgm:styleLbl name="vennNode1">
-    <dgm:scene3d>
-      <a:camera prst="orthographicFront"/>
-      <a:lightRig rig="threePt" dir="t"/>
-    </dgm:scene3d>
-    <dgm:sp3d/>
-    <dgm:txPr/>
-    <dgm:style>
-      <a:lnRef idx="2">
-        <a:scrgbClr r="0" g="0" b="0"/>
-      </a:lnRef>
-      <a:fillRef idx="1">
-        <a:scrgbClr r="0" g="0" b="0"/>
-      </a:fillRef>
-      <a:effectRef idx="0">
-        <a:scrgbClr r="0" g="0" b="0"/>
-      </a:effectRef>
-      <a:fontRef idx="minor">
-        <a:schemeClr val="tx1"/>
-      </a:fontRef>
-    </dgm:style>
-  </dgm:styleLbl>
-  <dgm:styleLbl name="alignNode1">
-    <dgm:scene3d>
-      <a:camera prst="orthographicFront"/>
-      <a:lightRig rig="threePt" dir="t"/>
-    </dgm:scene3d>
-    <dgm:sp3d/>
-    <dgm:txPr/>
-    <dgm:style>
-      <a:lnRef idx="2">
-        <a:scrgbClr r="0" g="0" b="0"/>
-      </a:lnRef>
-      <a:fillRef idx="1">
-        <a:scrgbClr r="0" g="0" b="0"/>
-      </a:fillRef>
-      <a:effectRef idx="0">
-        <a:scrgbClr r="0" g="0" b="0"/>
-      </a:effectRef>
-      <a:fontRef idx="minor">
-        <a:schemeClr val="lt1"/>
-      </a:fontRef>
-    </dgm:style>
-  </dgm:styleLbl>
-  <dgm:styleLbl name="node1">
-    <dgm:scene3d>
-      <a:camera prst="orthographicFront"/>
-      <a:lightRig rig="threePt" dir="t"/>
-    </dgm:scene3d>
-    <dgm:sp3d/>
-    <dgm:txPr/>
-    <dgm:style>
-      <a:lnRef idx="2">
-        <a:scrgbClr r="0" g="0" b="0"/>
-      </a:lnRef>
-      <a:fillRef idx="1">
-        <a:scrgbClr r="0" g="0" b="0"/>
-      </a:fillRef>
-      <a:effectRef idx="0">
-        <a:scrgbClr r="0" g="0" b="0"/>
-      </a:effectRef>
-      <a:fontRef idx="minor">
-        <a:schemeClr val="lt1"/>
-      </a:fontRef>
-    </dgm:style>
-  </dgm:styleLbl>
-  <dgm:styleLbl name="node2">
-    <dgm:scene3d>
-      <a:camera prst="orthographicFront"/>
-      <a:lightRig rig="threePt" dir="t"/>
-    </dgm:scene3d>
-    <dgm:sp3d/>
-    <dgm:txPr/>
-    <dgm:style>
-      <a:lnRef idx="2">
-        <a:scrgbClr r="0" g="0" b="0"/>
-      </a:lnRef>
-      <a:fillRef idx="1">
-        <a:scrgbClr r="0" g="0" b="0"/>
-      </a:fillRef>
-      <a:effectRef idx="0">
-        <a:scrgbClr r="0" g="0" b="0"/>
-      </a:effectRef>
-      <a:fontRef idx="minor">
-        <a:schemeClr val="lt1"/>
-      </a:fontRef>
-    </dgm:style>
-  </dgm:styleLbl>
-  <dgm:styleLbl name="node3">
-    <dgm:scene3d>
-      <a:camera prst="orthographicFront"/>
-      <a:lightRig rig="threePt" dir="t"/>
-    </dgm:scene3d>
-    <dgm:sp3d/>
-    <dgm:txPr/>
-    <dgm:style>
-      <a:lnRef idx="2">
-        <a:scrgbClr r="0" g="0" b="0"/>
-      </a:lnRef>
-      <a:fillRef idx="1">
-        <a:scrgbClr r="0" g="0" b="0"/>
-      </a:fillRef>
-      <a:effectRef idx="0">
-        <a:scrgbClr r="0" g="0" b="0"/>
-      </a:effectRef>
-      <a:fontRef idx="minor">
-        <a:schemeClr val="lt1"/>
-      </a:fontRef>
-    </dgm:style>
-  </dgm:styleLbl>
-  <dgm:styleLbl name="node4">
-    <dgm:scene3d>
-      <a:camera prst="orthographicFront"/>
-      <a:lightRig rig="threePt" dir="t"/>
-    </dgm:scene3d>
-    <dgm:sp3d/>
-    <dgm:txPr/>
-    <dgm:style>
-      <a:lnRef idx="2">
-        <a:scrgbClr r="0" g="0" b="0"/>
-      </a:lnRef>
-      <a:fillRef idx="1">
-        <a:scrgbClr r="0" g="0" b="0"/>
-      </a:fillRef>
-      <a:effectRef idx="0">
-        <a:scrgbClr r="0" g="0" b="0"/>
-      </a:effectRef>
-      <a:fontRef idx="minor">
-        <a:schemeClr val="lt1"/>
-      </a:fontRef>
-    </dgm:style>
-  </dgm:styleLbl>
-  <dgm:styleLbl name="fgImgPlace1">
-    <dgm:scene3d>
-      <a:camera prst="orthographicFront"/>
-      <a:lightRig rig="threePt" dir="t"/>
-    </dgm:scene3d>
-    <dgm:sp3d/>
-    <dgm:txPr/>
-    <dgm:style>
-      <a:lnRef idx="2">
-        <a:scrgbClr r="0" g="0" b="0"/>
-      </a:lnRef>
-      <a:fillRef idx="1">
-        <a:scrgbClr r="0" g="0" b="0"/>
-      </a:fillRef>
-      <a:effectRef idx="0">
-        <a:scrgbClr r="0" g="0" b="0"/>
-      </a:effectRef>
-      <a:fontRef idx="minor"/>
-    </dgm:style>
-  </dgm:styleLbl>
-  <dgm:styleLbl name="alignImgPlace1">
-    <dgm:scene3d>
-      <a:camera prst="orthographicFront"/>
-      <a:lightRig rig="threePt" dir="t"/>
-    </dgm:scene3d>
-    <dgm:sp3d/>
-    <dgm:txPr/>
-    <dgm:style>
-      <a:lnRef idx="2">
-        <a:scrgbClr r="0" g="0" b="0"/>
-      </a:lnRef>
-      <a:fillRef idx="1">
-        <a:scrgbClr r="0" g="0" b="0"/>
-      </a:fillRef>
-      <a:effectRef idx="0">
-        <a:scrgbClr r="0" g="0" b="0"/>
-      </a:effectRef>
-      <a:fontRef idx="minor"/>
-    </dgm:style>
-  </dgm:styleLbl>
-  <dgm:styleLbl name="bgImgPlace1">
-    <dgm:scene3d>
-      <a:camera prst="orthographicFront"/>
-      <a:lightRig rig="threePt" dir="t"/>
-    </dgm:scene3d>
-    <dgm:sp3d/>
-    <dgm:txPr/>
-    <dgm:style>
-      <a:lnRef idx="2">
-        <a:scrgbClr r="0" g="0" b="0"/>
-      </a:lnRef>
-      <a:fillRef idx="1">
-        <a:scrgbClr r="0" g="0" b="0"/>
-      </a:fillRef>
-      <a:effectRef idx="0">
-        <a:scrgbClr r="0" g="0" b="0"/>
-      </a:effectRef>
-      <a:fontRef idx="minor"/>
-    </dgm:style>
-  </dgm:styleLbl>
-  <dgm:styleLbl name="sibTrans2D1">
-    <dgm:scene3d>
-      <a:camera prst="orthographicFront"/>
-      <a:lightRig rig="threePt" dir="t"/>
-    </dgm:scene3d>
-    <dgm:sp3d/>
-    <dgm:txPr/>
-    <dgm:style>
-      <a:lnRef idx="0">
-        <a:scrgbClr r="0" g="0" b="0"/>
-      </a:lnRef>
-      <a:fillRef idx="1">
-        <a:scrgbClr r="0" g="0" b="0"/>
-      </a:fillRef>
-      <a:effectRef idx="0">
-        <a:scrgbClr r="0" g="0" b="0"/>
-      </a:effectRef>
-      <a:fontRef idx="minor">
-        <a:schemeClr val="lt1"/>
-      </a:fontRef>
-    </dgm:style>
-  </dgm:styleLbl>
-  <dgm:styleLbl name="fgSibTrans2D1">
-    <dgm:scene3d>
-      <a:camera prst="orthographicFront"/>
-      <a:lightRig rig="threePt" dir="t"/>
-    </dgm:scene3d>
-    <dgm:sp3d/>
-    <dgm:txPr/>
-    <dgm:style>
-      <a:lnRef idx="0">
-        <a:scrgbClr r="0" g="0" b="0"/>
-      </a:lnRef>
-      <a:fillRef idx="1">
-        <a:scrgbClr r="0" g="0" b="0"/>
-      </a:fillRef>
-      <a:effectRef idx="0">
-        <a:scrgbClr r="0" g="0" b="0"/>
-      </a:effectRef>
-      <a:fontRef idx="minor">
-        <a:schemeClr val="lt1"/>
-      </a:fontRef>
-    </dgm:style>
-  </dgm:styleLbl>
-  <dgm:styleLbl name="bgSibTrans2D1">
-    <dgm:scene3d>
-      <a:camera prst="orthographicFront"/>
-      <a:lightRig rig="threePt" dir="t"/>
-    </dgm:scene3d>
-    <dgm:sp3d/>
-    <dgm:txPr/>
-    <dgm:style>
-      <a:lnRef idx="0">
-        <a:scrgbClr r="0" g="0" b="0"/>
-      </a:lnRef>
-      <a:fillRef idx="1">
-        <a:scrgbClr r="0" g="0" b="0"/>
-      </a:fillRef>
-      <a:effectRef idx="0">
-        <a:scrgbClr r="0" g="0" b="0"/>
-      </a:effectRef>
-      <a:fontRef idx="minor">
-        <a:schemeClr val="lt1"/>
-      </a:fontRef>
-    </dgm:style>
-  </dgm:styleLbl>
-  <dgm:styleLbl name="sibTrans1D1">
-    <dgm:scene3d>
-      <a:camera prst="orthographicFront"/>
-      <a:lightRig rig="threePt" dir="t"/>
-    </dgm:scene3d>
-    <dgm:sp3d/>
-    <dgm:txPr/>
-    <dgm:style>
-      <a:lnRef idx="1">
-        <a:scrgbClr r="0" g="0" b="0"/>
-      </a:lnRef>
-      <a:fillRef idx="0">
-        <a:scrgbClr r="0" g="0" b="0"/>
-      </a:fillRef>
-      <a:effectRef idx="0">
-        <a:scrgbClr r="0" g="0" b="0"/>
-      </a:effectRef>
-      <a:fontRef idx="minor"/>
-    </dgm:style>
-  </dgm:styleLbl>
-  <dgm:styleLbl name="callout">
-    <dgm:scene3d>
-      <a:camera prst="orthographicFront"/>
-      <a:lightRig rig="threePt" dir="t"/>
-    </dgm:scene3d>
-    <dgm:sp3d/>
-    <dgm:txPr/>
-    <dgm:style>
-      <a:lnRef idx="2">
-        <a:scrgbClr r="0" g="0" b="0"/>
-      </a:lnRef>
-      <a:fillRef idx="1">
-        <a:scrgbClr r="0" g="0" b="0"/>
-      </a:fillRef>
-      <a:effectRef idx="0">
-        <a:scrgbClr r="0" g="0" b="0"/>
-      </a:effectRef>
-      <a:fontRef idx="minor"/>
-    </dgm:style>
-  </dgm:styleLbl>
-  <dgm:styleLbl name="asst0">
-    <dgm:scene3d>
-      <a:camera prst="orthographicFront"/>
-      <a:lightRig rig="threePt" dir="t"/>
-    </dgm:scene3d>
-    <dgm:sp3d/>
-    <dgm:txPr/>
-    <dgm:style>
-      <a:lnRef idx="2">
-        <a:scrgbClr r="0" g="0" b="0"/>
-      </a:lnRef>
-      <a:fillRef idx="1">
-        <a:scrgbClr r="0" g="0" b="0"/>
-      </a:fillRef>
-      <a:effectRef idx="0">
-        <a:scrgbClr r="0" g="0" b="0"/>
-      </a:effectRef>
-      <a:fontRef idx="minor">
-        <a:schemeClr val="lt1"/>
-      </a:fontRef>
-    </dgm:style>
-  </dgm:styleLbl>
-  <dgm:styleLbl name="asst1">
-    <dgm:scene3d>
-      <a:camera prst="orthographicFront"/>
-      <a:lightRig rig="threePt" dir="t"/>
-    </dgm:scene3d>
-    <dgm:sp3d/>
-    <dgm:txPr/>
-    <dgm:style>
-      <a:lnRef idx="2">
-        <a:scrgbClr r="0" g="0" b="0"/>
-      </a:lnRef>
-      <a:fillRef idx="1">
-        <a:scrgbClr r="0" g="0" b="0"/>
-      </a:fillRef>
-      <a:effectRef idx="0">
-        <a:scrgbClr r="0" g="0" b="0"/>
-      </a:effectRef>
-      <a:fontRef idx="minor">
-        <a:schemeClr val="lt1"/>
-      </a:fontRef>
-    </dgm:style>
-  </dgm:styleLbl>
-  <dgm:styleLbl name="asst2">
-    <dgm:scene3d>
-      <a:camera prst="orthographicFront"/>
-      <a:lightRig rig="threePt" dir="t"/>
-    </dgm:scene3d>
-    <dgm:sp3d/>
-    <dgm:txPr/>
-    <dgm:style>
-      <a:lnRef idx="2">
-        <a:scrgbClr r="0" g="0" b="0"/>
-      </a:lnRef>
-      <a:fillRef idx="1">
-        <a:scrgbClr r="0" g="0" b="0"/>
-      </a:fillRef>
-      <a:effectRef idx="0">
-        <a:scrgbClr r="0" g="0" b="0"/>
-      </a:effectRef>
-      <a:fontRef idx="minor">
-        <a:schemeClr val="lt1"/>
-      </a:fontRef>
-    </dgm:style>
-  </dgm:styleLbl>
-  <dgm:styleLbl name="asst3">
-    <dgm:scene3d>
-      <a:camera prst="orthographicFront"/>
-      <a:lightRig rig="threePt" dir="t"/>
-    </dgm:scene3d>
-    <dgm:sp3d/>
-    <dgm:txPr/>
-    <dgm:style>
-      <a:lnRef idx="2">
-        <a:scrgbClr r="0" g="0" b="0"/>
-      </a:lnRef>
-      <a:fillRef idx="1">
-        <a:scrgbClr r="0" g="0" b="0"/>
-      </a:fillRef>
-      <a:effectRef idx="0">
-        <a:scrgbClr r="0" g="0" b="0"/>
-      </a:effectRef>
-      <a:fontRef idx="minor">
-        <a:schemeClr val="lt1"/>
-      </a:fontRef>
-    </dgm:style>
-  </dgm:styleLbl>
-  <dgm:styleLbl name="asst4">
-    <dgm:scene3d>
-      <a:camera prst="orthographicFront"/>
-      <a:lightRig rig="threePt" dir="t"/>
-    </dgm:scene3d>
-    <dgm:sp3d/>
-    <dgm:txPr/>
-    <dgm:style>
-      <a:lnRef idx="2">
-        <a:scrgbClr r="0" g="0" b="0"/>
-      </a:lnRef>
-      <a:fillRef idx="1">
-        <a:scrgbClr r="0" g="0" b="0"/>
-      </a:fillRef>
-      <a:effectRef idx="0">
-        <a:scrgbClr r="0" g="0" b="0"/>
-      </a:effectRef>
-      <a:fontRef idx="minor">
-        <a:schemeClr val="lt1"/>
-      </a:fontRef>
-    </dgm:style>
-  </dgm:styleLbl>
-  <dgm:styleLbl name="parChTrans2D1">
-    <dgm:scene3d>
-      <a:camera prst="orthographicFront"/>
-      <a:lightRig rig="threePt" dir="t"/>
-    </dgm:scene3d>
-    <dgm:sp3d/>
-    <dgm:txPr/>
-    <dgm:style>
-      <a:lnRef idx="2">
-        <a:scrgbClr r="0" g="0" b="0"/>
-      </a:lnRef>
-      <a:fillRef idx="1">
-        <a:scrgbClr r="0" g="0" b="0"/>
-      </a:fillRef>
-      <a:effectRef idx="0">
-        <a:scrgbClr r="0" g="0" b="0"/>
-      </a:effectRef>
-      <a:fontRef idx="minor">
-        <a:schemeClr val="lt1"/>
-      </a:fontRef>
-    </dgm:style>
-  </dgm:styleLbl>
-  <dgm:styleLbl name="parChTrans2D2">
-    <dgm:scene3d>
-      <a:camera prst="orthographicFront"/>
-      <a:lightRig rig="threePt" dir="t"/>
-    </dgm:scene3d>
-    <dgm:sp3d/>
-    <dgm:txPr/>
-    <dgm:style>
-      <a:lnRef idx="2">
-        <a:scrgbClr r="0" g="0" b="0"/>
-      </a:lnRef>
-      <a:fillRef idx="1">
-        <a:scrgbClr r="0" g="0" b="0"/>
-      </a:fillRef>
-      <a:effectRef idx="0">
-        <a:scrgbClr r="0" g="0" b="0"/>
-      </a:effectRef>
-      <a:fontRef idx="minor">
-        <a:schemeClr val="lt1"/>
-      </a:fontRef>
-    </dgm:style>
-  </dgm:styleLbl>
-  <dgm:styleLbl name="parChTrans2D3">
-    <dgm:scene3d>
-      <a:camera prst="orthographicFront"/>
-      <a:lightRig rig="threePt" dir="t"/>
-    </dgm:scene3d>
-    <dgm:sp3d/>
-    <dgm:txPr/>
-    <dgm:style>
-      <a:lnRef idx="2">
-        <a:scrgbClr r="0" g="0" b="0"/>
-      </a:lnRef>
-      <a:fillRef idx="1">
-        <a:scrgbClr r="0" g="0" b="0"/>
-      </a:fillRef>
-      <a:effectRef idx="0">
-        <a:scrgbClr r="0" g="0" b="0"/>
-      </a:effectRef>
-      <a:fontRef idx="minor">
-        <a:schemeClr val="lt1"/>
-      </a:fontRef>
-    </dgm:style>
-  </dgm:styleLbl>
-  <dgm:styleLbl name="parChTrans2D4">
-    <dgm:scene3d>
-      <a:camera prst="orthographicFront"/>
-      <a:lightRig rig="threePt" dir="t"/>
-    </dgm:scene3d>
-    <dgm:sp3d/>
-    <dgm:txPr/>
-    <dgm:style>
-      <a:lnRef idx="2">
-        <a:scrgbClr r="0" g="0" b="0"/>
-      </a:lnRef>
-      <a:fillRef idx="1">
-        <a:scrgbClr r="0" g="0" b="0"/>
-      </a:fillRef>
-      <a:effectRef idx="0">
-        <a:scrgbClr r="0" g="0" b="0"/>
-      </a:effectRef>
-      <a:fontRef idx="minor">
-        <a:schemeClr val="lt1"/>
-      </a:fontRef>
-    </dgm:style>
-  </dgm:styleLbl>
-  <dgm:styleLbl name="parChTrans1D1">
-    <dgm:scene3d>
-      <a:camera prst="orthographicFront"/>
-      <a:lightRig rig="threePt" dir="t"/>
-    </dgm:scene3d>
-    <dgm:sp3d/>
-    <dgm:txPr/>
-    <dgm:style>
-      <a:lnRef idx="2">
-        <a:scrgbClr r="0" g="0" b="0"/>
-      </a:lnRef>
-      <a:fillRef idx="0">
-        <a:scrgbClr r="0" g="0" b="0"/>
-      </a:fillRef>
-      <a:effectRef idx="0">
-        <a:scrgbClr r="0" g="0" b="0"/>
-      </a:effectRef>
-      <a:fontRef idx="minor"/>
-    </dgm:style>
-  </dgm:styleLbl>
-  <dgm:styleLbl name="parChTrans1D2">
-    <dgm:scene3d>
-      <a:camera prst="orthographicFront"/>
-      <a:lightRig rig="threePt" dir="t"/>
-    </dgm:scene3d>
-    <dgm:sp3d/>
-    <dgm:txPr/>
-    <dgm:style>
-      <a:lnRef idx="2">
-        <a:scrgbClr r="0" g="0" b="0"/>
-      </a:lnRef>
-      <a:fillRef idx="0">
-        <a:scrgbClr r="0" g="0" b="0"/>
-      </a:fillRef>
-      <a:effectRef idx="0">
-        <a:scrgbClr r="0" g="0" b="0"/>
-      </a:effectRef>
-      <a:fontRef idx="minor"/>
-    </dgm:style>
-  </dgm:styleLbl>
-  <dgm:styleLbl name="parChTrans1D3">
-    <dgm:scene3d>
-      <a:camera prst="orthographicFront"/>
-      <a:lightRig rig="threePt" dir="t"/>
-    </dgm:scene3d>
-    <dgm:sp3d/>
-    <dgm:txPr/>
-    <dgm:style>
-      <a:lnRef idx="2">
-        <a:scrgbClr r="0" g="0" b="0"/>
-      </a:lnRef>
-      <a:fillRef idx="0">
-        <a:scrgbClr r="0" g="0" b="0"/>
-      </a:fillRef>
-      <a:effectRef idx="0">
-        <a:scrgbClr r="0" g="0" b="0"/>
-      </a:effectRef>
-      <a:fontRef idx="minor"/>
-    </dgm:style>
-  </dgm:styleLbl>
-  <dgm:styleLbl name="parChTrans1D4">
-    <dgm:scene3d>
-      <a:camera prst="orthographicFront"/>
-      <a:lightRig rig="threePt" dir="t"/>
-    </dgm:scene3d>
-    <dgm:sp3d/>
-    <dgm:txPr/>
-    <dgm:style>
-      <a:lnRef idx="2">
-        <a:scrgbClr r="0" g="0" b="0"/>
-      </a:lnRef>
-      <a:fillRef idx="0">
-        <a:scrgbClr r="0" g="0" b="0"/>
-      </a:fillRef>
-      <a:effectRef idx="0">
-        <a:scrgbClr r="0" g="0" b="0"/>
-      </a:effectRef>
-      <a:fontRef idx="minor"/>
-    </dgm:style>
-  </dgm:styleLbl>
-  <dgm:styleLbl name="fgAcc1">
-    <dgm:scene3d>
-      <a:camera prst="orthographicFront"/>
-      <a:lightRig rig="threePt" dir="t"/>
-    </dgm:scene3d>
-    <dgm:sp3d/>
-    <dgm:txPr/>
-    <dgm:style>
-      <a:lnRef idx="2">
-        <a:scrgbClr r="0" g="0" b="0"/>
-      </a:lnRef>
-      <a:fillRef idx="1">
-        <a:scrgbClr r="0" g="0" b="0"/>
-      </a:fillRef>
-      <a:effectRef idx="0">
-        <a:scrgbClr r="0" g="0" b="0"/>
-      </a:effectRef>
-      <a:fontRef idx="minor"/>
-    </dgm:style>
-  </dgm:styleLbl>
-  <dgm:styleLbl name="conFgAcc1">
-    <dgm:scene3d>
-      <a:camera prst="orthographicFront"/>
-      <a:lightRig rig="threePt" dir="t"/>
-    </dgm:scene3d>
-    <dgm:sp3d/>
-    <dgm:txPr/>
-    <dgm:style>
-      <a:lnRef idx="2">
-        <a:scrgbClr r="0" g="0" b="0"/>
-      </a:lnRef>
-      <a:fillRef idx="1">
-        <a:scrgbClr r="0" g="0" b="0"/>
-      </a:fillRef>
-      <a:effectRef idx="0">
-        <a:scrgbClr r="0" g="0" b="0"/>
-      </a:effectRef>
-      <a:fontRef idx="minor"/>
-    </dgm:style>
-  </dgm:styleLbl>
-  <dgm:styleLbl name="alignAcc1">
-    <dgm:scene3d>
-      <a:camera prst="orthographicFront"/>
-      <a:lightRig rig="threePt" dir="t"/>
-    </dgm:scene3d>
-    <dgm:sp3d/>
-    <dgm:txPr/>
-    <dgm:style>
-      <a:lnRef idx="2">
-        <a:scrgbClr r="0" g="0" b="0"/>
-      </a:lnRef>
-      <a:fillRef idx="1">
-        <a:scrgbClr r="0" g="0" b="0"/>
-      </a:fillRef>
-      <a:effectRef idx="0">
-        <a:scrgbClr r="0" g="0" b="0"/>
-      </a:effectRef>
-      <a:fontRef idx="minor"/>
-    </dgm:style>
-  </dgm:styleLbl>
-  <dgm:styleLbl name="trAlignAcc1">
-    <dgm:scene3d>
-      <a:camera prst="orthographicFront"/>
-      <a:lightRig rig="threePt" dir="t"/>
-    </dgm:scene3d>
-    <dgm:sp3d/>
-    <dgm:txPr/>
-    <dgm:style>
-      <a:lnRef idx="1">
-        <a:scrgbClr r="0" g="0" b="0"/>
-      </a:lnRef>
-      <a:fillRef idx="1">
-        <a:scrgbClr r="0" g="0" b="0"/>
-      </a:fillRef>
-      <a:effectRef idx="0">
-        <a:scrgbClr r="0" g="0" b="0"/>
-      </a:effectRef>
-      <a:fontRef idx="minor"/>
-    </dgm:style>
-  </dgm:styleLbl>
-  <dgm:styleLbl name="bgAcc1">
-    <dgm:scene3d>
-      <a:camera prst="orthographicFront"/>
-      <a:lightRig rig="threePt" dir="t"/>
-    </dgm:scene3d>
-    <dgm:sp3d/>
-    <dgm:txPr/>
-    <dgm:style>
-      <a:lnRef idx="2">
-        <a:scrgbClr r="0" g="0" b="0"/>
-      </a:lnRef>
-      <a:fillRef idx="1">
-        <a:scrgbClr r="0" g="0" b="0"/>
-      </a:fillRef>
-      <a:effectRef idx="0">
-        <a:scrgbClr r="0" g="0" b="0"/>
-      </a:effectRef>
-      <a:fontRef idx="minor"/>
-    </dgm:style>
-  </dgm:styleLbl>
-  <dgm:styleLbl name="solidFgAcc1">
-    <dgm:scene3d>
-      <a:camera prst="orthographicFront"/>
-      <a:lightRig rig="threePt" dir="t"/>
-    </dgm:scene3d>
-    <dgm:sp3d/>
-    <dgm:txPr/>
-    <dgm:style>
-      <a:lnRef idx="2">
-        <a:scrgbClr r="0" g="0" b="0"/>
-      </a:lnRef>
-      <a:fillRef idx="1">
-        <a:scrgbClr r="0" g="0" b="0"/>
-      </a:fillRef>
-      <a:effectRef idx="0">
-        <a:scrgbClr r="0" g="0" b="0"/>
-      </a:effectRef>
-      <a:fontRef idx="minor"/>
-    </dgm:style>
-  </dgm:styleLbl>
-  <dgm:styleLbl name="solidAlignAcc1">
-    <dgm:scene3d>
-      <a:camera prst="orthographicFront"/>
-      <a:lightRig rig="threePt" dir="t"/>
-    </dgm:scene3d>
-    <dgm:sp3d/>
-    <dgm:txPr/>
-    <dgm:style>
-      <a:lnRef idx="2">
-        <a:scrgbClr r="0" g="0" b="0"/>
-      </a:lnRef>
-      <a:fillRef idx="1">
-        <a:scrgbClr r="0" g="0" b="0"/>
-      </a:fillRef>
-      <a:effectRef idx="0">
-        <a:scrgbClr r="0" g="0" b="0"/>
-      </a:effectRef>
-      <a:fontRef idx="minor"/>
-    </dgm:style>
-  </dgm:styleLbl>
-  <dgm:styleLbl name="solidBgAcc1">
-    <dgm:scene3d>
-      <a:camera prst="orthographicFront"/>
-      <a:lightRig rig="threePt" dir="t"/>
-    </dgm:scene3d>
-    <dgm:sp3d/>
-    <dgm:txPr/>
-    <dgm:style>
-      <a:lnRef idx="2">
-        <a:scrgbClr r="0" g="0" b="0"/>
-      </a:lnRef>
-      <a:fillRef idx="1">
-        <a:scrgbClr r="0" g="0" b="0"/>
-      </a:fillRef>
-      <a:effectRef idx="0">
-        <a:scrgbClr r="0" g="0" b="0"/>
-      </a:effectRef>
-      <a:fontRef idx="minor"/>
-    </dgm:style>
-  </dgm:styleLbl>
-  <dgm:styleLbl name="fgAccFollowNode1">
-    <dgm:scene3d>
-      <a:camera prst="orthographicFront"/>
-      <a:lightRig rig="threePt" dir="t"/>
-    </dgm:scene3d>
-    <dgm:sp3d/>
-    <dgm:txPr/>
-    <dgm:style>
-      <a:lnRef idx="2">
-        <a:scrgbClr r="0" g="0" b="0"/>
-      </a:lnRef>
-      <a:fillRef idx="1">
-        <a:scrgbClr r="0" g="0" b="0"/>
-      </a:fillRef>
-      <a:effectRef idx="0">
-        <a:scrgbClr r="0" g="0" b="0"/>
-      </a:effectRef>
-      <a:fontRef idx="minor"/>
-    </dgm:style>
-  </dgm:styleLbl>
-  <dgm:styleLbl name="alignAccFollowNode1">
-    <dgm:scene3d>
-      <a:camera prst="orthographicFront"/>
-      <a:lightRig rig="threePt" dir="t"/>
-    </dgm:scene3d>
-    <dgm:sp3d/>
-    <dgm:txPr/>
-    <dgm:style>
-      <a:lnRef idx="2">
-        <a:scrgbClr r="0" g="0" b="0"/>
-      </a:lnRef>
-      <a:fillRef idx="1">
-        <a:scrgbClr r="0" g="0" b="0"/>
-      </a:fillRef>
-      <a:effectRef idx="0">
-        <a:scrgbClr r="0" g="0" b="0"/>
-      </a:effectRef>
-      <a:fontRef idx="minor"/>
-    </dgm:style>
-  </dgm:styleLbl>
-  <dgm:styleLbl name="bgAccFollowNode1">
-    <dgm:scene3d>
-      <a:camera prst="orthographicFront"/>
-      <a:lightRig rig="threePt" dir="t"/>
-    </dgm:scene3d>
-    <dgm:sp3d/>
-    <dgm:txPr/>
-    <dgm:style>
-      <a:lnRef idx="2">
-        <a:scrgbClr r="0" g="0" b="0"/>
-      </a:lnRef>
-      <a:fillRef idx="1">
-        <a:scrgbClr r="0" g="0" b="0"/>
-      </a:fillRef>
-      <a:effectRef idx="0">
-        <a:scrgbClr r="0" g="0" b="0"/>
-      </a:effectRef>
-      <a:fontRef idx="minor"/>
-    </dgm:style>
-  </dgm:styleLbl>
-  <dgm:styleLbl name="fgAcc0">
-    <dgm:scene3d>
-      <a:camera prst="orthographicFront"/>
-      <a:lightRig rig="threePt" dir="t"/>
-    </dgm:scene3d>
-    <dgm:sp3d/>
-    <dgm:txPr/>
-    <dgm:style>
-      <a:lnRef idx="2">
-        <a:scrgbClr r="0" g="0" b="0"/>
-      </a:lnRef>
-      <a:fillRef idx="1">
-        <a:scrgbClr r="0" g="0" b="0"/>
-      </a:fillRef>
-      <a:effectRef idx="0">
-        <a:scrgbClr r="0" g="0" b="0"/>
-      </a:effectRef>
-      <a:fontRef idx="minor"/>
-    </dgm:style>
-  </dgm:styleLbl>
-  <dgm:styleLbl name="fgAcc2">
-    <dgm:scene3d>
-      <a:camera prst="orthographicFront"/>
-      <a:lightRig rig="threePt" dir="t"/>
-    </dgm:scene3d>
-    <dgm:sp3d/>
-    <dgm:txPr/>
-    <dgm:style>
-      <a:lnRef idx="2">
-        <a:scrgbClr r="0" g="0" b="0"/>
-      </a:lnRef>
-      <a:fillRef idx="1">
-        <a:scrgbClr r="0" g="0" b="0"/>
-      </a:fillRef>
-      <a:effectRef idx="0">
-        <a:scrgbClr r="0" g="0" b="0"/>
-      </a:effectRef>
-      <a:fontRef idx="minor"/>
-    </dgm:style>
-  </dgm:styleLbl>
-  <dgm:styleLbl name="fgAcc3">
-    <dgm:scene3d>
-      <a:camera prst="orthographicFront"/>
-      <a:lightRig rig="threePt" dir="t"/>
-    </dgm:scene3d>
-    <dgm:sp3d/>
-    <dgm:txPr/>
-    <dgm:style>
-      <a:lnRef idx="2">
-        <a:scrgbClr r="0" g="0" b="0"/>
-      </a:lnRef>
-      <a:fillRef idx="1">
-        <a:scrgbClr r="0" g="0" b="0"/>
-      </a:fillRef>
-      <a:effectRef idx="0">
-        <a:scrgbClr r="0" g="0" b="0"/>
-      </a:effectRef>
-      <a:fontRef idx="minor"/>
-    </dgm:style>
-  </dgm:styleLbl>
-  <dgm:styleLbl name="fgAcc4">
-    <dgm:scene3d>
-      <a:camera prst="orthographicFront"/>
-      <a:lightRig rig="threePt" dir="t"/>
-    </dgm:scene3d>
-    <dgm:sp3d/>
-    <dgm:txPr/>
-    <dgm:style>
-      <a:lnRef idx="2">
-        <a:scrgbClr r="0" g="0" b="0"/>
-      </a:lnRef>
-      <a:fillRef idx="1">
-        <a:scrgbClr r="0" g="0" b="0"/>
-      </a:fillRef>
-      <a:effectRef idx="0">
-        <a:scrgbClr r="0" g="0" b="0"/>
-      </a:effectRef>
-      <a:fontRef idx="minor"/>
-    </dgm:style>
-  </dgm:styleLbl>
-  <dgm:styleLbl name="bgShp">
-    <dgm:scene3d>
-      <a:camera prst="orthographicFront"/>
-      <a:lightRig rig="threePt" dir="t"/>
-    </dgm:scene3d>
-    <dgm:sp3d/>
-    <dgm:txPr/>
-    <dgm:style>
-      <a:lnRef idx="0">
-        <a:scrgbClr r="0" g="0" b="0"/>
-      </a:lnRef>
-      <a:fillRef idx="1">
-        <a:scrgbClr r="0" g="0" b="0"/>
-      </a:fillRef>
-      <a:effectRef idx="0">
-        <a:scrgbClr r="0" g="0" b="0"/>
-      </a:effectRef>
-      <a:fontRef idx="minor"/>
-    </dgm:style>
-  </dgm:styleLbl>
-  <dgm:styleLbl name="dkBgShp">
-    <dgm:scene3d>
-      <a:camera prst="orthographicFront"/>
-      <a:lightRig rig="threePt" dir="t"/>
-    </dgm:scene3d>
-    <dgm:sp3d/>
-    <dgm:txPr/>
-    <dgm:style>
-      <a:lnRef idx="0">
-        <a:scrgbClr r="0" g="0" b="0"/>
-      </a:lnRef>
-      <a:fillRef idx="1">
-        <a:scrgbClr r="0" g="0" b="0"/>
-      </a:fillRef>
-      <a:effectRef idx="0">
-        <a:scrgbClr r="0" g="0" b="0"/>
-      </a:effectRef>
-      <a:fontRef idx="minor"/>
-    </dgm:style>
-  </dgm:styleLbl>
-  <dgm:styleLbl name="trBgShp">
-    <dgm:scene3d>
-      <a:camera prst="orthographicFront"/>
-      <a:lightRig rig="threePt" dir="t"/>
-    </dgm:scene3d>
-    <dgm:sp3d/>
-    <dgm:txPr/>
-    <dgm:style>
-      <a:lnRef idx="0">
-        <a:scrgbClr r="0" g="0" b="0"/>
-      </a:lnRef>
-      <a:fillRef idx="1">
-        <a:scrgbClr r="0" g="0" b="0"/>
-      </a:fillRef>
-      <a:effectRef idx="0">
-        <a:scrgbClr r="0" g="0" b="0"/>
-      </a:effectRef>
-      <a:fontRef idx="minor"/>
-    </dgm:style>
-  </dgm:styleLbl>
-  <dgm:styleLbl name="fgShp">
-    <dgm:scene3d>
-      <a:camera prst="orthographicFront"/>
-      <a:lightRig rig="threePt" dir="t"/>
-    </dgm:scene3d>
-    <dgm:sp3d/>
-    <dgm:txPr/>
-    <dgm:style>
-      <a:lnRef idx="2">
-        <a:scrgbClr r="0" g="0" b="0"/>
-      </a:lnRef>
-      <a:fillRef idx="1">
-        <a:scrgbClr r="0" g="0" b="0"/>
-      </a:fillRef>
-      <a:effectRef idx="0">
-        <a:scrgbClr r="0" g="0" b="0"/>
-      </a:effectRef>
-      <a:fontRef idx="minor"/>
-    </dgm:style>
-  </dgm:styleLbl>
-  <dgm:styleLbl name="revTx">
-    <dgm:scene3d>
-      <a:camera prst="orthographicFront"/>
-      <a:lightRig rig="threePt" dir="t"/>
-    </dgm:scene3d>
-    <dgm:sp3d/>
-    <dgm:txPr/>
-    <dgm:style>
-      <a:lnRef idx="0">
-        <a:scrgbClr r="0" g="0" b="0"/>
-      </a:lnRef>
-      <a:fillRef idx="0">
-        <a:scrgbClr r="0" g="0" b="0"/>
-      </a:fillRef>
-      <a:effectRef idx="0">
-        <a:scrgbClr r="0" g="0" b="0"/>
-      </a:effectRef>
-      <a:fontRef idx="minor"/>
-    </dgm:style>
-  </dgm:styleLbl>
-</dgm:styleDef>
-</file>
-
-<file path=ppt/diagrams/quickStyle4.xml><?xml version="1.0" encoding="utf-8"?>
-<dgm:styleDef xmlns:dgm="http://schemas.openxmlformats.org/drawingml/2006/diagram" xmlns:a="http://schemas.openxmlformats.org/drawingml/2006/main" uniqueId="urn:microsoft.com/office/officeart/2005/8/quickstyle/simple1">
-  <dgm:title val=""/>
-  <dgm:desc val=""/>
-  <dgm:catLst>
-    <dgm:cat type="simple" pri="10100"/>
-  </dgm:catLst>
-  <dgm:scene3d>
-    <a:camera prst="orthographicFront"/>
-    <a:lightRig rig="threePt" dir="t"/>
-  </dgm:scene3d>
-  <dgm:styleLbl name="node0">
-    <dgm:scene3d>
-      <a:camera prst="orthographicFront"/>
-      <a:lightRig rig="threePt" dir="t"/>
-    </dgm:scene3d>
-    <dgm:sp3d/>
-    <dgm:txPr/>
-    <dgm:style>
-      <a:lnRef idx="2">
-        <a:scrgbClr r="0" g="0" b="0"/>
-      </a:lnRef>
-      <a:fillRef idx="1">
-        <a:scrgbClr r="0" g="0" b="0"/>
-      </a:fillRef>
-      <a:effectRef idx="0">
-        <a:scrgbClr r="0" g="0" b="0"/>
-      </a:effectRef>
-      <a:fontRef idx="minor">
-        <a:schemeClr val="lt1"/>
-      </a:fontRef>
-    </dgm:style>
-  </dgm:styleLbl>
-  <dgm:styleLbl name="lnNode1">
-    <dgm:scene3d>
-      <a:camera prst="orthographicFront"/>
-      <a:lightRig rig="threePt" dir="t"/>
-    </dgm:scene3d>
-    <dgm:sp3d/>
-    <dgm:txPr/>
-    <dgm:style>
-      <a:lnRef idx="2">
-        <a:scrgbClr r="0" g="0" b="0"/>
-      </a:lnRef>
-      <a:fillRef idx="1">
-        <a:scrgbClr r="0" g="0" b="0"/>
-      </a:fillRef>
-      <a:effectRef idx="0">
-        <a:scrgbClr r="0" g="0" b="0"/>
-      </a:effectRef>
-      <a:fontRef idx="minor">
-        <a:schemeClr val="lt1"/>
-      </a:fontRef>
-    </dgm:style>
-  </dgm:styleLbl>
-  <dgm:styleLbl name="vennNode1">
-    <dgm:scene3d>
-      <a:camera prst="orthographicFront"/>
-      <a:lightRig rig="threePt" dir="t"/>
-    </dgm:scene3d>
-    <dgm:sp3d/>
-    <dgm:txPr/>
-    <dgm:style>
-      <a:lnRef idx="2">
-        <a:scrgbClr r="0" g="0" b="0"/>
-      </a:lnRef>
-      <a:fillRef idx="1">
-        <a:scrgbClr r="0" g="0" b="0"/>
-      </a:fillRef>
-      <a:effectRef idx="0">
-        <a:scrgbClr r="0" g="0" b="0"/>
-      </a:effectRef>
-      <a:fontRef idx="minor">
-        <a:schemeClr val="tx1"/>
-      </a:fontRef>
-    </dgm:style>
-  </dgm:styleLbl>
-  <dgm:styleLbl name="alignNode1">
-    <dgm:scene3d>
-      <a:camera prst="orthographicFront"/>
-      <a:lightRig rig="threePt" dir="t"/>
-    </dgm:scene3d>
-    <dgm:sp3d/>
-    <dgm:txPr/>
-    <dgm:style>
-      <a:lnRef idx="2">
-        <a:scrgbClr r="0" g="0" b="0"/>
-      </a:lnRef>
-      <a:fillRef idx="1">
-        <a:scrgbClr r="0" g="0" b="0"/>
-      </a:fillRef>
-      <a:effectRef idx="0">
-        <a:scrgbClr r="0" g="0" b="0"/>
-      </a:effectRef>
-      <a:fontRef idx="minor">
-        <a:schemeClr val="lt1"/>
-      </a:fontRef>
-    </dgm:style>
-  </dgm:styleLbl>
-  <dgm:styleLbl name="node1">
-    <dgm:scene3d>
-      <a:camera prst="orthographicFront"/>
-      <a:lightRig rig="threePt" dir="t"/>
-    </dgm:scene3d>
-    <dgm:sp3d/>
-    <dgm:txPr/>
-    <dgm:style>
-      <a:lnRef idx="2">
-        <a:scrgbClr r="0" g="0" b="0"/>
-      </a:lnRef>
-      <a:fillRef idx="1">
-        <a:scrgbClr r="0" g="0" b="0"/>
-      </a:fillRef>
-      <a:effectRef idx="0">
-        <a:scrgbClr r="0" g="0" b="0"/>
-      </a:effectRef>
-      <a:fontRef idx="minor">
-        <a:schemeClr val="lt1"/>
-      </a:fontRef>
-    </dgm:style>
-  </dgm:styleLbl>
-  <dgm:styleLbl name="node2">
-    <dgm:scene3d>
-      <a:camera prst="orthographicFront"/>
-      <a:lightRig rig="threePt" dir="t"/>
-    </dgm:scene3d>
-    <dgm:sp3d/>
-    <dgm:txPr/>
-    <dgm:style>
-      <a:lnRef idx="2">
-        <a:scrgbClr r="0" g="0" b="0"/>
-      </a:lnRef>
-      <a:fillRef idx="1">
-        <a:scrgbClr r="0" g="0" b="0"/>
-      </a:fillRef>
-      <a:effectRef idx="0">
-        <a:scrgbClr r="0" g="0" b="0"/>
-      </a:effectRef>
-      <a:fontRef idx="minor">
-        <a:schemeClr val="lt1"/>
-      </a:fontRef>
-    </dgm:style>
-  </dgm:styleLbl>
-  <dgm:styleLbl name="node3">
-    <dgm:scene3d>
-      <a:camera prst="orthographicFront"/>
-      <a:lightRig rig="threePt" dir="t"/>
-    </dgm:scene3d>
-    <dgm:sp3d/>
-    <dgm:txPr/>
-    <dgm:style>
-      <a:lnRef idx="2">
-        <a:scrgbClr r="0" g="0" b="0"/>
-      </a:lnRef>
-      <a:fillRef idx="1">
-        <a:scrgbClr r="0" g="0" b="0"/>
-      </a:fillRef>
-      <a:effectRef idx="0">
-        <a:scrgbClr r="0" g="0" b="0"/>
-      </a:effectRef>
-      <a:fontRef idx="minor">
-        <a:schemeClr val="lt1"/>
-      </a:fontRef>
-    </dgm:style>
-  </dgm:styleLbl>
-  <dgm:styleLbl name="node4">
-    <dgm:scene3d>
-      <a:camera prst="orthographicFront"/>
-      <a:lightRig rig="threePt" dir="t"/>
-    </dgm:scene3d>
-    <dgm:sp3d/>
-    <dgm:txPr/>
-    <dgm:style>
-      <a:lnRef idx="2">
-        <a:scrgbClr r="0" g="0" b="0"/>
-      </a:lnRef>
-      <a:fillRef idx="1">
-        <a:scrgbClr r="0" g="0" b="0"/>
-      </a:fillRef>
-      <a:effectRef idx="0">
-        <a:scrgbClr r="0" g="0" b="0"/>
-      </a:effectRef>
-      <a:fontRef idx="minor">
-        <a:schemeClr val="lt1"/>
-      </a:fontRef>
-    </dgm:style>
-  </dgm:styleLbl>
-  <dgm:styleLbl name="fgImgPlace1">
-    <dgm:scene3d>
-      <a:camera prst="orthographicFront"/>
-      <a:lightRig rig="threePt" dir="t"/>
-    </dgm:scene3d>
-    <dgm:sp3d/>
-    <dgm:txPr/>
-    <dgm:style>
-      <a:lnRef idx="2">
-        <a:scrgbClr r="0" g="0" b="0"/>
-      </a:lnRef>
-      <a:fillRef idx="1">
-        <a:scrgbClr r="0" g="0" b="0"/>
-      </a:fillRef>
-      <a:effectRef idx="0">
-        <a:scrgbClr r="0" g="0" b="0"/>
-      </a:effectRef>
-      <a:fontRef idx="minor"/>
-    </dgm:style>
-  </dgm:styleLbl>
-  <dgm:styleLbl name="alignImgPlace1">
-    <dgm:scene3d>
-      <a:camera prst="orthographicFront"/>
-      <a:lightRig rig="threePt" dir="t"/>
-    </dgm:scene3d>
-    <dgm:sp3d/>
-    <dgm:txPr/>
-    <dgm:style>
-      <a:lnRef idx="2">
-        <a:scrgbClr r="0" g="0" b="0"/>
-      </a:lnRef>
-      <a:fillRef idx="1">
-        <a:scrgbClr r="0" g="0" b="0"/>
-      </a:fillRef>
-      <a:effectRef idx="0">
-        <a:scrgbClr r="0" g="0" b="0"/>
-      </a:effectRef>
-      <a:fontRef idx="minor"/>
-    </dgm:style>
-  </dgm:styleLbl>
-  <dgm:styleLbl name="bgImgPlace1">
-    <dgm:scene3d>
-      <a:camera prst="orthographicFront"/>
-      <a:lightRig rig="threePt" dir="t"/>
-    </dgm:scene3d>
-    <dgm:sp3d/>
-    <dgm:txPr/>
-    <dgm:style>
-      <a:lnRef idx="2">
-        <a:scrgbClr r="0" g="0" b="0"/>
-      </a:lnRef>
-      <a:fillRef idx="1">
-        <a:scrgbClr r="0" g="0" b="0"/>
-      </a:fillRef>
-      <a:effectRef idx="0">
-        <a:scrgbClr r="0" g="0" b="0"/>
-      </a:effectRef>
-      <a:fontRef idx="minor"/>
-    </dgm:style>
-  </dgm:styleLbl>
-  <dgm:styleLbl name="sibTrans2D1">
-    <dgm:scene3d>
-      <a:camera prst="orthographicFront"/>
-      <a:lightRig rig="threePt" dir="t"/>
-    </dgm:scene3d>
-    <dgm:sp3d/>
-    <dgm:txPr/>
-    <dgm:style>
-      <a:lnRef idx="0">
-        <a:scrgbClr r="0" g="0" b="0"/>
-      </a:lnRef>
-      <a:fillRef idx="1">
-        <a:scrgbClr r="0" g="0" b="0"/>
-      </a:fillRef>
-      <a:effectRef idx="0">
-        <a:scrgbClr r="0" g="0" b="0"/>
-      </a:effectRef>
-      <a:fontRef idx="minor">
-        <a:schemeClr val="lt1"/>
-      </a:fontRef>
-    </dgm:style>
-  </dgm:styleLbl>
-  <dgm:styleLbl name="fgSibTrans2D1">
-    <dgm:scene3d>
-      <a:camera prst="orthographicFront"/>
-      <a:lightRig rig="threePt" dir="t"/>
-    </dgm:scene3d>
-    <dgm:sp3d/>
-    <dgm:txPr/>
-    <dgm:style>
-      <a:lnRef idx="0">
-        <a:scrgbClr r="0" g="0" b="0"/>
-      </a:lnRef>
-      <a:fillRef idx="1">
-        <a:scrgbClr r="0" g="0" b="0"/>
-      </a:fillRef>
-      <a:effectRef idx="0">
-        <a:scrgbClr r="0" g="0" b="0"/>
-      </a:effectRef>
-      <a:fontRef idx="minor">
-        <a:schemeClr val="lt1"/>
-      </a:fontRef>
-    </dgm:style>
-  </dgm:styleLbl>
-  <dgm:styleLbl name="bgSibTrans2D1">
-    <dgm:scene3d>
-      <a:camera prst="orthographicFront"/>
-      <a:lightRig rig="threePt" dir="t"/>
-    </dgm:scene3d>
-    <dgm:sp3d/>
-    <dgm:txPr/>
-    <dgm:style>
-      <a:lnRef idx="0">
-        <a:scrgbClr r="0" g="0" b="0"/>
-      </a:lnRef>
-      <a:fillRef idx="1">
-        <a:scrgbClr r="0" g="0" b="0"/>
-      </a:fillRef>
-      <a:effectRef idx="0">
-        <a:scrgbClr r="0" g="0" b="0"/>
-      </a:effectRef>
-      <a:fontRef idx="minor">
-        <a:schemeClr val="lt1"/>
-      </a:fontRef>
-    </dgm:style>
-  </dgm:styleLbl>
-  <dgm:styleLbl name="sibTrans1D1">
-    <dgm:scene3d>
-      <a:camera prst="orthographicFront"/>
-      <a:lightRig rig="threePt" dir="t"/>
-    </dgm:scene3d>
-    <dgm:sp3d/>
-    <dgm:txPr/>
-    <dgm:style>
-      <a:lnRef idx="1">
-        <a:scrgbClr r="0" g="0" b="0"/>
-      </a:lnRef>
-      <a:fillRef idx="0">
-        <a:scrgbClr r="0" g="0" b="0"/>
-      </a:fillRef>
-      <a:effectRef idx="0">
-        <a:scrgbClr r="0" g="0" b="0"/>
-      </a:effectRef>
-      <a:fontRef idx="minor"/>
-    </dgm:style>
-  </dgm:styleLbl>
-  <dgm:styleLbl name="callout">
-    <dgm:scene3d>
-      <a:camera prst="orthographicFront"/>
-      <a:lightRig rig="threePt" dir="t"/>
-    </dgm:scene3d>
-    <dgm:sp3d/>
-    <dgm:txPr/>
-    <dgm:style>
-      <a:lnRef idx="2">
-        <a:scrgbClr r="0" g="0" b="0"/>
-      </a:lnRef>
-      <a:fillRef idx="1">
-        <a:scrgbClr r="0" g="0" b="0"/>
-      </a:fillRef>
-      <a:effectRef idx="0">
-        <a:scrgbClr r="0" g="0" b="0"/>
-      </a:effectRef>
-      <a:fontRef idx="minor"/>
-    </dgm:style>
-  </dgm:styleLbl>
-  <dgm:styleLbl name="asst0">
-    <dgm:scene3d>
-      <a:camera prst="orthographicFront"/>
-      <a:lightRig rig="threePt" dir="t"/>
-    </dgm:scene3d>
-    <dgm:sp3d/>
-    <dgm:txPr/>
-    <dgm:style>
-      <a:lnRef idx="2">
-        <a:scrgbClr r="0" g="0" b="0"/>
-      </a:lnRef>
-      <a:fillRef idx="1">
-        <a:scrgbClr r="0" g="0" b="0"/>
-      </a:fillRef>
-      <a:effectRef idx="0">
-        <a:scrgbClr r="0" g="0" b="0"/>
-      </a:effectRef>
-      <a:fontRef idx="minor">
-        <a:schemeClr val="lt1"/>
-      </a:fontRef>
-    </dgm:style>
-  </dgm:styleLbl>
-  <dgm:styleLbl name="asst1">
-    <dgm:scene3d>
-      <a:camera prst="orthographicFront"/>
-      <a:lightRig rig="threePt" dir="t"/>
-    </dgm:scene3d>
-    <dgm:sp3d/>
-    <dgm:txPr/>
-    <dgm:style>
-      <a:lnRef idx="2">
-        <a:scrgbClr r="0" g="0" b="0"/>
-      </a:lnRef>
-      <a:fillRef idx="1">
-        <a:scrgbClr r="0" g="0" b="0"/>
-      </a:fillRef>
-      <a:effectRef idx="0">
-        <a:scrgbClr r="0" g="0" b="0"/>
-      </a:effectRef>
-      <a:fontRef idx="minor">
-        <a:schemeClr val="lt1"/>
-      </a:fontRef>
-    </dgm:style>
-  </dgm:styleLbl>
-  <dgm:styleLbl name="asst2">
-    <dgm:scene3d>
-      <a:camera prst="orthographicFront"/>
-      <a:lightRig rig="threePt" dir="t"/>
-    </dgm:scene3d>
-    <dgm:sp3d/>
-    <dgm:txPr/>
-    <dgm:style>
-      <a:lnRef idx="2">
-        <a:scrgbClr r="0" g="0" b="0"/>
-      </a:lnRef>
-      <a:fillRef idx="1">
-        <a:scrgbClr r="0" g="0" b="0"/>
-      </a:fillRef>
-      <a:effectRef idx="0">
-        <a:scrgbClr r="0" g="0" b="0"/>
-      </a:effectRef>
-      <a:fontRef idx="minor">
-        <a:schemeClr val="lt1"/>
-      </a:fontRef>
-    </dgm:style>
-  </dgm:styleLbl>
-  <dgm:styleLbl name="asst3">
-    <dgm:scene3d>
-      <a:camera prst="orthographicFront"/>
-      <a:lightRig rig="threePt" dir="t"/>
-    </dgm:scene3d>
-    <dgm:sp3d/>
-    <dgm:txPr/>
-    <dgm:style>
-      <a:lnRef idx="2">
-        <a:scrgbClr r="0" g="0" b="0"/>
-      </a:lnRef>
-      <a:fillRef idx="1">
-        <a:scrgbClr r="0" g="0" b="0"/>
-      </a:fillRef>
-      <a:effectRef idx="0">
-        <a:scrgbClr r="0" g="0" b="0"/>
-      </a:effectRef>
-      <a:fontRef idx="minor">
-        <a:schemeClr val="lt1"/>
-      </a:fontRef>
-    </dgm:style>
-  </dgm:styleLbl>
-  <dgm:styleLbl name="asst4">
-    <dgm:scene3d>
-      <a:camera prst="orthographicFront"/>
-      <a:lightRig rig="threePt" dir="t"/>
-    </dgm:scene3d>
-    <dgm:sp3d/>
-    <dgm:txPr/>
-    <dgm:style>
-      <a:lnRef idx="2">
-        <a:scrgbClr r="0" g="0" b="0"/>
-      </a:lnRef>
-      <a:fillRef idx="1">
-        <a:scrgbClr r="0" g="0" b="0"/>
-      </a:fillRef>
-      <a:effectRef idx="0">
-        <a:scrgbClr r="0" g="0" b="0"/>
-      </a:effectRef>
-      <a:fontRef idx="minor">
-        <a:schemeClr val="lt1"/>
-      </a:fontRef>
-    </dgm:style>
-  </dgm:styleLbl>
-  <dgm:styleLbl name="parChTrans2D1">
-    <dgm:scene3d>
-      <a:camera prst="orthographicFront"/>
-      <a:lightRig rig="threePt" dir="t"/>
-    </dgm:scene3d>
-    <dgm:sp3d/>
-    <dgm:txPr/>
-    <dgm:style>
-      <a:lnRef idx="2">
-        <a:scrgbClr r="0" g="0" b="0"/>
-      </a:lnRef>
-      <a:fillRef idx="1">
-        <a:scrgbClr r="0" g="0" b="0"/>
-      </a:fillRef>
-      <a:effectRef idx="0">
-        <a:scrgbClr r="0" g="0" b="0"/>
-      </a:effectRef>
-      <a:fontRef idx="minor">
-        <a:schemeClr val="lt1"/>
-      </a:fontRef>
-    </dgm:style>
-  </dgm:styleLbl>
-  <dgm:styleLbl name="parChTrans2D2">
-    <dgm:scene3d>
-      <a:camera prst="orthographicFront"/>
-      <a:lightRig rig="threePt" dir="t"/>
-    </dgm:scene3d>
-    <dgm:sp3d/>
-    <dgm:txPr/>
-    <dgm:style>
-      <a:lnRef idx="2">
-        <a:scrgbClr r="0" g="0" b="0"/>
-      </a:lnRef>
-      <a:fillRef idx="1">
-        <a:scrgbClr r="0" g="0" b="0"/>
-      </a:fillRef>
-      <a:effectRef idx="0">
-        <a:scrgbClr r="0" g="0" b="0"/>
-      </a:effectRef>
-      <a:fontRef idx="minor">
-        <a:schemeClr val="lt1"/>
-      </a:fontRef>
-    </dgm:style>
-  </dgm:styleLbl>
-  <dgm:styleLbl name="parChTrans2D3">
-    <dgm:scene3d>
-      <a:camera prst="orthographicFront"/>
-      <a:lightRig rig="threePt" dir="t"/>
-    </dgm:scene3d>
-    <dgm:sp3d/>
-    <dgm:txPr/>
-    <dgm:style>
-      <a:lnRef idx="2">
-        <a:scrgbClr r="0" g="0" b="0"/>
-      </a:lnRef>
-      <a:fillRef idx="1">
-        <a:scrgbClr r="0" g="0" b="0"/>
-      </a:fillRef>
-      <a:effectRef idx="0">
-        <a:scrgbClr r="0" g="0" b="0"/>
-      </a:effectRef>
-      <a:fontRef idx="minor">
-        <a:schemeClr val="lt1"/>
-      </a:fontRef>
-    </dgm:style>
-  </dgm:styleLbl>
-  <dgm:styleLbl name="parChTrans2D4">
-    <dgm:scene3d>
-      <a:camera prst="orthographicFront"/>
-      <a:lightRig rig="threePt" dir="t"/>
-    </dgm:scene3d>
-    <dgm:sp3d/>
-    <dgm:txPr/>
-    <dgm:style>
-      <a:lnRef idx="2">
-        <a:scrgbClr r="0" g="0" b="0"/>
-      </a:lnRef>
-      <a:fillRef idx="1">
-        <a:scrgbClr r="0" g="0" b="0"/>
-      </a:fillRef>
-      <a:effectRef idx="0">
-        <a:scrgbClr r="0" g="0" b="0"/>
-      </a:effectRef>
-      <a:fontRef idx="minor">
-        <a:schemeClr val="lt1"/>
-      </a:fontRef>
-    </dgm:style>
-  </dgm:styleLbl>
-  <dgm:styleLbl name="parChTrans1D1">
-    <dgm:scene3d>
-      <a:camera prst="orthographicFront"/>
-      <a:lightRig rig="threePt" dir="t"/>
-    </dgm:scene3d>
-    <dgm:sp3d/>
-    <dgm:txPr/>
-    <dgm:style>
-      <a:lnRef idx="2">
-        <a:scrgbClr r="0" g="0" b="0"/>
-      </a:lnRef>
-      <a:fillRef idx="0">
-        <a:scrgbClr r="0" g="0" b="0"/>
-      </a:fillRef>
-      <a:effectRef idx="0">
-        <a:scrgbClr r="0" g="0" b="0"/>
-      </a:effectRef>
-      <a:fontRef idx="minor"/>
-    </dgm:style>
-  </dgm:styleLbl>
-  <dgm:styleLbl name="parChTrans1D2">
-    <dgm:scene3d>
-      <a:camera prst="orthographicFront"/>
-      <a:lightRig rig="threePt" dir="t"/>
-    </dgm:scene3d>
-    <dgm:sp3d/>
-    <dgm:txPr/>
-    <dgm:style>
-      <a:lnRef idx="2">
-        <a:scrgbClr r="0" g="0" b="0"/>
-      </a:lnRef>
-      <a:fillRef idx="0">
-        <a:scrgbClr r="0" g="0" b="0"/>
-      </a:fillRef>
-      <a:effectRef idx="0">
-        <a:scrgbClr r="0" g="0" b="0"/>
-      </a:effectRef>
-      <a:fontRef idx="minor"/>
-    </dgm:style>
-  </dgm:styleLbl>
-  <dgm:styleLbl name="parChTrans1D3">
-    <dgm:scene3d>
-      <a:camera prst="orthographicFront"/>
-      <a:lightRig rig="threePt" dir="t"/>
-    </dgm:scene3d>
-    <dgm:sp3d/>
-    <dgm:txPr/>
-    <dgm:style>
-      <a:lnRef idx="2">
-        <a:scrgbClr r="0" g="0" b="0"/>
-      </a:lnRef>
-      <a:fillRef idx="0">
-        <a:scrgbClr r="0" g="0" b="0"/>
-      </a:fillRef>
-      <a:effectRef idx="0">
-        <a:scrgbClr r="0" g="0" b="0"/>
-      </a:effectRef>
-      <a:fontRef idx="minor"/>
-    </dgm:style>
-  </dgm:styleLbl>
-  <dgm:styleLbl name="parChTrans1D4">
-    <dgm:scene3d>
-      <a:camera prst="orthographicFront"/>
-      <a:lightRig rig="threePt" dir="t"/>
-    </dgm:scene3d>
-    <dgm:sp3d/>
-    <dgm:txPr/>
-    <dgm:style>
-      <a:lnRef idx="2">
-        <a:scrgbClr r="0" g="0" b="0"/>
-      </a:lnRef>
-      <a:fillRef idx="0">
-        <a:scrgbClr r="0" g="0" b="0"/>
-      </a:fillRef>
-      <a:effectRef idx="0">
-        <a:scrgbClr r="0" g="0" b="0"/>
-      </a:effectRef>
-      <a:fontRef idx="minor"/>
-    </dgm:style>
-  </dgm:styleLbl>
-  <dgm:styleLbl name="fgAcc1">
-    <dgm:scene3d>
-      <a:camera prst="orthographicFront"/>
-      <a:lightRig rig="threePt" dir="t"/>
-    </dgm:scene3d>
-    <dgm:sp3d/>
-    <dgm:txPr/>
-    <dgm:style>
-      <a:lnRef idx="2">
-        <a:scrgbClr r="0" g="0" b="0"/>
-      </a:lnRef>
-      <a:fillRef idx="1">
-        <a:scrgbClr r="0" g="0" b="0"/>
-      </a:fillRef>
-      <a:effectRef idx="0">
-        <a:scrgbClr r="0" g="0" b="0"/>
-      </a:effectRef>
-      <a:fontRef idx="minor"/>
-    </dgm:style>
-  </dgm:styleLbl>
-  <dgm:styleLbl name="conFgAcc1">
-    <dgm:scene3d>
-      <a:camera prst="orthographicFront"/>
-      <a:lightRig rig="threePt" dir="t"/>
-    </dgm:scene3d>
-    <dgm:sp3d/>
-    <dgm:txPr/>
-    <dgm:style>
-      <a:lnRef idx="2">
-        <a:scrgbClr r="0" g="0" b="0"/>
-      </a:lnRef>
-      <a:fillRef idx="1">
-        <a:scrgbClr r="0" g="0" b="0"/>
-      </a:fillRef>
-      <a:effectRef idx="0">
-        <a:scrgbClr r="0" g="0" b="0"/>
-      </a:effectRef>
-      <a:fontRef idx="minor"/>
-    </dgm:style>
-  </dgm:styleLbl>
-  <dgm:styleLbl name="alignAcc1">
-    <dgm:scene3d>
-      <a:camera prst="orthographicFront"/>
-      <a:lightRig rig="threePt" dir="t"/>
-    </dgm:scene3d>
-    <dgm:sp3d/>
-    <dgm:txPr/>
-    <dgm:style>
-      <a:lnRef idx="2">
-        <a:scrgbClr r="0" g="0" b="0"/>
-      </a:lnRef>
-      <a:fillRef idx="1">
-        <a:scrgbClr r="0" g="0" b="0"/>
-      </a:fillRef>
-      <a:effectRef idx="0">
-        <a:scrgbClr r="0" g="0" b="0"/>
-      </a:effectRef>
-      <a:fontRef idx="minor"/>
-    </dgm:style>
-  </dgm:styleLbl>
-  <dgm:styleLbl name="trAlignAcc1">
-    <dgm:scene3d>
-      <a:camera prst="orthographicFront"/>
-      <a:lightRig rig="threePt" dir="t"/>
-    </dgm:scene3d>
-    <dgm:sp3d/>
-    <dgm:txPr/>
-    <dgm:style>
-      <a:lnRef idx="1">
-        <a:scrgbClr r="0" g="0" b="0"/>
-      </a:lnRef>
-      <a:fillRef idx="1">
-        <a:scrgbClr r="0" g="0" b="0"/>
-      </a:fillRef>
-      <a:effectRef idx="0">
-        <a:scrgbClr r="0" g="0" b="0"/>
-      </a:effectRef>
-      <a:fontRef idx="minor"/>
-    </dgm:style>
-  </dgm:styleLbl>
-  <dgm:styleLbl name="bgAcc1">
-    <dgm:scene3d>
-      <a:camera prst="orthographicFront"/>
-      <a:lightRig rig="threePt" dir="t"/>
-    </dgm:scene3d>
-    <dgm:sp3d/>
-    <dgm:txPr/>
-    <dgm:style>
-      <a:lnRef idx="2">
-        <a:scrgbClr r="0" g="0" b="0"/>
-      </a:lnRef>
-      <a:fillRef idx="1">
-        <a:scrgbClr r="0" g="0" b="0"/>
-      </a:fillRef>
-      <a:effectRef idx="0">
-        <a:scrgbClr r="0" g="0" b="0"/>
-      </a:effectRef>
-      <a:fontRef idx="minor"/>
-    </dgm:style>
-  </dgm:styleLbl>
-  <dgm:styleLbl name="solidFgAcc1">
-    <dgm:scene3d>
-      <a:camera prst="orthographicFront"/>
-      <a:lightRig rig="threePt" dir="t"/>
-    </dgm:scene3d>
-    <dgm:sp3d/>
-    <dgm:txPr/>
-    <dgm:style>
-      <a:lnRef idx="2">
-        <a:scrgbClr r="0" g="0" b="0"/>
-      </a:lnRef>
-      <a:fillRef idx="1">
-        <a:scrgbClr r="0" g="0" b="0"/>
-      </a:fillRef>
-      <a:effectRef idx="0">
-        <a:scrgbClr r="0" g="0" b="0"/>
-      </a:effectRef>
-      <a:fontRef idx="minor"/>
-    </dgm:style>
-  </dgm:styleLbl>
-  <dgm:styleLbl name="solidAlignAcc1">
-    <dgm:scene3d>
-      <a:camera prst="orthographicFront"/>
-      <a:lightRig rig="threePt" dir="t"/>
-    </dgm:scene3d>
-    <dgm:sp3d/>
-    <dgm:txPr/>
-    <dgm:style>
-      <a:lnRef idx="2">
-        <a:scrgbClr r="0" g="0" b="0"/>
-      </a:lnRef>
-      <a:fillRef idx="1">
-        <a:scrgbClr r="0" g="0" b="0"/>
-      </a:fillRef>
-      <a:effectRef idx="0">
-        <a:scrgbClr r="0" g="0" b="0"/>
-      </a:effectRef>
-      <a:fontRef idx="minor"/>
-    </dgm:style>
-  </dgm:styleLbl>
-  <dgm:styleLbl name="solidBgAcc1">
-    <dgm:scene3d>
-      <a:camera prst="orthographicFront"/>
-      <a:lightRig rig="threePt" dir="t"/>
-    </dgm:scene3d>
-    <dgm:sp3d/>
-    <dgm:txPr/>
-    <dgm:style>
-      <a:lnRef idx="2">
-        <a:scrgbClr r="0" g="0" b="0"/>
-      </a:lnRef>
-      <a:fillRef idx="1">
-        <a:scrgbClr r="0" g="0" b="0"/>
-      </a:fillRef>
-      <a:effectRef idx="0">
-        <a:scrgbClr r="0" g="0" b="0"/>
-      </a:effectRef>
-      <a:fontRef idx="minor"/>
-    </dgm:style>
-  </dgm:styleLbl>
-  <dgm:styleLbl name="fgAccFollowNode1">
-    <dgm:scene3d>
-      <a:camera prst="orthographicFront"/>
-      <a:lightRig rig="threePt" dir="t"/>
-    </dgm:scene3d>
-    <dgm:sp3d/>
-    <dgm:txPr/>
-    <dgm:style>
-      <a:lnRef idx="2">
-        <a:scrgbClr r="0" g="0" b="0"/>
-      </a:lnRef>
-      <a:fillRef idx="1">
-        <a:scrgbClr r="0" g="0" b="0"/>
-      </a:fillRef>
-      <a:effectRef idx="0">
-        <a:scrgbClr r="0" g="0" b="0"/>
-      </a:effectRef>
-      <a:fontRef idx="minor"/>
-    </dgm:style>
-  </dgm:styleLbl>
-  <dgm:styleLbl name="alignAccFollowNode1">
-    <dgm:scene3d>
-      <a:camera prst="orthographicFront"/>
-      <a:lightRig rig="threePt" dir="t"/>
-    </dgm:scene3d>
-    <dgm:sp3d/>
-    <dgm:txPr/>
-    <dgm:style>
-      <a:lnRef idx="2">
-        <a:scrgbClr r="0" g="0" b="0"/>
-      </a:lnRef>
-      <a:fillRef idx="1">
-        <a:scrgbClr r="0" g="0" b="0"/>
-      </a:fillRef>
-      <a:effectRef idx="0">
-        <a:scrgbClr r="0" g="0" b="0"/>
-      </a:effectRef>
-      <a:fontRef idx="minor"/>
-    </dgm:style>
-  </dgm:styleLbl>
-  <dgm:styleLbl name="bgAccFollowNode1">
-    <dgm:scene3d>
-      <a:camera prst="orthographicFront"/>
-      <a:lightRig rig="threePt" dir="t"/>
-    </dgm:scene3d>
-    <dgm:sp3d/>
-    <dgm:txPr/>
-    <dgm:style>
-      <a:lnRef idx="2">
-        <a:scrgbClr r="0" g="0" b="0"/>
-      </a:lnRef>
-      <a:fillRef idx="1">
-        <a:scrgbClr r="0" g="0" b="0"/>
-      </a:fillRef>
-      <a:effectRef idx="0">
-        <a:scrgbClr r="0" g="0" b="0"/>
-      </a:effectRef>
-      <a:fontRef idx="minor"/>
-    </dgm:style>
-  </dgm:styleLbl>
-  <dgm:styleLbl name="fgAcc0">
-    <dgm:scene3d>
-      <a:camera prst="orthographicFront"/>
-      <a:lightRig rig="threePt" dir="t"/>
-    </dgm:scene3d>
-    <dgm:sp3d/>
-    <dgm:txPr/>
-    <dgm:style>
-      <a:lnRef idx="2">
-        <a:scrgbClr r="0" g="0" b="0"/>
-      </a:lnRef>
-      <a:fillRef idx="1">
-        <a:scrgbClr r="0" g="0" b="0"/>
-      </a:fillRef>
-      <a:effectRef idx="0">
-        <a:scrgbClr r="0" g="0" b="0"/>
-      </a:effectRef>
-      <a:fontRef idx="minor"/>
-    </dgm:style>
-  </dgm:styleLbl>
-  <dgm:styleLbl name="fgAcc2">
-    <dgm:scene3d>
-      <a:camera prst="orthographicFront"/>
-      <a:lightRig rig="threePt" dir="t"/>
-    </dgm:scene3d>
-    <dgm:sp3d/>
-    <dgm:txPr/>
-    <dgm:style>
-      <a:lnRef idx="2">
-        <a:scrgbClr r="0" g="0" b="0"/>
-      </a:lnRef>
-      <a:fillRef idx="1">
-        <a:scrgbClr r="0" g="0" b="0"/>
-      </a:fillRef>
-      <a:effectRef idx="0">
-        <a:scrgbClr r="0" g="0" b="0"/>
-      </a:effectRef>
-      <a:fontRef idx="minor"/>
-    </dgm:style>
-  </dgm:styleLbl>
-  <dgm:styleLbl name="fgAcc3">
-    <dgm:scene3d>
-      <a:camera prst="orthographicFront"/>
-      <a:lightRig rig="threePt" dir="t"/>
-    </dgm:scene3d>
-    <dgm:sp3d/>
-    <dgm:txPr/>
-    <dgm:style>
-      <a:lnRef idx="2">
-        <a:scrgbClr r="0" g="0" b="0"/>
-      </a:lnRef>
-      <a:fillRef idx="1">
-        <a:scrgbClr r="0" g="0" b="0"/>
-      </a:fillRef>
-      <a:effectRef idx="0">
-        <a:scrgbClr r="0" g="0" b="0"/>
-      </a:effectRef>
-      <a:fontRef idx="minor"/>
-    </dgm:style>
-  </dgm:styleLbl>
-  <dgm:styleLbl name="fgAcc4">
-    <dgm:scene3d>
-      <a:camera prst="orthographicFront"/>
-      <a:lightRig rig="threePt" dir="t"/>
-    </dgm:scene3d>
-    <dgm:sp3d/>
-    <dgm:txPr/>
-    <dgm:style>
-      <a:lnRef idx="2">
-        <a:scrgbClr r="0" g="0" b="0"/>
-      </a:lnRef>
-      <a:fillRef idx="1">
-        <a:scrgbClr r="0" g="0" b="0"/>
-      </a:fillRef>
-      <a:effectRef idx="0">
-        <a:scrgbClr r="0" g="0" b="0"/>
-      </a:effectRef>
-      <a:fontRef idx="minor"/>
-    </dgm:style>
-  </dgm:styleLbl>
-  <dgm:styleLbl name="bgShp">
-    <dgm:scene3d>
-      <a:camera prst="orthographicFront"/>
-      <a:lightRig rig="threePt" dir="t"/>
-    </dgm:scene3d>
-    <dgm:sp3d/>
-    <dgm:txPr/>
-    <dgm:style>
-      <a:lnRef idx="0">
-        <a:scrgbClr r="0" g="0" b="0"/>
-      </a:lnRef>
-      <a:fillRef idx="1">
-        <a:scrgbClr r="0" g="0" b="0"/>
-      </a:fillRef>
-      <a:effectRef idx="0">
-        <a:scrgbClr r="0" g="0" b="0"/>
-      </a:effectRef>
-      <a:fontRef idx="minor"/>
-    </dgm:style>
-  </dgm:styleLbl>
-  <dgm:styleLbl name="dkBgShp">
-    <dgm:scene3d>
-      <a:camera prst="orthographicFront"/>
-      <a:lightRig rig="threePt" dir="t"/>
-    </dgm:scene3d>
-    <dgm:sp3d/>
-    <dgm:txPr/>
-    <dgm:style>
-      <a:lnRef idx="0">
-        <a:scrgbClr r="0" g="0" b="0"/>
-      </a:lnRef>
-      <a:fillRef idx="1">
-        <a:scrgbClr r="0" g="0" b="0"/>
-      </a:fillRef>
-      <a:effectRef idx="0">
-        <a:scrgbClr r="0" g="0" b="0"/>
-      </a:effectRef>
-      <a:fontRef idx="minor"/>
-    </dgm:style>
-  </dgm:styleLbl>
-  <dgm:styleLbl name="trBgShp">
-    <dgm:scene3d>
-      <a:camera prst="orthographicFront"/>
-      <a:lightRig rig="threePt" dir="t"/>
-    </dgm:scene3d>
-    <dgm:sp3d/>
-    <dgm:txPr/>
-    <dgm:style>
-      <a:lnRef idx="0">
-        <a:scrgbClr r="0" g="0" b="0"/>
-      </a:lnRef>
-      <a:fillRef idx="1">
-        <a:scrgbClr r="0" g="0" b="0"/>
-      </a:fillRef>
-      <a:effectRef idx="0">
-        <a:scrgbClr r="0" g="0" b="0"/>
-      </a:effectRef>
-      <a:fontRef idx="minor"/>
-    </dgm:style>
-  </dgm:styleLbl>
-  <dgm:styleLbl name="fgShp">
-    <dgm:scene3d>
-      <a:camera prst="orthographicFront"/>
-      <a:lightRig rig="threePt" dir="t"/>
-    </dgm:scene3d>
-    <dgm:sp3d/>
-    <dgm:txPr/>
-    <dgm:style>
-      <a:lnRef idx="2">
-        <a:scrgbClr r="0" g="0" b="0"/>
-      </a:lnRef>
-      <a:fillRef idx="1">
-        <a:scrgbClr r="0" g="0" b="0"/>
-      </a:fillRef>
-      <a:effectRef idx="0">
-        <a:scrgbClr r="0" g="0" b="0"/>
-      </a:effectRef>
-      <a:fontRef idx="minor"/>
-    </dgm:style>
-  </dgm:styleLbl>
-  <dgm:styleLbl name="revTx">
-    <dgm:scene3d>
-      <a:camera prst="orthographicFront"/>
-      <a:lightRig rig="threePt" dir="t"/>
-    </dgm:scene3d>
-    <dgm:sp3d/>
-    <dgm:txPr/>
-    <dgm:style>
-      <a:lnRef idx="0">
-        <a:scrgbClr r="0" g="0" b="0"/>
-      </a:lnRef>
-      <a:fillRef idx="0">
-        <a:scrgbClr r="0" g="0" b="0"/>
-      </a:fillRef>
-      <a:effectRef idx="0">
-        <a:scrgbClr r="0" g="0" b="0"/>
-      </a:effectRef>
-      <a:fontRef idx="minor"/>
-    </dgm:style>
-  </dgm:styleLbl>
-</dgm:styleDef>
-</file>
-
-<file path=ppt/diagrams/quickStyle5.xml><?xml version="1.0" encoding="utf-8"?>
 <dgm:styleDef xmlns:dgm="http://schemas.openxmlformats.org/drawingml/2006/diagram" xmlns:a="http://schemas.openxmlformats.org/drawingml/2006/main" uniqueId="urn:microsoft.com/office/officeart/2005/8/quickstyle/simple1">
   <dgm:title val=""/>
   <dgm:desc val=""/>
@@ -15152,7 +9725,7 @@
           <a:p>
             <a:fld id="{389E985E-3B83-4F82-9CBC-73B637E86F0E}" type="datetimeFigureOut">
               <a:rPr lang="en-US" smtClean="0"/>
-              <a:t>8/24/2023</a:t>
+              <a:t>8/25/2023</a:t>
             </a:fld>
             <a:endParaRPr lang="en-US"/>
           </a:p>
@@ -15766,7 +10339,7 @@
           <a:p>
             <a:fld id="{FE9BA86A-C116-4582-8192-9E22C1DC4EF8}" type="datetime1">
               <a:rPr lang="en-US" smtClean="0"/>
-              <a:t>8/24/2023</a:t>
+              <a:t>8/25/2023</a:t>
             </a:fld>
             <a:endParaRPr lang="en-US"/>
           </a:p>
@@ -15937,7 +10510,7 @@
           <a:p>
             <a:fld id="{D0B99E14-C8B7-4484-8AC9-7FE4B30DD24E}" type="datetime1">
               <a:rPr lang="en-US" smtClean="0"/>
-              <a:t>8/24/2023</a:t>
+              <a:t>8/25/2023</a:t>
             </a:fld>
             <a:endParaRPr lang="en-US"/>
           </a:p>
@@ -16189,7 +10762,7 @@
           <a:p>
             <a:fld id="{8A640B67-875E-41BA-9AC9-0EFB7409DEDE}" type="datetime1">
               <a:rPr lang="en-US" smtClean="0"/>
-              <a:t>8/24/2023</a:t>
+              <a:t>8/25/2023</a:t>
             </a:fld>
             <a:endParaRPr lang="en-US"/>
           </a:p>
@@ -16438,7 +11011,7 @@
             <a:pPr lvl="0"/>
             <a:fld id="{84F77853-CE16-49E3-AC3B-A630EFFA5912}" type="datetime1">
               <a:rPr lang="en-US" smtClean="0"/>
-              <a:t>8/24/2023</a:t>
+              <a:t>8/25/2023</a:t>
             </a:fld>
             <a:endParaRPr lang="en-US"/>
           </a:p>
@@ -16674,7 +11247,7 @@
           <a:p>
             <a:fld id="{94207179-93F7-465D-9769-42817A49AFCC}" type="datetime1">
               <a:rPr lang="en-US" smtClean="0"/>
-              <a:t>8/24/2023</a:t>
+              <a:t>8/25/2023</a:t>
             </a:fld>
             <a:endParaRPr lang="en-US"/>
           </a:p>
@@ -17306,7 +11879,7 @@
           <a:p>
             <a:fld id="{ED94442B-C253-43A1-A5A9-0EA87FB0B36E}" type="datetime1">
               <a:rPr lang="en-US" smtClean="0"/>
-              <a:t>8/24/2023</a:t>
+              <a:t>8/25/2023</a:t>
             </a:fld>
             <a:endParaRPr lang="en-US"/>
           </a:p>
@@ -17982,7 +12555,7 @@
             <a:pPr lvl="0"/>
             <a:fld id="{563F0511-07AB-4DC6-9CFD-A04EA1AE0B21}" type="datetime1">
               <a:rPr lang="en-US" smtClean="0"/>
-              <a:t>8/24/2023</a:t>
+              <a:t>8/25/2023</a:t>
             </a:fld>
             <a:endParaRPr lang="en-US"/>
           </a:p>
@@ -19826,13 +14399,18 @@
           </a:lstStyle>
           <a:p>
             <a:r>
-              <a:rPr lang="en-US" sz="2800" dirty="0">
+              <a:rPr lang="en-US" sz="2800">
                 <a:solidFill>
                   <a:schemeClr val="tx1"/>
                 </a:solidFill>
               </a:rPr>
-              <a:t>Supervised by</a:t>
+              <a:t>Supervisors:</a:t>
             </a:r>
+            <a:endParaRPr lang="en-US" sz="2800" dirty="0">
+              <a:solidFill>
+                <a:schemeClr val="tx1"/>
+              </a:solidFill>
+            </a:endParaRPr>
           </a:p>
           <a:p>
             <a:r>
@@ -20363,335 +14941,6 @@
       </p:sp>
       <p:sp>
         <p:nvSpPr>
-          <p:cNvPr id="8" name="Rechteck: abgerundete Ecken 7">
-            <a:extLst>
-              <a:ext uri="{FF2B5EF4-FFF2-40B4-BE49-F238E27FC236}">
-                <a16:creationId xmlns:a16="http://schemas.microsoft.com/office/drawing/2014/main" id="{B01F6C44-16BB-F9F7-F4E9-B967F15C5042}"/>
-              </a:ext>
-            </a:extLst>
-          </p:cNvPr>
-          <p:cNvSpPr/>
-          <p:nvPr/>
-        </p:nvSpPr>
-        <p:spPr>
-          <a:xfrm>
-            <a:off x="9153831" y="2152650"/>
-            <a:ext cx="2286000" cy="1200145"/>
-          </a:xfrm>
-          <a:prstGeom prst="roundRect">
-            <a:avLst/>
-          </a:prstGeom>
-          <a:solidFill>
-            <a:srgbClr val="143742"/>
-          </a:solidFill>
-        </p:spPr>
-        <p:style>
-          <a:lnRef idx="2">
-            <a:schemeClr val="accent1">
-              <a:shade val="15000"/>
-            </a:schemeClr>
-          </a:lnRef>
-          <a:fillRef idx="1">
-            <a:schemeClr val="accent1"/>
-          </a:fillRef>
-          <a:effectRef idx="0">
-            <a:schemeClr val="accent1"/>
-          </a:effectRef>
-          <a:fontRef idx="minor">
-            <a:schemeClr val="lt1"/>
-          </a:fontRef>
-        </p:style>
-        <p:txBody>
-          <a:bodyPr rtlCol="0" anchor="ctr"/>
-          <a:lstStyle/>
-          <a:p>
-            <a:pPr algn="ctr"/>
-            <a:r>
-              <a:rPr lang="en-US" sz="3600" b="1" dirty="0"/>
-              <a:t>with emphasis</a:t>
-            </a:r>
-            <a:endParaRPr lang="en-US" sz="3200" b="1" dirty="0"/>
-          </a:p>
-        </p:txBody>
-      </p:sp>
-      <p:sp>
-        <p:nvSpPr>
-          <p:cNvPr id="9" name="Rechteck: abgerundete Ecken 8">
-            <a:extLst>
-              <a:ext uri="{FF2B5EF4-FFF2-40B4-BE49-F238E27FC236}">
-                <a16:creationId xmlns:a16="http://schemas.microsoft.com/office/drawing/2014/main" id="{7C519A2E-8467-2BE3-1FC3-7A64B6B885FE}"/>
-              </a:ext>
-            </a:extLst>
-          </p:cNvPr>
-          <p:cNvSpPr/>
-          <p:nvPr/>
-        </p:nvSpPr>
-        <p:spPr>
-          <a:xfrm>
-            <a:off x="9153831" y="4710022"/>
-            <a:ext cx="2286000" cy="1200145"/>
-          </a:xfrm>
-          <a:prstGeom prst="roundRect">
-            <a:avLst/>
-          </a:prstGeom>
-          <a:solidFill>
-            <a:srgbClr val="143742"/>
-          </a:solidFill>
-        </p:spPr>
-        <p:style>
-          <a:lnRef idx="2">
-            <a:schemeClr val="accent1">
-              <a:shade val="15000"/>
-            </a:schemeClr>
-          </a:lnRef>
-          <a:fillRef idx="1">
-            <a:schemeClr val="accent1"/>
-          </a:fillRef>
-          <a:effectRef idx="0">
-            <a:schemeClr val="accent1"/>
-          </a:effectRef>
-          <a:fontRef idx="minor">
-            <a:schemeClr val="lt1"/>
-          </a:fontRef>
-        </p:style>
-        <p:txBody>
-          <a:bodyPr rtlCol="0" anchor="ctr"/>
-          <a:lstStyle/>
-          <a:p>
-            <a:pPr algn="ctr"/>
-            <a:r>
-              <a:rPr lang="en-US" sz="3600" b="1" dirty="0"/>
-              <a:t>without emphasis</a:t>
-            </a:r>
-            <a:endParaRPr lang="en-US" sz="3200" b="1" dirty="0"/>
-          </a:p>
-        </p:txBody>
-      </p:sp>
-    </p:spTree>
-    <p:extLst>
-      <p:ext uri="{BB962C8B-B14F-4D97-AF65-F5344CB8AC3E}">
-        <p14:creationId xmlns:p14="http://schemas.microsoft.com/office/powerpoint/2010/main" val="3292949643"/>
-      </p:ext>
-    </p:extLst>
-  </p:cSld>
-  <p:clrMapOvr>
-    <a:masterClrMapping/>
-  </p:clrMapOvr>
-</p:sld>
-</file>
-
-<file path=ppt/slides/slide11.xml><?xml version="1.0" encoding="utf-8"?>
-<p:sld xmlns:a="http://schemas.openxmlformats.org/drawingml/2006/main" xmlns:r="http://schemas.openxmlformats.org/officeDocument/2006/relationships" xmlns:p="http://schemas.openxmlformats.org/presentationml/2006/main">
-  <p:cSld>
-    <p:spTree>
-      <p:nvGrpSpPr>
-        <p:cNvPr id="1" name=""/>
-        <p:cNvGrpSpPr/>
-        <p:nvPr/>
-      </p:nvGrpSpPr>
-      <p:grpSpPr>
-        <a:xfrm>
-          <a:off x="0" y="0"/>
-          <a:ext cx="0" cy="0"/>
-          <a:chOff x="0" y="0"/>
-          <a:chExt cx="0" cy="0"/>
-        </a:xfrm>
-      </p:grpSpPr>
-      <p:sp>
-        <p:nvSpPr>
-          <p:cNvPr id="2" name="Titel 1">
-            <a:extLst>
-              <a:ext uri="{FF2B5EF4-FFF2-40B4-BE49-F238E27FC236}">
-                <a16:creationId xmlns:a16="http://schemas.microsoft.com/office/drawing/2014/main" id="{A2028FD5-D2C4-6B97-1EB7-E5239F1C1605}"/>
-              </a:ext>
-            </a:extLst>
-          </p:cNvPr>
-          <p:cNvSpPr>
-            <a:spLocks noGrp="1"/>
-          </p:cNvSpPr>
-          <p:nvPr>
-            <p:ph type="title"/>
-          </p:nvPr>
-        </p:nvSpPr>
-        <p:spPr/>
-        <p:txBody>
-          <a:bodyPr/>
-          <a:lstStyle/>
-          <a:p>
-            <a:r>
-              <a:rPr lang="en-US" dirty="0"/>
-              <a:t>Study design: Stimuli</a:t>
-            </a:r>
-          </a:p>
-        </p:txBody>
-      </p:sp>
-      <p:cxnSp>
-        <p:nvCxnSpPr>
-          <p:cNvPr id="13" name="Gerader Verbinder 12">
-            <a:extLst>
-              <a:ext uri="{FF2B5EF4-FFF2-40B4-BE49-F238E27FC236}">
-                <a16:creationId xmlns:a16="http://schemas.microsoft.com/office/drawing/2014/main" id="{87AF1736-1E5C-B14F-3F6C-81585B91BADE}"/>
-              </a:ext>
-            </a:extLst>
-          </p:cNvPr>
-          <p:cNvCxnSpPr>
-            <a:cxnSpLocks/>
-          </p:cNvCxnSpPr>
-          <p:nvPr/>
-        </p:nvCxnSpPr>
-        <p:spPr>
-          <a:xfrm flipH="1">
-            <a:off x="828217" y="4179080"/>
-            <a:ext cx="10683047" cy="0"/>
-          </a:xfrm>
-          <a:prstGeom prst="line">
-            <a:avLst/>
-          </a:prstGeom>
-          <a:ln w="28575">
-            <a:solidFill>
-              <a:srgbClr val="CBE7EF"/>
-            </a:solidFill>
-          </a:ln>
-        </p:spPr>
-        <p:style>
-          <a:lnRef idx="1">
-            <a:schemeClr val="accent1"/>
-          </a:lnRef>
-          <a:fillRef idx="0">
-            <a:schemeClr val="accent1"/>
-          </a:fillRef>
-          <a:effectRef idx="0">
-            <a:schemeClr val="accent1"/>
-          </a:effectRef>
-          <a:fontRef idx="minor">
-            <a:schemeClr val="tx1"/>
-          </a:fontRef>
-        </p:style>
-      </p:cxnSp>
-      <p:pic>
-        <p:nvPicPr>
-          <p:cNvPr id="6" name="Grafik 5" descr="Ein Bild, das Text, Reihe, Diagramm, Schrift enthält.&#10;&#10;Automatisch generierte Beschreibung">
-            <a:extLst>
-              <a:ext uri="{FF2B5EF4-FFF2-40B4-BE49-F238E27FC236}">
-                <a16:creationId xmlns:a16="http://schemas.microsoft.com/office/drawing/2014/main" id="{E2B31B05-48DD-25F5-4F44-0EA1AAF2351C}"/>
-              </a:ext>
-            </a:extLst>
-          </p:cNvPr>
-          <p:cNvPicPr>
-            <a:picLocks noChangeAspect="1"/>
-          </p:cNvPicPr>
-          <p:nvPr/>
-        </p:nvPicPr>
-        <p:blipFill rotWithShape="1">
-          <a:blip r:embed="rId2" cstate="print">
-            <a:extLst>
-              <a:ext uri="{28A0092B-C50C-407E-A947-70E740481C1C}">
-                <a14:useLocalDpi xmlns:a14="http://schemas.microsoft.com/office/drawing/2010/main" val="0"/>
-              </a:ext>
-            </a:extLst>
-          </a:blip>
-          <a:srcRect l="2722" t="5401" b="6504"/>
-          <a:stretch/>
-        </p:blipFill>
-        <p:spPr>
-          <a:xfrm>
-            <a:off x="1160207" y="1608502"/>
-            <a:ext cx="7121013" cy="2417949"/>
-          </a:xfrm>
-          <a:prstGeom prst="rect">
-            <a:avLst/>
-          </a:prstGeom>
-        </p:spPr>
-      </p:pic>
-      <p:pic>
-        <p:nvPicPr>
-          <p:cNvPr id="7" name="Grafik 6" descr="Ein Bild, das Text, Reihe, Diagramm, Schrift enthält.&#10;&#10;Automatisch generierte Beschreibung">
-            <a:extLst>
-              <a:ext uri="{FF2B5EF4-FFF2-40B4-BE49-F238E27FC236}">
-                <a16:creationId xmlns:a16="http://schemas.microsoft.com/office/drawing/2014/main" id="{2036E324-56E6-DF73-CF65-F372D35EDF5C}"/>
-              </a:ext>
-            </a:extLst>
-          </p:cNvPr>
-          <p:cNvPicPr>
-            <a:picLocks noChangeAspect="1"/>
-          </p:cNvPicPr>
-          <p:nvPr/>
-        </p:nvPicPr>
-        <p:blipFill rotWithShape="1">
-          <a:blip r:embed="rId3" cstate="print">
-            <a:extLst>
-              <a:ext uri="{28A0092B-C50C-407E-A947-70E740481C1C}">
-                <a14:useLocalDpi xmlns:a14="http://schemas.microsoft.com/office/drawing/2010/main" val="0"/>
-              </a:ext>
-            </a:extLst>
-          </a:blip>
-          <a:srcRect l="2204" t="10899" b="7469"/>
-          <a:stretch/>
-        </p:blipFill>
-        <p:spPr>
-          <a:xfrm>
-            <a:off x="1160207" y="4489956"/>
-            <a:ext cx="7047271" cy="1961094"/>
-          </a:xfrm>
-          <a:prstGeom prst="rect">
-            <a:avLst/>
-          </a:prstGeom>
-        </p:spPr>
-      </p:pic>
-      <p:sp>
-        <p:nvSpPr>
-          <p:cNvPr id="3" name="Ellipse 2">
-            <a:extLst>
-              <a:ext uri="{FF2B5EF4-FFF2-40B4-BE49-F238E27FC236}">
-                <a16:creationId xmlns:a16="http://schemas.microsoft.com/office/drawing/2014/main" id="{68EDE50F-E1DE-D45B-9E8A-49ECED7BF4C6}"/>
-              </a:ext>
-            </a:extLst>
-          </p:cNvPr>
-          <p:cNvSpPr/>
-          <p:nvPr/>
-        </p:nvSpPr>
-        <p:spPr>
-          <a:xfrm>
-            <a:off x="2534265" y="2911117"/>
-            <a:ext cx="1056968" cy="1112525"/>
-          </a:xfrm>
-          <a:prstGeom prst="ellipse">
-            <a:avLst/>
-          </a:prstGeom>
-          <a:noFill/>
-          <a:ln w="28575">
-            <a:solidFill>
-              <a:srgbClr val="C00000"/>
-            </a:solidFill>
-          </a:ln>
-        </p:spPr>
-        <p:style>
-          <a:lnRef idx="2">
-            <a:schemeClr val="accent1">
-              <a:shade val="15000"/>
-            </a:schemeClr>
-          </a:lnRef>
-          <a:fillRef idx="1">
-            <a:schemeClr val="accent1"/>
-          </a:fillRef>
-          <a:effectRef idx="0">
-            <a:schemeClr val="accent1"/>
-          </a:effectRef>
-          <a:fontRef idx="minor">
-            <a:schemeClr val="lt1"/>
-          </a:fontRef>
-        </p:style>
-        <p:txBody>
-          <a:bodyPr rtlCol="0" anchor="ctr"/>
-          <a:lstStyle/>
-          <a:p>
-            <a:pPr algn="ctr"/>
-            <a:endParaRPr lang="en-US"/>
-          </a:p>
-        </p:txBody>
-      </p:sp>
-      <p:sp>
-        <p:nvSpPr>
           <p:cNvPr id="5" name="Ellipse 4">
             <a:extLst>
               <a:ext uri="{FF2B5EF4-FFF2-40B4-BE49-F238E27FC236}">
@@ -20861,7 +15110,7 @@
 </p:sld>
 </file>
 
-<file path=ppt/slides/slide12.xml><?xml version="1.0" encoding="utf-8"?>
+<file path=ppt/slides/slide11.xml><?xml version="1.0" encoding="utf-8"?>
 <p:sld xmlns:a="http://schemas.openxmlformats.org/drawingml/2006/main" xmlns:r="http://schemas.openxmlformats.org/officeDocument/2006/relationships" xmlns:p="http://schemas.openxmlformats.org/presentationml/2006/main">
   <p:cSld>
     <p:spTree>
@@ -21131,7 +15380,7 @@
 </p:sld>
 </file>
 
-<file path=ppt/slides/slide13.xml><?xml version="1.0" encoding="utf-8"?>
+<file path=ppt/slides/slide12.xml><?xml version="1.0" encoding="utf-8"?>
 <p:sld xmlns:a="http://schemas.openxmlformats.org/drawingml/2006/main" xmlns:r="http://schemas.openxmlformats.org/officeDocument/2006/relationships" xmlns:p="http://schemas.openxmlformats.org/presentationml/2006/main">
   <p:cSld>
     <p:spTree>
@@ -22123,7 +16372,7 @@
 </p:sld>
 </file>
 
-<file path=ppt/slides/slide14.xml><?xml version="1.0" encoding="utf-8"?>
+<file path=ppt/slides/slide13.xml><?xml version="1.0" encoding="utf-8"?>
 <p:sld xmlns:a="http://schemas.openxmlformats.org/drawingml/2006/main" xmlns:r="http://schemas.openxmlformats.org/officeDocument/2006/relationships" xmlns:p="http://schemas.openxmlformats.org/presentationml/2006/main">
   <p:cSld>
     <p:spTree>
@@ -22206,7 +16455,7 @@
 </p:sld>
 </file>
 
-<file path=ppt/slides/slide15.xml><?xml version="1.0" encoding="utf-8"?>
+<file path=ppt/slides/slide14.xml><?xml version="1.0" encoding="utf-8"?>
 <p:sld xmlns:a="http://schemas.openxmlformats.org/drawingml/2006/main" xmlns:r="http://schemas.openxmlformats.org/officeDocument/2006/relationships" xmlns:p="http://schemas.openxmlformats.org/presentationml/2006/main">
   <p:cSld>
     <p:spTree>
@@ -22289,7 +16538,7 @@
 </p:sld>
 </file>
 
-<file path=ppt/slides/slide16.xml><?xml version="1.0" encoding="utf-8"?>
+<file path=ppt/slides/slide15.xml><?xml version="1.0" encoding="utf-8"?>
 <p:sld xmlns:a="http://schemas.openxmlformats.org/drawingml/2006/main" xmlns:r="http://schemas.openxmlformats.org/officeDocument/2006/relationships" xmlns:p="http://schemas.openxmlformats.org/presentationml/2006/main">
   <p:cSld>
     <p:spTree>
@@ -22328,9 +16577,10 @@
           <a:lstStyle/>
           <a:p>
             <a:r>
-              <a:rPr lang="en-US" dirty="0"/>
-              <a:t>Binding problem</a:t>
+              <a:rPr lang="en-US" dirty="0" err="1"/>
+              <a:t>TItle</a:t>
             </a:r>
+            <a:endParaRPr lang="en-US" dirty="0"/>
           </a:p>
         </p:txBody>
       </p:sp>
@@ -22358,125 +16608,7 @@
             <a:fld id="{4FAB73BC-B049-4115-A692-8D63A059BFB8}" type="slidenum">
               <a:rPr lang="en-US" smtClean="0"/>
               <a:pPr/>
-              <a:t>16</a:t>
-            </a:fld>
-            <a:endParaRPr lang="en-US"/>
-          </a:p>
-        </p:txBody>
-      </p:sp>
-      <p:graphicFrame>
-        <p:nvGraphicFramePr>
-          <p:cNvPr id="8" name="Inhaltsplatzhalter 4">
-            <a:extLst>
-              <a:ext uri="{FF2B5EF4-FFF2-40B4-BE49-F238E27FC236}">
-                <a16:creationId xmlns:a16="http://schemas.microsoft.com/office/drawing/2014/main" id="{4E0468F7-00B7-3AB3-8F79-D056CE5EADC5}"/>
-              </a:ext>
-            </a:extLst>
-          </p:cNvPr>
-          <p:cNvGraphicFramePr>
-            <a:graphicFrameLocks/>
-          </p:cNvGraphicFramePr>
-          <p:nvPr>
-            <p:extLst>
-              <p:ext uri="{D42A27DB-BD31-4B8C-83A1-F6EECF244321}">
-                <p14:modId xmlns:p14="http://schemas.microsoft.com/office/powerpoint/2010/main" val="2897836705"/>
-              </p:ext>
-            </p:extLst>
-          </p:nvPr>
-        </p:nvGraphicFramePr>
-        <p:xfrm>
-          <a:off x="687053" y="2009701"/>
-          <a:ext cx="5172326" cy="4511415"/>
-        </p:xfrm>
-        <a:graphic>
-          <a:graphicData uri="http://schemas.openxmlformats.org/drawingml/2006/diagram">
-            <dgm:relIds xmlns:dgm="http://schemas.openxmlformats.org/drawingml/2006/diagram" xmlns:r="http://schemas.openxmlformats.org/officeDocument/2006/relationships" r:dm="rId2" r:lo="rId3" r:qs="rId4" r:cs="rId5"/>
-          </a:graphicData>
-        </a:graphic>
-      </p:graphicFrame>
-    </p:spTree>
-    <p:extLst>
-      <p:ext uri="{BB962C8B-B14F-4D97-AF65-F5344CB8AC3E}">
-        <p14:creationId xmlns:p14="http://schemas.microsoft.com/office/powerpoint/2010/main" val="4031506633"/>
-      </p:ext>
-    </p:extLst>
-  </p:cSld>
-  <p:clrMapOvr>
-    <a:masterClrMapping/>
-  </p:clrMapOvr>
-</p:sld>
-</file>
-
-<file path=ppt/slides/slide17.xml><?xml version="1.0" encoding="utf-8"?>
-<p:sld xmlns:a="http://schemas.openxmlformats.org/drawingml/2006/main" xmlns:r="http://schemas.openxmlformats.org/officeDocument/2006/relationships" xmlns:p="http://schemas.openxmlformats.org/presentationml/2006/main">
-  <p:cSld>
-    <p:spTree>
-      <p:nvGrpSpPr>
-        <p:cNvPr id="1" name=""/>
-        <p:cNvGrpSpPr/>
-        <p:nvPr/>
-      </p:nvGrpSpPr>
-      <p:grpSpPr>
-        <a:xfrm>
-          <a:off x="0" y="0"/>
-          <a:ext cx="0" cy="0"/>
-          <a:chOff x="0" y="0"/>
-          <a:chExt cx="0" cy="0"/>
-        </a:xfrm>
-      </p:grpSpPr>
-      <p:sp>
-        <p:nvSpPr>
-          <p:cNvPr id="2" name="Titel 1">
-            <a:extLst>
-              <a:ext uri="{FF2B5EF4-FFF2-40B4-BE49-F238E27FC236}">
-                <a16:creationId xmlns:a16="http://schemas.microsoft.com/office/drawing/2014/main" id="{D8BCCDD5-5173-554F-E852-242465D6FA7C}"/>
-              </a:ext>
-            </a:extLst>
-          </p:cNvPr>
-          <p:cNvSpPr>
-            <a:spLocks noGrp="1"/>
-          </p:cNvSpPr>
-          <p:nvPr>
-            <p:ph type="title"/>
-          </p:nvPr>
-        </p:nvSpPr>
-        <p:spPr/>
-        <p:txBody>
-          <a:bodyPr/>
-          <a:lstStyle/>
-          <a:p>
-            <a:r>
-              <a:rPr lang="en-US" dirty="0"/>
-              <a:t>Binding problem</a:t>
-            </a:r>
-          </a:p>
-        </p:txBody>
-      </p:sp>
-      <p:sp>
-        <p:nvSpPr>
-          <p:cNvPr id="4" name="Foliennummernplatzhalter 3">
-            <a:extLst>
-              <a:ext uri="{FF2B5EF4-FFF2-40B4-BE49-F238E27FC236}">
-                <a16:creationId xmlns:a16="http://schemas.microsoft.com/office/drawing/2014/main" id="{E75348F5-249C-3F0A-FC94-6FC4D4B619BA}"/>
-              </a:ext>
-            </a:extLst>
-          </p:cNvPr>
-          <p:cNvSpPr>
-            <a:spLocks noGrp="1"/>
-          </p:cNvSpPr>
-          <p:nvPr>
-            <p:ph type="sldNum" sz="quarter" idx="12"/>
-          </p:nvPr>
-        </p:nvSpPr>
-        <p:spPr/>
-        <p:txBody>
-          <a:bodyPr/>
-          <a:lstStyle/>
-          <a:p>
-            <a:fld id="{4FAB73BC-B049-4115-A692-8D63A059BFB8}" type="slidenum">
-              <a:rPr lang="en-US" smtClean="0"/>
-              <a:pPr/>
-              <a:t>17</a:t>
+              <a:t>15</a:t>
             </a:fld>
             <a:endParaRPr lang="en-US"/>
           </a:p>
@@ -22676,23 +16808,7 @@
               </a:pPr>
               <a:r>
                 <a:rPr lang="en-US" sz="3000" dirty="0"/>
-                <a:t>how can multiple signals carried by multiple articulators and on different modalities be combined </a:t>
-              </a:r>
-              <a:r>
-                <a:rPr lang="en-US" sz="3000" b="1" u="sng" dirty="0"/>
-                <a:t>rapidly</a:t>
-              </a:r>
-              <a:r>
-                <a:rPr lang="en-US" sz="3000" dirty="0"/>
-                <a:t> to convey a </a:t>
-              </a:r>
-              <a:r>
-                <a:rPr lang="en-US" sz="3000" b="1" u="sng" dirty="0"/>
-                <a:t>coherent</a:t>
-              </a:r>
-              <a:r>
-                <a:rPr lang="en-US" sz="3000" dirty="0"/>
-                <a:t> message?</a:t>
+                <a:t>Take home message</a:t>
               </a:r>
               <a:endParaRPr lang="en-US" sz="3000" kern="1200" dirty="0"/>
             </a:p>
@@ -22766,7 +16882,7 @@
 </p:sld>
 </file>
 
-<file path=ppt/slides/slide18.xml><?xml version="1.0" encoding="utf-8"?>
+<file path=ppt/slides/slide16.xml><?xml version="1.0" encoding="utf-8"?>
 <p:sld xmlns:a="http://schemas.openxmlformats.org/drawingml/2006/main" xmlns:r="http://schemas.openxmlformats.org/officeDocument/2006/relationships" xmlns:p="http://schemas.openxmlformats.org/presentationml/2006/main">
   <p:cSld>
     <p:spTree>
@@ -22807,7 +16923,7 @@
             <a:fld id="{4FAB73BC-B049-4115-A692-8D63A059BFB8}" type="slidenum">
               <a:rPr lang="en-US" smtClean="0"/>
               <a:pPr/>
-              <a:t>18</a:t>
+              <a:t>16</a:t>
             </a:fld>
             <a:endParaRPr lang="en-US"/>
           </a:p>
@@ -24411,7 +18527,7 @@
               </a:pPr>
               <a:r>
                 <a:rPr lang="en-US" sz="3200" kern="1200" dirty="0"/>
-                <a:t>How can we segregate movements?</a:t>
+                <a:t>question</a:t>
               </a:r>
             </a:p>
             <a:p>
@@ -24724,7 +18840,20 @@
                   </a:schemeClr>
                 </a:solidFill>
               </a:rPr>
-              <a:t>Segregation Problem</a:t>
+              <a:t>Title</a:t>
+            </a:r>
+          </a:p>
+          <a:p>
+            <a:r>
+              <a:rPr lang="en-US" sz="4400" spc="200" dirty="0">
+                <a:solidFill>
+                  <a:schemeClr val="tx1">
+                    <a:lumMod val="85000"/>
+                    <a:lumOff val="15000"/>
+                  </a:schemeClr>
+                </a:solidFill>
+              </a:rPr>
+              <a:t>title</a:t>
             </a:r>
           </a:p>
         </p:txBody>
@@ -24898,7 +19027,7 @@
 </p:sld>
 </file>
 
-<file path=ppt/slides/slide19.xml><?xml version="1.0" encoding="utf-8"?>
+<file path=ppt/slides/slide17.xml><?xml version="1.0" encoding="utf-8"?>
 <p:sld xmlns:a="http://schemas.openxmlformats.org/drawingml/2006/main" xmlns:r="http://schemas.openxmlformats.org/officeDocument/2006/relationships" xmlns:p="http://schemas.openxmlformats.org/presentationml/2006/main">
   <p:cSld>
     <p:spTree>
@@ -24938,7 +19067,7 @@
           <a:p>
             <a:r>
               <a:rPr lang="en-US" dirty="0"/>
-              <a:t>Cross-level predictions</a:t>
+              <a:t>title</a:t>
             </a:r>
           </a:p>
         </p:txBody>
@@ -25013,63 +19142,13 @@
             </a:pPr>
             <a:r>
               <a:rPr lang="en-US" sz="2600" dirty="0"/>
-              <a:t> signals from </a:t>
+              <a:t> x</a:t>
             </a:r>
-            <a:r>
-              <a:rPr lang="en-US" sz="2600" b="1" dirty="0"/>
-              <a:t>articulators</a:t>
-            </a:r>
-            <a:r>
-              <a:rPr lang="en-US" sz="2600" dirty="0"/>
-              <a:t> successively</a:t>
-            </a:r>
-          </a:p>
-          <a:p>
-            <a:pPr lvl="0">
-              <a:buClr>
-                <a:srgbClr val="143742"/>
-              </a:buClr>
-              <a:buFont typeface="Arial" panose="020B0604020202020204" pitchFamily="34" charset="0"/>
-              <a:buChar char="•"/>
-            </a:pPr>
-            <a:r>
-              <a:rPr lang="en-US" sz="2600" dirty="0"/>
-              <a:t> X is followed by Y </a:t>
-            </a:r>
-          </a:p>
-          <a:p>
-            <a:pPr lvl="0">
-              <a:buClr>
-                <a:srgbClr val="143742"/>
-              </a:buClr>
-              <a:buFont typeface="Arial" panose="020B0604020202020204" pitchFamily="34" charset="0"/>
-              <a:buChar char="•"/>
-            </a:pPr>
-            <a:r>
-              <a:rPr lang="en-US" sz="2600" dirty="0"/>
-              <a:t> lower level</a:t>
-            </a:r>
-          </a:p>
-          <a:p>
-            <a:pPr lvl="0">
-              <a:buClr>
-                <a:srgbClr val="143742"/>
-              </a:buClr>
-              <a:buFont typeface="Arial" panose="020B0604020202020204" pitchFamily="34" charset="0"/>
-              <a:buChar char="•"/>
-            </a:pPr>
-            <a:r>
-              <a:rPr lang="en-US" sz="2600" dirty="0"/>
-              <a:t> bo</a:t>
-            </a:r>
-            <a:r>
-              <a:rPr lang="en-US" sz="2600" dirty="0">
-                <a:solidFill>
-                  <a:schemeClr val="tx1"/>
-                </a:solidFill>
-              </a:rPr>
-              <a:t>ttom-up</a:t>
-            </a:r>
+            <a:endParaRPr lang="en-US" sz="2600" dirty="0">
+              <a:solidFill>
+                <a:schemeClr val="tx1"/>
+              </a:solidFill>
+            </a:endParaRPr>
           </a:p>
           <a:p>
             <a:endParaRPr lang="en-US" dirty="0"/>
@@ -25146,59 +19225,9 @@
             </a:pPr>
             <a:r>
               <a:rPr lang="en-US" sz="2400" dirty="0"/>
-              <a:t> </a:t>
+              <a:t>x</a:t>
             </a:r>
-            <a:r>
-              <a:rPr lang="en-US" sz="2600" b="1" dirty="0"/>
-              <a:t>meaning</a:t>
-            </a:r>
-            <a:r>
-              <a:rPr lang="en-US" sz="2600" dirty="0"/>
-              <a:t>-bearing performances</a:t>
-            </a:r>
-          </a:p>
-          <a:p>
-            <a:pPr lvl="0">
-              <a:buClr>
-                <a:srgbClr val="143742"/>
-              </a:buClr>
-              <a:buFont typeface="Arial" panose="020B0604020202020204" pitchFamily="34" charset="0"/>
-              <a:buChar char="•"/>
-            </a:pPr>
-            <a:r>
-              <a:rPr lang="en-US" sz="2600" dirty="0"/>
-              <a:t> formed by </a:t>
-            </a:r>
-            <a:r>
-              <a:rPr lang="en-US" sz="2600" b="1" dirty="0"/>
-              <a:t>multiplex signals</a:t>
-            </a:r>
-          </a:p>
-          <a:p>
-            <a:pPr lvl="0">
-              <a:buClr>
-                <a:srgbClr val="143742"/>
-              </a:buClr>
-              <a:buFont typeface="Arial" panose="020B0604020202020204" pitchFamily="34" charset="0"/>
-              <a:buChar char="•"/>
-            </a:pPr>
-            <a:r>
-              <a:rPr lang="en-US" sz="2600" dirty="0"/>
-              <a:t> higher level</a:t>
-            </a:r>
-          </a:p>
-          <a:p>
-            <a:pPr lvl="0">
-              <a:buClr>
-                <a:srgbClr val="143742"/>
-              </a:buClr>
-              <a:buFont typeface="Arial" panose="020B0604020202020204" pitchFamily="34" charset="0"/>
-              <a:buChar char="•"/>
-            </a:pPr>
-            <a:r>
-              <a:rPr lang="en-US" sz="2600" dirty="0"/>
-              <a:t> top-down / bottom-up</a:t>
-            </a:r>
+            <a:endParaRPr lang="en-US" sz="2600" dirty="0"/>
           </a:p>
           <a:p>
             <a:endParaRPr lang="en-US" dirty="0"/>
@@ -25337,7 +19366,7 @@
               </a:pPr>
               <a:r>
                 <a:rPr lang="en-US" sz="3400" kern="1200" dirty="0"/>
-                <a:t>multiplex signals</a:t>
+                <a:t>Comparison A</a:t>
               </a:r>
             </a:p>
           </p:txBody>
@@ -25475,12 +19504,9 @@
               </a:pPr>
               <a:r>
                 <a:rPr lang="en-US" sz="3400" dirty="0"/>
-                <a:t>m</a:t>
+                <a:t>Comparison B</a:t>
               </a:r>
-              <a:r>
-                <a:rPr lang="en-US" sz="3400" kern="1200" dirty="0"/>
-                <a:t>ultimodal gestalt</a:t>
-              </a:r>
+              <a:endParaRPr lang="en-US" sz="3400" kern="1200" dirty="0"/>
             </a:p>
           </p:txBody>
         </p:sp>
@@ -25489,6 +19515,312 @@
     <p:extLst>
       <p:ext uri="{BB962C8B-B14F-4D97-AF65-F5344CB8AC3E}">
         <p14:creationId xmlns:p14="http://schemas.microsoft.com/office/powerpoint/2010/main" val="2264911360"/>
+      </p:ext>
+    </p:extLst>
+  </p:cSld>
+  <p:clrMapOvr>
+    <a:masterClrMapping/>
+  </p:clrMapOvr>
+</p:sld>
+</file>
+
+<file path=ppt/slides/slide18.xml><?xml version="1.0" encoding="utf-8"?>
+<p:sld xmlns:a="http://schemas.openxmlformats.org/drawingml/2006/main" xmlns:r="http://schemas.openxmlformats.org/officeDocument/2006/relationships" xmlns:p="http://schemas.openxmlformats.org/presentationml/2006/main">
+  <p:cSld>
+    <p:spTree>
+      <p:nvGrpSpPr>
+        <p:cNvPr id="1" name=""/>
+        <p:cNvGrpSpPr/>
+        <p:nvPr/>
+      </p:nvGrpSpPr>
+      <p:grpSpPr>
+        <a:xfrm>
+          <a:off x="0" y="0"/>
+          <a:ext cx="0" cy="0"/>
+          <a:chOff x="0" y="0"/>
+          <a:chExt cx="0" cy="0"/>
+        </a:xfrm>
+      </p:grpSpPr>
+      <p:sp>
+        <p:nvSpPr>
+          <p:cNvPr id="6" name="Rechteck 5">
+            <a:extLst>
+              <a:ext uri="{FF2B5EF4-FFF2-40B4-BE49-F238E27FC236}">
+                <a16:creationId xmlns:a16="http://schemas.microsoft.com/office/drawing/2014/main" id="{617A9599-71BB-7FA8-AFAB-C6CFFB11A7D4}"/>
+              </a:ext>
+            </a:extLst>
+          </p:cNvPr>
+          <p:cNvSpPr/>
+          <p:nvPr/>
+        </p:nvSpPr>
+        <p:spPr>
+          <a:xfrm>
+            <a:off x="-12700" y="-12700"/>
+            <a:ext cx="12204700" cy="6870700"/>
+          </a:xfrm>
+          <a:prstGeom prst="rect">
+            <a:avLst/>
+          </a:prstGeom>
+          <a:solidFill>
+            <a:schemeClr val="accent2">
+              <a:lumMod val="50000"/>
+            </a:schemeClr>
+          </a:solidFill>
+          <a:ln>
+            <a:solidFill>
+              <a:srgbClr val="143742"/>
+            </a:solidFill>
+          </a:ln>
+        </p:spPr>
+        <p:style>
+          <a:lnRef idx="2">
+            <a:schemeClr val="accent1">
+              <a:shade val="50000"/>
+            </a:schemeClr>
+          </a:lnRef>
+          <a:fillRef idx="1">
+            <a:schemeClr val="accent1"/>
+          </a:fillRef>
+          <a:effectRef idx="0">
+            <a:schemeClr val="accent1"/>
+          </a:effectRef>
+          <a:fontRef idx="minor">
+            <a:schemeClr val="lt1"/>
+          </a:fontRef>
+        </p:style>
+        <p:txBody>
+          <a:bodyPr rtlCol="0" anchor="ctr"/>
+          <a:lstStyle/>
+          <a:p>
+            <a:pPr algn="ctr"/>
+            <a:endParaRPr lang="en-US"/>
+          </a:p>
+        </p:txBody>
+      </p:sp>
+      <p:sp>
+        <p:nvSpPr>
+          <p:cNvPr id="3" name="Inhaltsplatzhalter 2">
+            <a:extLst>
+              <a:ext uri="{FF2B5EF4-FFF2-40B4-BE49-F238E27FC236}">
+                <a16:creationId xmlns:a16="http://schemas.microsoft.com/office/drawing/2014/main" id="{C87E3C8B-65AC-5A72-3B14-C8C9A19C5F2D}"/>
+              </a:ext>
+            </a:extLst>
+          </p:cNvPr>
+          <p:cNvSpPr>
+            <a:spLocks noGrp="1"/>
+          </p:cNvSpPr>
+          <p:nvPr>
+            <p:ph idx="1"/>
+          </p:nvPr>
+        </p:nvSpPr>
+        <p:spPr>
+          <a:xfrm>
+            <a:off x="3151466" y="2857500"/>
+            <a:ext cx="5889067" cy="1143000"/>
+          </a:xfrm>
+        </p:spPr>
+        <p:txBody>
+          <a:bodyPr>
+            <a:noAutofit/>
+          </a:bodyPr>
+          <a:lstStyle/>
+          <a:p>
+            <a:pPr algn="ctr"/>
+            <a:r>
+              <a:rPr lang="en-US" sz="4500" dirty="0">
+                <a:solidFill>
+                  <a:schemeClr val="bg1"/>
+                </a:solidFill>
+              </a:rPr>
+              <a:t>Thank you for listening!</a:t>
+            </a:r>
+          </a:p>
+        </p:txBody>
+      </p:sp>
+    </p:spTree>
+    <p:extLst>
+      <p:ext uri="{BB962C8B-B14F-4D97-AF65-F5344CB8AC3E}">
+        <p14:creationId xmlns:p14="http://schemas.microsoft.com/office/powerpoint/2010/main" val="2205085546"/>
+      </p:ext>
+    </p:extLst>
+  </p:cSld>
+  <p:clrMapOvr>
+    <a:masterClrMapping/>
+  </p:clrMapOvr>
+</p:sld>
+</file>
+
+<file path=ppt/slides/slide19.xml><?xml version="1.0" encoding="utf-8"?>
+<p:sld xmlns:a="http://schemas.openxmlformats.org/drawingml/2006/main" xmlns:r="http://schemas.openxmlformats.org/officeDocument/2006/relationships" xmlns:p="http://schemas.openxmlformats.org/presentationml/2006/main">
+  <p:cSld>
+    <p:spTree>
+      <p:nvGrpSpPr>
+        <p:cNvPr id="1" name=""/>
+        <p:cNvGrpSpPr/>
+        <p:nvPr/>
+      </p:nvGrpSpPr>
+      <p:grpSpPr>
+        <a:xfrm>
+          <a:off x="0" y="0"/>
+          <a:ext cx="0" cy="0"/>
+          <a:chOff x="0" y="0"/>
+          <a:chExt cx="0" cy="0"/>
+        </a:xfrm>
+      </p:grpSpPr>
+      <p:sp>
+        <p:nvSpPr>
+          <p:cNvPr id="2" name="Titel 1">
+            <a:extLst>
+              <a:ext uri="{FF2B5EF4-FFF2-40B4-BE49-F238E27FC236}">
+                <a16:creationId xmlns:a16="http://schemas.microsoft.com/office/drawing/2014/main" id="{A8F16FBF-7578-BE98-235F-E1458CD5B93A}"/>
+              </a:ext>
+            </a:extLst>
+          </p:cNvPr>
+          <p:cNvSpPr>
+            <a:spLocks noGrp="1"/>
+          </p:cNvSpPr>
+          <p:nvPr>
+            <p:ph type="title"/>
+          </p:nvPr>
+        </p:nvSpPr>
+        <p:spPr/>
+        <p:txBody>
+          <a:bodyPr/>
+          <a:lstStyle/>
+          <a:p>
+            <a:r>
+              <a:rPr lang="en-US" dirty="0"/>
+              <a:t>Discussion</a:t>
+            </a:r>
+          </a:p>
+        </p:txBody>
+      </p:sp>
+      <p:sp>
+        <p:nvSpPr>
+          <p:cNvPr id="5" name="Foliennummernplatzhalter 4">
+            <a:extLst>
+              <a:ext uri="{FF2B5EF4-FFF2-40B4-BE49-F238E27FC236}">
+                <a16:creationId xmlns:a16="http://schemas.microsoft.com/office/drawing/2014/main" id="{3460E3BA-8A29-E003-CF00-5027F0BB9CD7}"/>
+              </a:ext>
+            </a:extLst>
+          </p:cNvPr>
+          <p:cNvSpPr>
+            <a:spLocks noGrp="1"/>
+          </p:cNvSpPr>
+          <p:nvPr>
+            <p:ph type="sldNum" sz="quarter" idx="12"/>
+          </p:nvPr>
+        </p:nvSpPr>
+        <p:spPr/>
+        <p:txBody>
+          <a:bodyPr/>
+          <a:lstStyle/>
+          <a:p>
+            <a:fld id="{4FAB73BC-B049-4115-A692-8D63A059BFB8}" type="slidenum">
+              <a:rPr lang="en-US" smtClean="0"/>
+              <a:pPr/>
+              <a:t>19</a:t>
+            </a:fld>
+            <a:endParaRPr lang="en-US"/>
+          </a:p>
+        </p:txBody>
+      </p:sp>
+      <p:sp>
+        <p:nvSpPr>
+          <p:cNvPr id="8" name="Ellipse 7">
+            <a:extLst>
+              <a:ext uri="{FF2B5EF4-FFF2-40B4-BE49-F238E27FC236}">
+                <a16:creationId xmlns:a16="http://schemas.microsoft.com/office/drawing/2014/main" id="{4D5B7F96-CE4A-2FAE-92ED-00A0020EA596}"/>
+              </a:ext>
+            </a:extLst>
+          </p:cNvPr>
+          <p:cNvSpPr/>
+          <p:nvPr/>
+        </p:nvSpPr>
+        <p:spPr>
+          <a:xfrm>
+            <a:off x="7375359" y="479175"/>
+            <a:ext cx="3687680" cy="3425072"/>
+          </a:xfrm>
+          <a:prstGeom prst="ellipse">
+            <a:avLst/>
+          </a:prstGeom>
+          <a:solidFill>
+            <a:srgbClr val="143742"/>
+          </a:solidFill>
+          <a:ln>
+            <a:solidFill>
+              <a:srgbClr val="143742"/>
+            </a:solidFill>
+          </a:ln>
+        </p:spPr>
+        <p:style>
+          <a:lnRef idx="2">
+            <a:schemeClr val="accent1">
+              <a:shade val="50000"/>
+            </a:schemeClr>
+          </a:lnRef>
+          <a:fillRef idx="1">
+            <a:schemeClr val="accent1"/>
+          </a:fillRef>
+          <a:effectRef idx="0">
+            <a:schemeClr val="accent1"/>
+          </a:effectRef>
+          <a:fontRef idx="minor">
+            <a:schemeClr val="lt1"/>
+          </a:fontRef>
+        </p:style>
+        <p:txBody>
+          <a:bodyPr rtlCol="0" anchor="ctr"/>
+          <a:lstStyle/>
+          <a:p>
+            <a:pPr algn="ctr"/>
+            <a:endParaRPr lang="en-US"/>
+          </a:p>
+        </p:txBody>
+      </p:sp>
+      <p:pic>
+        <p:nvPicPr>
+          <p:cNvPr id="7" name="Inhaltsplatzhalter 6" descr="Sitzungssaal mit einfarbiger Füllung">
+            <a:extLst>
+              <a:ext uri="{FF2B5EF4-FFF2-40B4-BE49-F238E27FC236}">
+                <a16:creationId xmlns:a16="http://schemas.microsoft.com/office/drawing/2014/main" id="{3F99A4C2-7FC7-BCB1-EF99-A2F0B4C92401}"/>
+              </a:ext>
+            </a:extLst>
+          </p:cNvPr>
+          <p:cNvPicPr>
+            <a:picLocks noGrp="1" noChangeAspect="1"/>
+          </p:cNvPicPr>
+          <p:nvPr>
+            <p:ph idx="1"/>
+          </p:nvPr>
+        </p:nvPicPr>
+        <p:blipFill>
+          <a:blip r:embed="rId2">
+            <a:extLst>
+              <a:ext uri="{28A0092B-C50C-407E-A947-70E740481C1C}">
+                <a14:useLocalDpi xmlns:a14="http://schemas.microsoft.com/office/drawing/2010/main" val="0"/>
+              </a:ext>
+              <a:ext uri="{96DAC541-7B7A-43D3-8B79-37D633B846F1}">
+                <asvg:svgBlip xmlns:asvg="http://schemas.microsoft.com/office/drawing/2016/SVG/main" r:embed="rId3"/>
+              </a:ext>
+            </a:extLst>
+          </a:blip>
+          <a:stretch>
+            <a:fillRect/>
+          </a:stretch>
+        </p:blipFill>
+        <p:spPr>
+          <a:xfrm>
+            <a:off x="7465720" y="410007"/>
+            <a:ext cx="3543272" cy="3543272"/>
+          </a:xfrm>
+        </p:spPr>
+      </p:pic>
+    </p:spTree>
+    <p:extLst>
+      <p:ext uri="{BB962C8B-B14F-4D97-AF65-F5344CB8AC3E}">
+        <p14:creationId xmlns:p14="http://schemas.microsoft.com/office/powerpoint/2010/main" val="1232739162"/>
       </p:ext>
     </p:extLst>
   </p:cSld>
@@ -25846,698 +20178,6 @@
           <p:cNvPr id="2" name="Titel 1">
             <a:extLst>
               <a:ext uri="{FF2B5EF4-FFF2-40B4-BE49-F238E27FC236}">
-                <a16:creationId xmlns:a16="http://schemas.microsoft.com/office/drawing/2014/main" id="{D4BE0495-EB2E-CC98-BFFA-0B7AD699F6A4}"/>
-              </a:ext>
-            </a:extLst>
-          </p:cNvPr>
-          <p:cNvSpPr>
-            <a:spLocks noGrp="1"/>
-          </p:cNvSpPr>
-          <p:nvPr>
-            <p:ph type="title"/>
-          </p:nvPr>
-        </p:nvSpPr>
-        <p:spPr/>
-        <p:txBody>
-          <a:bodyPr/>
-          <a:lstStyle/>
-          <a:p>
-            <a:r>
-              <a:rPr lang="en-US" dirty="0"/>
-              <a:t>Open questions</a:t>
-            </a:r>
-          </a:p>
-        </p:txBody>
-      </p:sp>
-      <p:graphicFrame>
-        <p:nvGraphicFramePr>
-          <p:cNvPr id="5" name="Inhaltsplatzhalter 4">
-            <a:extLst>
-              <a:ext uri="{FF2B5EF4-FFF2-40B4-BE49-F238E27FC236}">
-                <a16:creationId xmlns:a16="http://schemas.microsoft.com/office/drawing/2014/main" id="{81090D14-007B-B5E3-DB24-EB33AB3AA89F}"/>
-              </a:ext>
-            </a:extLst>
-          </p:cNvPr>
-          <p:cNvGraphicFramePr>
-            <a:graphicFrameLocks noGrp="1"/>
-          </p:cNvGraphicFramePr>
-          <p:nvPr>
-            <p:ph idx="1"/>
-            <p:extLst>
-              <p:ext uri="{D42A27DB-BD31-4B8C-83A1-F6EECF244321}">
-                <p14:modId xmlns:p14="http://schemas.microsoft.com/office/powerpoint/2010/main" val="4229704235"/>
-              </p:ext>
-            </p:extLst>
-          </p:nvPr>
-        </p:nvGraphicFramePr>
-        <p:xfrm>
-          <a:off x="1023938" y="2286000"/>
-          <a:ext cx="9720262" cy="4022725"/>
-        </p:xfrm>
-        <a:graphic>
-          <a:graphicData uri="http://schemas.openxmlformats.org/drawingml/2006/diagram">
-            <dgm:relIds xmlns:dgm="http://schemas.openxmlformats.org/drawingml/2006/diagram" xmlns:r="http://schemas.openxmlformats.org/officeDocument/2006/relationships" r:dm="rId2" r:lo="rId3" r:qs="rId4" r:cs="rId5"/>
-          </a:graphicData>
-        </a:graphic>
-      </p:graphicFrame>
-      <p:sp>
-        <p:nvSpPr>
-          <p:cNvPr id="4" name="Foliennummernplatzhalter 3">
-            <a:extLst>
-              <a:ext uri="{FF2B5EF4-FFF2-40B4-BE49-F238E27FC236}">
-                <a16:creationId xmlns:a16="http://schemas.microsoft.com/office/drawing/2014/main" id="{0C389241-0343-FC31-D0BE-67BCAB25DA1C}"/>
-              </a:ext>
-            </a:extLst>
-          </p:cNvPr>
-          <p:cNvSpPr>
-            <a:spLocks noGrp="1"/>
-          </p:cNvSpPr>
-          <p:nvPr>
-            <p:ph type="sldNum" sz="quarter" idx="12"/>
-          </p:nvPr>
-        </p:nvSpPr>
-        <p:spPr/>
-        <p:txBody>
-          <a:bodyPr/>
-          <a:lstStyle/>
-          <a:p>
-            <a:fld id="{4FAB73BC-B049-4115-A692-8D63A059BFB8}" type="slidenum">
-              <a:rPr lang="en-US" smtClean="0"/>
-              <a:pPr/>
-              <a:t>20</a:t>
-            </a:fld>
-            <a:endParaRPr lang="en-US"/>
-          </a:p>
-        </p:txBody>
-      </p:sp>
-      <p:sp>
-        <p:nvSpPr>
-          <p:cNvPr id="6" name="Inhaltsplatzhalter 2">
-            <a:extLst>
-              <a:ext uri="{FF2B5EF4-FFF2-40B4-BE49-F238E27FC236}">
-                <a16:creationId xmlns:a16="http://schemas.microsoft.com/office/drawing/2014/main" id="{52306AB2-D9D1-C1E3-9E88-8DB8C946657A}"/>
-              </a:ext>
-            </a:extLst>
-          </p:cNvPr>
-          <p:cNvSpPr txBox="1">
-            <a:spLocks/>
-          </p:cNvSpPr>
-          <p:nvPr/>
-        </p:nvSpPr>
-        <p:spPr>
-          <a:xfrm>
-            <a:off x="6205728" y="457200"/>
-            <a:ext cx="3178417" cy="1316182"/>
-          </a:xfrm>
-          <a:prstGeom prst="rect">
-            <a:avLst/>
-          </a:prstGeom>
-        </p:spPr>
-        <p:txBody>
-          <a:bodyPr vert="horz" lIns="45720" tIns="45720" rIns="45720" bIns="45720" rtlCol="0">
-            <a:normAutofit/>
-          </a:bodyPr>
-          <a:lstStyle>
-            <a:lvl1pPr marL="91440" indent="-91440" algn="l" defTabSz="914400" rtl="0" eaLnBrk="1" latinLnBrk="0" hangingPunct="1">
-              <a:lnSpc>
-                <a:spcPct val="90000"/>
-              </a:lnSpc>
-              <a:spcBef>
-                <a:spcPts val="1200"/>
-              </a:spcBef>
-              <a:spcAft>
-                <a:spcPts val="200"/>
-              </a:spcAft>
-              <a:buClr>
-                <a:schemeClr val="accent2"/>
-              </a:buClr>
-              <a:buSzPct val="100000"/>
-              <a:buFont typeface="Tw Cen MT" panose="020B0602020104020603" pitchFamily="34" charset="0"/>
-              <a:buChar char=" "/>
-              <a:defRPr sz="2200" kern="1200">
-                <a:solidFill>
-                  <a:schemeClr val="tx1"/>
-                </a:solidFill>
-                <a:latin typeface="+mn-lt"/>
-                <a:ea typeface="+mn-ea"/>
-                <a:cs typeface="+mn-cs"/>
-              </a:defRPr>
-            </a:lvl1pPr>
-            <a:lvl2pPr marL="265176" indent="-137160" algn="l" defTabSz="914400" rtl="0" eaLnBrk="1" latinLnBrk="0" hangingPunct="1">
-              <a:lnSpc>
-                <a:spcPct val="90000"/>
-              </a:lnSpc>
-              <a:spcBef>
-                <a:spcPts val="200"/>
-              </a:spcBef>
-              <a:spcAft>
-                <a:spcPts val="400"/>
-              </a:spcAft>
-              <a:buClr>
-                <a:schemeClr val="accent2"/>
-              </a:buClr>
-              <a:buFont typeface="Wingdings 3" pitchFamily="18" charset="2"/>
-              <a:buChar char=""/>
-              <a:defRPr sz="1800" kern="1200">
-                <a:solidFill>
-                  <a:schemeClr val="tx1"/>
-                </a:solidFill>
-                <a:latin typeface="+mn-lt"/>
-                <a:ea typeface="+mn-ea"/>
-                <a:cs typeface="+mn-cs"/>
-              </a:defRPr>
-            </a:lvl2pPr>
-            <a:lvl3pPr marL="448056" indent="-137160" algn="l" defTabSz="914400" rtl="0" eaLnBrk="1" latinLnBrk="0" hangingPunct="1">
-              <a:lnSpc>
-                <a:spcPct val="90000"/>
-              </a:lnSpc>
-              <a:spcBef>
-                <a:spcPts val="200"/>
-              </a:spcBef>
-              <a:spcAft>
-                <a:spcPts val="400"/>
-              </a:spcAft>
-              <a:buClr>
-                <a:schemeClr val="accent2"/>
-              </a:buClr>
-              <a:buFont typeface="Wingdings 3" pitchFamily="18" charset="2"/>
-              <a:buChar char=""/>
-              <a:defRPr sz="1400" kern="1200">
-                <a:solidFill>
-                  <a:schemeClr val="tx1"/>
-                </a:solidFill>
-                <a:latin typeface="+mn-lt"/>
-                <a:ea typeface="+mn-ea"/>
-                <a:cs typeface="+mn-cs"/>
-              </a:defRPr>
-            </a:lvl3pPr>
-            <a:lvl4pPr marL="594360" indent="-137160" algn="l" defTabSz="914400" rtl="0" eaLnBrk="1" latinLnBrk="0" hangingPunct="1">
-              <a:lnSpc>
-                <a:spcPct val="90000"/>
-              </a:lnSpc>
-              <a:spcBef>
-                <a:spcPts val="200"/>
-              </a:spcBef>
-              <a:spcAft>
-                <a:spcPts val="400"/>
-              </a:spcAft>
-              <a:buClr>
-                <a:schemeClr val="accent2"/>
-              </a:buClr>
-              <a:buFont typeface="Wingdings 3" pitchFamily="18" charset="2"/>
-              <a:buChar char=""/>
-              <a:defRPr sz="1400" kern="1200">
-                <a:solidFill>
-                  <a:schemeClr val="tx1"/>
-                </a:solidFill>
-                <a:latin typeface="+mn-lt"/>
-                <a:ea typeface="+mn-ea"/>
-                <a:cs typeface="+mn-cs"/>
-              </a:defRPr>
-            </a:lvl4pPr>
-            <a:lvl5pPr marL="777240" indent="-137160" algn="l" defTabSz="914400" rtl="0" eaLnBrk="1" latinLnBrk="0" hangingPunct="1">
-              <a:lnSpc>
-                <a:spcPct val="90000"/>
-              </a:lnSpc>
-              <a:spcBef>
-                <a:spcPts val="200"/>
-              </a:spcBef>
-              <a:spcAft>
-                <a:spcPts val="400"/>
-              </a:spcAft>
-              <a:buClr>
-                <a:schemeClr val="accent2"/>
-              </a:buClr>
-              <a:buFont typeface="Wingdings 3" pitchFamily="18" charset="2"/>
-              <a:buChar char=""/>
-              <a:defRPr sz="1400" kern="1200">
-                <a:solidFill>
-                  <a:schemeClr val="tx1"/>
-                </a:solidFill>
-                <a:latin typeface="+mn-lt"/>
-                <a:ea typeface="+mn-ea"/>
-                <a:cs typeface="+mn-cs"/>
-              </a:defRPr>
-            </a:lvl5pPr>
-            <a:lvl6pPr marL="914400" indent="-137160" algn="l" defTabSz="914400" rtl="0" eaLnBrk="1" latinLnBrk="0" hangingPunct="1">
-              <a:lnSpc>
-                <a:spcPct val="90000"/>
-              </a:lnSpc>
-              <a:spcBef>
-                <a:spcPts val="200"/>
-              </a:spcBef>
-              <a:spcAft>
-                <a:spcPts val="400"/>
-              </a:spcAft>
-              <a:buClr>
-                <a:schemeClr val="accent2"/>
-              </a:buClr>
-              <a:buFont typeface="Wingdings 3" pitchFamily="18" charset="2"/>
-              <a:buChar char=""/>
-              <a:defRPr sz="1400" kern="1200">
-                <a:solidFill>
-                  <a:schemeClr val="tx1"/>
-                </a:solidFill>
-                <a:latin typeface="+mn-lt"/>
-                <a:ea typeface="+mn-ea"/>
-                <a:cs typeface="+mn-cs"/>
-              </a:defRPr>
-            </a:lvl6pPr>
-            <a:lvl7pPr marL="1060704" indent="-137160" algn="l" defTabSz="914400" rtl="0" eaLnBrk="1" latinLnBrk="0" hangingPunct="1">
-              <a:lnSpc>
-                <a:spcPct val="90000"/>
-              </a:lnSpc>
-              <a:spcBef>
-                <a:spcPts val="200"/>
-              </a:spcBef>
-              <a:spcAft>
-                <a:spcPts val="400"/>
-              </a:spcAft>
-              <a:buClr>
-                <a:schemeClr val="accent2"/>
-              </a:buClr>
-              <a:buFont typeface="Wingdings 3" pitchFamily="18" charset="2"/>
-              <a:buChar char=""/>
-              <a:defRPr sz="1400" kern="1200">
-                <a:solidFill>
-                  <a:schemeClr val="tx1"/>
-                </a:solidFill>
-                <a:latin typeface="+mn-lt"/>
-                <a:ea typeface="+mn-ea"/>
-                <a:cs typeface="+mn-cs"/>
-              </a:defRPr>
-            </a:lvl7pPr>
-            <a:lvl8pPr marL="1216152" indent="-137160" algn="l" defTabSz="914400" rtl="0" eaLnBrk="1" latinLnBrk="0" hangingPunct="1">
-              <a:lnSpc>
-                <a:spcPct val="90000"/>
-              </a:lnSpc>
-              <a:spcBef>
-                <a:spcPts val="200"/>
-              </a:spcBef>
-              <a:spcAft>
-                <a:spcPts val="400"/>
-              </a:spcAft>
-              <a:buClr>
-                <a:schemeClr val="accent2"/>
-              </a:buClr>
-              <a:buFont typeface="Wingdings 3" pitchFamily="18" charset="2"/>
-              <a:buChar char=""/>
-              <a:defRPr sz="1400" kern="1200">
-                <a:solidFill>
-                  <a:schemeClr val="tx1"/>
-                </a:solidFill>
-                <a:latin typeface="+mn-lt"/>
-                <a:ea typeface="+mn-ea"/>
-                <a:cs typeface="+mn-cs"/>
-              </a:defRPr>
-            </a:lvl8pPr>
-            <a:lvl9pPr marL="1362456" indent="-137160" algn="l" defTabSz="914400" rtl="0" eaLnBrk="1" latinLnBrk="0" hangingPunct="1">
-              <a:lnSpc>
-                <a:spcPct val="90000"/>
-              </a:lnSpc>
-              <a:spcBef>
-                <a:spcPts val="200"/>
-              </a:spcBef>
-              <a:spcAft>
-                <a:spcPts val="400"/>
-              </a:spcAft>
-              <a:buClr>
-                <a:schemeClr val="accent2"/>
-              </a:buClr>
-              <a:buFont typeface="Wingdings 3" pitchFamily="18" charset="2"/>
-              <a:buChar char=""/>
-              <a:defRPr sz="1400" kern="1200">
-                <a:solidFill>
-                  <a:schemeClr val="tx1"/>
-                </a:solidFill>
-                <a:latin typeface="+mn-lt"/>
-                <a:ea typeface="+mn-ea"/>
-                <a:cs typeface="+mn-cs"/>
-              </a:defRPr>
-            </a:lvl9pPr>
-          </a:lstStyle>
-          <a:p>
-            <a:pPr>
-              <a:buFont typeface="Wingdings" panose="05000000000000000000" pitchFamily="2" charset="2"/>
-              <a:buChar char="§"/>
-            </a:pPr>
-            <a:r>
-              <a:rPr lang="en-US" dirty="0" err="1"/>
-              <a:t>Ggfs</a:t>
-            </a:r>
-            <a:r>
-              <a:rPr lang="en-US" dirty="0"/>
-              <a:t> </a:t>
-            </a:r>
-            <a:r>
-              <a:rPr lang="en-US" dirty="0" err="1"/>
-              <a:t>weglassen</a:t>
-            </a:r>
-            <a:endParaRPr lang="en-US" dirty="0"/>
-          </a:p>
-        </p:txBody>
-      </p:sp>
-    </p:spTree>
-    <p:extLst>
-      <p:ext uri="{BB962C8B-B14F-4D97-AF65-F5344CB8AC3E}">
-        <p14:creationId xmlns:p14="http://schemas.microsoft.com/office/powerpoint/2010/main" val="1951400807"/>
-      </p:ext>
-    </p:extLst>
-  </p:cSld>
-  <p:clrMapOvr>
-    <a:masterClrMapping/>
-  </p:clrMapOvr>
-</p:sld>
-</file>
-
-<file path=ppt/slides/slide21.xml><?xml version="1.0" encoding="utf-8"?>
-<p:sld xmlns:a="http://schemas.openxmlformats.org/drawingml/2006/main" xmlns:r="http://schemas.openxmlformats.org/officeDocument/2006/relationships" xmlns:p="http://schemas.openxmlformats.org/presentationml/2006/main">
-  <p:cSld>
-    <p:spTree>
-      <p:nvGrpSpPr>
-        <p:cNvPr id="1" name=""/>
-        <p:cNvGrpSpPr/>
-        <p:nvPr/>
-      </p:nvGrpSpPr>
-      <p:grpSpPr>
-        <a:xfrm>
-          <a:off x="0" y="0"/>
-          <a:ext cx="0" cy="0"/>
-          <a:chOff x="0" y="0"/>
-          <a:chExt cx="0" cy="0"/>
-        </a:xfrm>
-      </p:grpSpPr>
-      <p:sp>
-        <p:nvSpPr>
-          <p:cNvPr id="6" name="Rechteck 5">
-            <a:extLst>
-              <a:ext uri="{FF2B5EF4-FFF2-40B4-BE49-F238E27FC236}">
-                <a16:creationId xmlns:a16="http://schemas.microsoft.com/office/drawing/2014/main" id="{617A9599-71BB-7FA8-AFAB-C6CFFB11A7D4}"/>
-              </a:ext>
-            </a:extLst>
-          </p:cNvPr>
-          <p:cNvSpPr/>
-          <p:nvPr/>
-        </p:nvSpPr>
-        <p:spPr>
-          <a:xfrm>
-            <a:off x="-12700" y="-12700"/>
-            <a:ext cx="12204700" cy="6870700"/>
-          </a:xfrm>
-          <a:prstGeom prst="rect">
-            <a:avLst/>
-          </a:prstGeom>
-          <a:solidFill>
-            <a:schemeClr val="accent2">
-              <a:lumMod val="50000"/>
-            </a:schemeClr>
-          </a:solidFill>
-          <a:ln>
-            <a:solidFill>
-              <a:srgbClr val="143742"/>
-            </a:solidFill>
-          </a:ln>
-        </p:spPr>
-        <p:style>
-          <a:lnRef idx="2">
-            <a:schemeClr val="accent1">
-              <a:shade val="50000"/>
-            </a:schemeClr>
-          </a:lnRef>
-          <a:fillRef idx="1">
-            <a:schemeClr val="accent1"/>
-          </a:fillRef>
-          <a:effectRef idx="0">
-            <a:schemeClr val="accent1"/>
-          </a:effectRef>
-          <a:fontRef idx="minor">
-            <a:schemeClr val="lt1"/>
-          </a:fontRef>
-        </p:style>
-        <p:txBody>
-          <a:bodyPr rtlCol="0" anchor="ctr"/>
-          <a:lstStyle/>
-          <a:p>
-            <a:pPr algn="ctr"/>
-            <a:endParaRPr lang="en-US"/>
-          </a:p>
-        </p:txBody>
-      </p:sp>
-      <p:sp>
-        <p:nvSpPr>
-          <p:cNvPr id="3" name="Inhaltsplatzhalter 2">
-            <a:extLst>
-              <a:ext uri="{FF2B5EF4-FFF2-40B4-BE49-F238E27FC236}">
-                <a16:creationId xmlns:a16="http://schemas.microsoft.com/office/drawing/2014/main" id="{C87E3C8B-65AC-5A72-3B14-C8C9A19C5F2D}"/>
-              </a:ext>
-            </a:extLst>
-          </p:cNvPr>
-          <p:cNvSpPr>
-            <a:spLocks noGrp="1"/>
-          </p:cNvSpPr>
-          <p:nvPr>
-            <p:ph idx="1"/>
-          </p:nvPr>
-        </p:nvSpPr>
-        <p:spPr>
-          <a:xfrm>
-            <a:off x="3151466" y="2857500"/>
-            <a:ext cx="5889067" cy="1143000"/>
-          </a:xfrm>
-        </p:spPr>
-        <p:txBody>
-          <a:bodyPr>
-            <a:noAutofit/>
-          </a:bodyPr>
-          <a:lstStyle/>
-          <a:p>
-            <a:pPr algn="ctr"/>
-            <a:r>
-              <a:rPr lang="en-US" sz="4500" dirty="0">
-                <a:solidFill>
-                  <a:schemeClr val="bg1"/>
-                </a:solidFill>
-              </a:rPr>
-              <a:t>Thank you for listening!</a:t>
-            </a:r>
-          </a:p>
-        </p:txBody>
-      </p:sp>
-    </p:spTree>
-    <p:extLst>
-      <p:ext uri="{BB962C8B-B14F-4D97-AF65-F5344CB8AC3E}">
-        <p14:creationId xmlns:p14="http://schemas.microsoft.com/office/powerpoint/2010/main" val="2205085546"/>
-      </p:ext>
-    </p:extLst>
-  </p:cSld>
-  <p:clrMapOvr>
-    <a:masterClrMapping/>
-  </p:clrMapOvr>
-</p:sld>
-</file>
-
-<file path=ppt/slides/slide22.xml><?xml version="1.0" encoding="utf-8"?>
-<p:sld xmlns:a="http://schemas.openxmlformats.org/drawingml/2006/main" xmlns:r="http://schemas.openxmlformats.org/officeDocument/2006/relationships" xmlns:p="http://schemas.openxmlformats.org/presentationml/2006/main">
-  <p:cSld>
-    <p:spTree>
-      <p:nvGrpSpPr>
-        <p:cNvPr id="1" name=""/>
-        <p:cNvGrpSpPr/>
-        <p:nvPr/>
-      </p:nvGrpSpPr>
-      <p:grpSpPr>
-        <a:xfrm>
-          <a:off x="0" y="0"/>
-          <a:ext cx="0" cy="0"/>
-          <a:chOff x="0" y="0"/>
-          <a:chExt cx="0" cy="0"/>
-        </a:xfrm>
-      </p:grpSpPr>
-      <p:sp>
-        <p:nvSpPr>
-          <p:cNvPr id="2" name="Titel 1">
-            <a:extLst>
-              <a:ext uri="{FF2B5EF4-FFF2-40B4-BE49-F238E27FC236}">
-                <a16:creationId xmlns:a16="http://schemas.microsoft.com/office/drawing/2014/main" id="{A8F16FBF-7578-BE98-235F-E1458CD5B93A}"/>
-              </a:ext>
-            </a:extLst>
-          </p:cNvPr>
-          <p:cNvSpPr>
-            <a:spLocks noGrp="1"/>
-          </p:cNvSpPr>
-          <p:nvPr>
-            <p:ph type="title"/>
-          </p:nvPr>
-        </p:nvSpPr>
-        <p:spPr/>
-        <p:txBody>
-          <a:bodyPr/>
-          <a:lstStyle/>
-          <a:p>
-            <a:r>
-              <a:rPr lang="en-US" dirty="0"/>
-              <a:t>Discussion</a:t>
-            </a:r>
-          </a:p>
-        </p:txBody>
-      </p:sp>
-      <p:sp>
-        <p:nvSpPr>
-          <p:cNvPr id="5" name="Foliennummernplatzhalter 4">
-            <a:extLst>
-              <a:ext uri="{FF2B5EF4-FFF2-40B4-BE49-F238E27FC236}">
-                <a16:creationId xmlns:a16="http://schemas.microsoft.com/office/drawing/2014/main" id="{3460E3BA-8A29-E003-CF00-5027F0BB9CD7}"/>
-              </a:ext>
-            </a:extLst>
-          </p:cNvPr>
-          <p:cNvSpPr>
-            <a:spLocks noGrp="1"/>
-          </p:cNvSpPr>
-          <p:nvPr>
-            <p:ph type="sldNum" sz="quarter" idx="12"/>
-          </p:nvPr>
-        </p:nvSpPr>
-        <p:spPr/>
-        <p:txBody>
-          <a:bodyPr/>
-          <a:lstStyle/>
-          <a:p>
-            <a:fld id="{4FAB73BC-B049-4115-A692-8D63A059BFB8}" type="slidenum">
-              <a:rPr lang="en-US" smtClean="0"/>
-              <a:pPr/>
-              <a:t>22</a:t>
-            </a:fld>
-            <a:endParaRPr lang="en-US"/>
-          </a:p>
-        </p:txBody>
-      </p:sp>
-      <p:sp>
-        <p:nvSpPr>
-          <p:cNvPr id="8" name="Ellipse 7">
-            <a:extLst>
-              <a:ext uri="{FF2B5EF4-FFF2-40B4-BE49-F238E27FC236}">
-                <a16:creationId xmlns:a16="http://schemas.microsoft.com/office/drawing/2014/main" id="{4D5B7F96-CE4A-2FAE-92ED-00A0020EA596}"/>
-              </a:ext>
-            </a:extLst>
-          </p:cNvPr>
-          <p:cNvSpPr/>
-          <p:nvPr/>
-        </p:nvSpPr>
-        <p:spPr>
-          <a:xfrm>
-            <a:off x="7375359" y="479175"/>
-            <a:ext cx="3687680" cy="3425072"/>
-          </a:xfrm>
-          <a:prstGeom prst="ellipse">
-            <a:avLst/>
-          </a:prstGeom>
-          <a:solidFill>
-            <a:srgbClr val="143742"/>
-          </a:solidFill>
-          <a:ln>
-            <a:solidFill>
-              <a:srgbClr val="143742"/>
-            </a:solidFill>
-          </a:ln>
-        </p:spPr>
-        <p:style>
-          <a:lnRef idx="2">
-            <a:schemeClr val="accent1">
-              <a:shade val="50000"/>
-            </a:schemeClr>
-          </a:lnRef>
-          <a:fillRef idx="1">
-            <a:schemeClr val="accent1"/>
-          </a:fillRef>
-          <a:effectRef idx="0">
-            <a:schemeClr val="accent1"/>
-          </a:effectRef>
-          <a:fontRef idx="minor">
-            <a:schemeClr val="lt1"/>
-          </a:fontRef>
-        </p:style>
-        <p:txBody>
-          <a:bodyPr rtlCol="0" anchor="ctr"/>
-          <a:lstStyle/>
-          <a:p>
-            <a:pPr algn="ctr"/>
-            <a:endParaRPr lang="en-US"/>
-          </a:p>
-        </p:txBody>
-      </p:sp>
-      <p:pic>
-        <p:nvPicPr>
-          <p:cNvPr id="7" name="Inhaltsplatzhalter 6" descr="Sitzungssaal mit einfarbiger Füllung">
-            <a:extLst>
-              <a:ext uri="{FF2B5EF4-FFF2-40B4-BE49-F238E27FC236}">
-                <a16:creationId xmlns:a16="http://schemas.microsoft.com/office/drawing/2014/main" id="{3F99A4C2-7FC7-BCB1-EF99-A2F0B4C92401}"/>
-              </a:ext>
-            </a:extLst>
-          </p:cNvPr>
-          <p:cNvPicPr>
-            <a:picLocks noGrp="1" noChangeAspect="1"/>
-          </p:cNvPicPr>
-          <p:nvPr>
-            <p:ph idx="1"/>
-          </p:nvPr>
-        </p:nvPicPr>
-        <p:blipFill>
-          <a:blip r:embed="rId2">
-            <a:extLst>
-              <a:ext uri="{28A0092B-C50C-407E-A947-70E740481C1C}">
-                <a14:useLocalDpi xmlns:a14="http://schemas.microsoft.com/office/drawing/2010/main" val="0"/>
-              </a:ext>
-              <a:ext uri="{96DAC541-7B7A-43D3-8B79-37D633B846F1}">
-                <asvg:svgBlip xmlns:asvg="http://schemas.microsoft.com/office/drawing/2016/SVG/main" r:embed="rId3"/>
-              </a:ext>
-            </a:extLst>
-          </a:blip>
-          <a:stretch>
-            <a:fillRect/>
-          </a:stretch>
-        </p:blipFill>
-        <p:spPr>
-          <a:xfrm>
-            <a:off x="7465720" y="410007"/>
-            <a:ext cx="3543272" cy="3543272"/>
-          </a:xfrm>
-        </p:spPr>
-      </p:pic>
-    </p:spTree>
-    <p:extLst>
-      <p:ext uri="{BB962C8B-B14F-4D97-AF65-F5344CB8AC3E}">
-        <p14:creationId xmlns:p14="http://schemas.microsoft.com/office/powerpoint/2010/main" val="1232739162"/>
-      </p:ext>
-    </p:extLst>
-  </p:cSld>
-  <p:clrMapOvr>
-    <a:masterClrMapping/>
-  </p:clrMapOvr>
-</p:sld>
-</file>
-
-<file path=ppt/slides/slide23.xml><?xml version="1.0" encoding="utf-8"?>
-<p:sld xmlns:a="http://schemas.openxmlformats.org/drawingml/2006/main" xmlns:r="http://schemas.openxmlformats.org/officeDocument/2006/relationships" xmlns:p="http://schemas.openxmlformats.org/presentationml/2006/main">
-  <p:cSld>
-    <p:spTree>
-      <p:nvGrpSpPr>
-        <p:cNvPr id="1" name=""/>
-        <p:cNvGrpSpPr/>
-        <p:nvPr/>
-      </p:nvGrpSpPr>
-      <p:grpSpPr>
-        <a:xfrm>
-          <a:off x="0" y="0"/>
-          <a:ext cx="0" cy="0"/>
-          <a:chOff x="0" y="0"/>
-          <a:chExt cx="0" cy="0"/>
-        </a:xfrm>
-      </p:grpSpPr>
-      <p:sp>
-        <p:nvSpPr>
-          <p:cNvPr id="2" name="Titel 1">
-            <a:extLst>
-              <a:ext uri="{FF2B5EF4-FFF2-40B4-BE49-F238E27FC236}">
                 <a16:creationId xmlns:a16="http://schemas.microsoft.com/office/drawing/2014/main" id="{FB4FD46B-A7F9-4248-B7D2-270A2F47798E}"/>
               </a:ext>
             </a:extLst>
@@ -26639,7 +20279,7 @@
             <a:fld id="{4FAB73BC-B049-4115-A692-8D63A059BFB8}" type="slidenum">
               <a:rPr lang="en-US" smtClean="0"/>
               <a:pPr/>
-              <a:t>23</a:t>
+              <a:t>20</a:t>
             </a:fld>
             <a:endParaRPr lang="en-US"/>
           </a:p>
@@ -27281,7 +20921,7 @@
     </p:spTree>
     <p:extLst>
       <p:ext uri="{BB962C8B-B14F-4D97-AF65-F5344CB8AC3E}">
-        <p14:creationId xmlns:p14="http://schemas.microsoft.com/office/powerpoint/2010/main" val="2766166482"/>
+        <p14:creationId xmlns:p14="http://schemas.microsoft.com/office/powerpoint/2010/main" val="343162492"/>
       </p:ext>
     </p:extLst>
   </p:cSld>
@@ -27292,273 +20932,6 @@
 </file>
 
 <file path=ppt/slides/slide8.xml><?xml version="1.0" encoding="utf-8"?>
-<p:sld xmlns:a="http://schemas.openxmlformats.org/drawingml/2006/main" xmlns:r="http://schemas.openxmlformats.org/officeDocument/2006/relationships" xmlns:p="http://schemas.openxmlformats.org/presentationml/2006/main">
-  <p:cSld>
-    <p:spTree>
-      <p:nvGrpSpPr>
-        <p:cNvPr id="1" name=""/>
-        <p:cNvGrpSpPr/>
-        <p:nvPr/>
-      </p:nvGrpSpPr>
-      <p:grpSpPr>
-        <a:xfrm>
-          <a:off x="0" y="0"/>
-          <a:ext cx="0" cy="0"/>
-          <a:chOff x="0" y="0"/>
-          <a:chExt cx="0" cy="0"/>
-        </a:xfrm>
-      </p:grpSpPr>
-      <p:sp>
-        <p:nvSpPr>
-          <p:cNvPr id="2" name="Titel 1">
-            <a:extLst>
-              <a:ext uri="{FF2B5EF4-FFF2-40B4-BE49-F238E27FC236}">
-                <a16:creationId xmlns:a16="http://schemas.microsoft.com/office/drawing/2014/main" id="{A2028FD5-D2C4-6B97-1EB7-E5239F1C1605}"/>
-              </a:ext>
-            </a:extLst>
-          </p:cNvPr>
-          <p:cNvSpPr>
-            <a:spLocks noGrp="1"/>
-          </p:cNvSpPr>
-          <p:nvPr>
-            <p:ph type="title"/>
-          </p:nvPr>
-        </p:nvSpPr>
-        <p:spPr/>
-        <p:txBody>
-          <a:bodyPr/>
-          <a:lstStyle/>
-          <a:p>
-            <a:r>
-              <a:rPr lang="en-US" dirty="0"/>
-              <a:t>Study design: Stimuli</a:t>
-            </a:r>
-          </a:p>
-        </p:txBody>
-      </p:sp>
-      <p:cxnSp>
-        <p:nvCxnSpPr>
-          <p:cNvPr id="13" name="Gerader Verbinder 12">
-            <a:extLst>
-              <a:ext uri="{FF2B5EF4-FFF2-40B4-BE49-F238E27FC236}">
-                <a16:creationId xmlns:a16="http://schemas.microsoft.com/office/drawing/2014/main" id="{87AF1736-1E5C-B14F-3F6C-81585B91BADE}"/>
-              </a:ext>
-            </a:extLst>
-          </p:cNvPr>
-          <p:cNvCxnSpPr>
-            <a:cxnSpLocks/>
-          </p:cNvCxnSpPr>
-          <p:nvPr/>
-        </p:nvCxnSpPr>
-        <p:spPr>
-          <a:xfrm flipH="1">
-            <a:off x="828217" y="4179080"/>
-            <a:ext cx="10683047" cy="0"/>
-          </a:xfrm>
-          <a:prstGeom prst="line">
-            <a:avLst/>
-          </a:prstGeom>
-          <a:ln w="28575">
-            <a:solidFill>
-              <a:srgbClr val="CBE7EF"/>
-            </a:solidFill>
-          </a:ln>
-        </p:spPr>
-        <p:style>
-          <a:lnRef idx="1">
-            <a:schemeClr val="accent1"/>
-          </a:lnRef>
-          <a:fillRef idx="0">
-            <a:schemeClr val="accent1"/>
-          </a:fillRef>
-          <a:effectRef idx="0">
-            <a:schemeClr val="accent1"/>
-          </a:effectRef>
-          <a:fontRef idx="minor">
-            <a:schemeClr val="tx1"/>
-          </a:fontRef>
-        </p:style>
-      </p:cxnSp>
-      <p:sp>
-        <p:nvSpPr>
-          <p:cNvPr id="16" name="Rechteck: abgerundete Ecken 15">
-            <a:extLst>
-              <a:ext uri="{FF2B5EF4-FFF2-40B4-BE49-F238E27FC236}">
-                <a16:creationId xmlns:a16="http://schemas.microsoft.com/office/drawing/2014/main" id="{5B85493D-F46C-E0CE-BBD4-C7B70C0C9242}"/>
-              </a:ext>
-            </a:extLst>
-          </p:cNvPr>
-          <p:cNvSpPr/>
-          <p:nvPr/>
-        </p:nvSpPr>
-        <p:spPr>
-          <a:xfrm>
-            <a:off x="9153831" y="2152650"/>
-            <a:ext cx="2286000" cy="1200145"/>
-          </a:xfrm>
-          <a:prstGeom prst="roundRect">
-            <a:avLst/>
-          </a:prstGeom>
-          <a:solidFill>
-            <a:srgbClr val="143742"/>
-          </a:solidFill>
-        </p:spPr>
-        <p:style>
-          <a:lnRef idx="2">
-            <a:schemeClr val="accent1">
-              <a:shade val="15000"/>
-            </a:schemeClr>
-          </a:lnRef>
-          <a:fillRef idx="1">
-            <a:schemeClr val="accent1"/>
-          </a:fillRef>
-          <a:effectRef idx="0">
-            <a:schemeClr val="accent1"/>
-          </a:effectRef>
-          <a:fontRef idx="minor">
-            <a:schemeClr val="lt1"/>
-          </a:fontRef>
-        </p:style>
-        <p:txBody>
-          <a:bodyPr rtlCol="0" anchor="ctr"/>
-          <a:lstStyle/>
-          <a:p>
-            <a:pPr algn="ctr"/>
-            <a:r>
-              <a:rPr lang="en-US" sz="3600" b="1" dirty="0"/>
-              <a:t>with emphasis</a:t>
-            </a:r>
-            <a:endParaRPr lang="en-US" sz="3200" b="1" dirty="0"/>
-          </a:p>
-        </p:txBody>
-      </p:sp>
-      <p:sp>
-        <p:nvSpPr>
-          <p:cNvPr id="17" name="Rechteck: abgerundete Ecken 16">
-            <a:extLst>
-              <a:ext uri="{FF2B5EF4-FFF2-40B4-BE49-F238E27FC236}">
-                <a16:creationId xmlns:a16="http://schemas.microsoft.com/office/drawing/2014/main" id="{3C6953D6-0992-3664-97F7-A3747505A566}"/>
-              </a:ext>
-            </a:extLst>
-          </p:cNvPr>
-          <p:cNvSpPr/>
-          <p:nvPr/>
-        </p:nvSpPr>
-        <p:spPr>
-          <a:xfrm>
-            <a:off x="9153831" y="4710022"/>
-            <a:ext cx="2286000" cy="1200145"/>
-          </a:xfrm>
-          <a:prstGeom prst="roundRect">
-            <a:avLst/>
-          </a:prstGeom>
-          <a:solidFill>
-            <a:srgbClr val="143742"/>
-          </a:solidFill>
-        </p:spPr>
-        <p:style>
-          <a:lnRef idx="2">
-            <a:schemeClr val="accent1">
-              <a:shade val="15000"/>
-            </a:schemeClr>
-          </a:lnRef>
-          <a:fillRef idx="1">
-            <a:schemeClr val="accent1"/>
-          </a:fillRef>
-          <a:effectRef idx="0">
-            <a:schemeClr val="accent1"/>
-          </a:effectRef>
-          <a:fontRef idx="minor">
-            <a:schemeClr val="lt1"/>
-          </a:fontRef>
-        </p:style>
-        <p:txBody>
-          <a:bodyPr rtlCol="0" anchor="ctr"/>
-          <a:lstStyle/>
-          <a:p>
-            <a:pPr algn="ctr"/>
-            <a:r>
-              <a:rPr lang="en-US" sz="3600" b="1" dirty="0"/>
-              <a:t>without emphasis</a:t>
-            </a:r>
-            <a:endParaRPr lang="en-US" sz="3200" b="1" dirty="0"/>
-          </a:p>
-        </p:txBody>
-      </p:sp>
-      <p:sp>
-        <p:nvSpPr>
-          <p:cNvPr id="8" name="Inhaltsplatzhalter 2">
-            <a:extLst>
-              <a:ext uri="{FF2B5EF4-FFF2-40B4-BE49-F238E27FC236}">
-                <a16:creationId xmlns:a16="http://schemas.microsoft.com/office/drawing/2014/main" id="{3C1D0062-F153-8572-C922-1452B7B6A4D2}"/>
-              </a:ext>
-            </a:extLst>
-          </p:cNvPr>
-          <p:cNvSpPr>
-            <a:spLocks noGrp="1"/>
-          </p:cNvSpPr>
-          <p:nvPr>
-            <p:ph idx="1"/>
-          </p:nvPr>
-        </p:nvSpPr>
-        <p:spPr>
-          <a:xfrm>
-            <a:off x="1024128" y="2286000"/>
-            <a:ext cx="9720072" cy="4023360"/>
-          </a:xfrm>
-        </p:spPr>
-        <p:txBody>
-          <a:bodyPr/>
-          <a:lstStyle/>
-          <a:p>
-            <a:r>
-              <a:rPr lang="en-US" sz="3200" dirty="0"/>
-              <a:t>A: 	Peter showed his ID to the POLICE OFFICER.</a:t>
-            </a:r>
-          </a:p>
-          <a:p>
-            <a:r>
-              <a:rPr lang="en-US" sz="3200" dirty="0"/>
-              <a:t>B: 	No, the BOUNCER.</a:t>
-            </a:r>
-          </a:p>
-          <a:p>
-            <a:endParaRPr lang="en-US" sz="3200" dirty="0"/>
-          </a:p>
-          <a:p>
-            <a:endParaRPr lang="en-US" sz="3200" dirty="0"/>
-          </a:p>
-          <a:p>
-            <a:r>
-              <a:rPr lang="en-US" sz="3200" dirty="0"/>
-              <a:t>A: 	Peter showed his ID to the police officer.</a:t>
-            </a:r>
-          </a:p>
-          <a:p>
-            <a:r>
-              <a:rPr lang="en-US" sz="3200" dirty="0"/>
-              <a:t>B: 	No, the bouncer.</a:t>
-            </a:r>
-          </a:p>
-          <a:p>
-            <a:endParaRPr lang="en-US" dirty="0"/>
-          </a:p>
-        </p:txBody>
-      </p:sp>
-    </p:spTree>
-    <p:extLst>
-      <p:ext uri="{BB962C8B-B14F-4D97-AF65-F5344CB8AC3E}">
-        <p14:creationId xmlns:p14="http://schemas.microsoft.com/office/powerpoint/2010/main" val="343162492"/>
-      </p:ext>
-    </p:extLst>
-  </p:cSld>
-  <p:clrMapOvr>
-    <a:masterClrMapping/>
-  </p:clrMapOvr>
-</p:sld>
-</file>
-
-<file path=ppt/slides/slide9.xml><?xml version="1.0" encoding="utf-8"?>
 <p:sld xmlns:a="http://schemas.openxmlformats.org/drawingml/2006/main" xmlns:r="http://schemas.openxmlformats.org/officeDocument/2006/relationships" xmlns:p="http://schemas.openxmlformats.org/presentationml/2006/main">
   <p:cSld>
     <p:spTree>
@@ -27826,6 +21199,335 @@
     <p:extLst>
       <p:ext uri="{BB962C8B-B14F-4D97-AF65-F5344CB8AC3E}">
         <p14:creationId xmlns:p14="http://schemas.microsoft.com/office/powerpoint/2010/main" val="646910040"/>
+      </p:ext>
+    </p:extLst>
+  </p:cSld>
+  <p:clrMapOvr>
+    <a:masterClrMapping/>
+  </p:clrMapOvr>
+</p:sld>
+</file>
+
+<file path=ppt/slides/slide9.xml><?xml version="1.0" encoding="utf-8"?>
+<p:sld xmlns:a="http://schemas.openxmlformats.org/drawingml/2006/main" xmlns:r="http://schemas.openxmlformats.org/officeDocument/2006/relationships" xmlns:p="http://schemas.openxmlformats.org/presentationml/2006/main">
+  <p:cSld>
+    <p:spTree>
+      <p:nvGrpSpPr>
+        <p:cNvPr id="1" name=""/>
+        <p:cNvGrpSpPr/>
+        <p:nvPr/>
+      </p:nvGrpSpPr>
+      <p:grpSpPr>
+        <a:xfrm>
+          <a:off x="0" y="0"/>
+          <a:ext cx="0" cy="0"/>
+          <a:chOff x="0" y="0"/>
+          <a:chExt cx="0" cy="0"/>
+        </a:xfrm>
+      </p:grpSpPr>
+      <p:sp>
+        <p:nvSpPr>
+          <p:cNvPr id="2" name="Titel 1">
+            <a:extLst>
+              <a:ext uri="{FF2B5EF4-FFF2-40B4-BE49-F238E27FC236}">
+                <a16:creationId xmlns:a16="http://schemas.microsoft.com/office/drawing/2014/main" id="{A2028FD5-D2C4-6B97-1EB7-E5239F1C1605}"/>
+              </a:ext>
+            </a:extLst>
+          </p:cNvPr>
+          <p:cNvSpPr>
+            <a:spLocks noGrp="1"/>
+          </p:cNvSpPr>
+          <p:nvPr>
+            <p:ph type="title"/>
+          </p:nvPr>
+        </p:nvSpPr>
+        <p:spPr/>
+        <p:txBody>
+          <a:bodyPr/>
+          <a:lstStyle/>
+          <a:p>
+            <a:r>
+              <a:rPr lang="en-US" dirty="0"/>
+              <a:t>Study design: Stimuli</a:t>
+            </a:r>
+          </a:p>
+        </p:txBody>
+      </p:sp>
+      <p:cxnSp>
+        <p:nvCxnSpPr>
+          <p:cNvPr id="13" name="Gerader Verbinder 12">
+            <a:extLst>
+              <a:ext uri="{FF2B5EF4-FFF2-40B4-BE49-F238E27FC236}">
+                <a16:creationId xmlns:a16="http://schemas.microsoft.com/office/drawing/2014/main" id="{87AF1736-1E5C-B14F-3F6C-81585B91BADE}"/>
+              </a:ext>
+            </a:extLst>
+          </p:cNvPr>
+          <p:cNvCxnSpPr>
+            <a:cxnSpLocks/>
+          </p:cNvCxnSpPr>
+          <p:nvPr/>
+        </p:nvCxnSpPr>
+        <p:spPr>
+          <a:xfrm flipH="1">
+            <a:off x="828217" y="4179080"/>
+            <a:ext cx="10683047" cy="0"/>
+          </a:xfrm>
+          <a:prstGeom prst="line">
+            <a:avLst/>
+          </a:prstGeom>
+          <a:ln w="28575">
+            <a:solidFill>
+              <a:srgbClr val="CBE7EF"/>
+            </a:solidFill>
+          </a:ln>
+        </p:spPr>
+        <p:style>
+          <a:lnRef idx="1">
+            <a:schemeClr val="accent1"/>
+          </a:lnRef>
+          <a:fillRef idx="0">
+            <a:schemeClr val="accent1"/>
+          </a:fillRef>
+          <a:effectRef idx="0">
+            <a:schemeClr val="accent1"/>
+          </a:effectRef>
+          <a:fontRef idx="minor">
+            <a:schemeClr val="tx1"/>
+          </a:fontRef>
+        </p:style>
+      </p:cxnSp>
+      <p:pic>
+        <p:nvPicPr>
+          <p:cNvPr id="6" name="Grafik 5" descr="Ein Bild, das Text, Reihe, Diagramm, Schrift enthält.&#10;&#10;Automatisch generierte Beschreibung">
+            <a:extLst>
+              <a:ext uri="{FF2B5EF4-FFF2-40B4-BE49-F238E27FC236}">
+                <a16:creationId xmlns:a16="http://schemas.microsoft.com/office/drawing/2014/main" id="{E2B31B05-48DD-25F5-4F44-0EA1AAF2351C}"/>
+              </a:ext>
+            </a:extLst>
+          </p:cNvPr>
+          <p:cNvPicPr>
+            <a:picLocks noChangeAspect="1"/>
+          </p:cNvPicPr>
+          <p:nvPr/>
+        </p:nvPicPr>
+        <p:blipFill rotWithShape="1">
+          <a:blip r:embed="rId2" cstate="print">
+            <a:extLst>
+              <a:ext uri="{28A0092B-C50C-407E-A947-70E740481C1C}">
+                <a14:useLocalDpi xmlns:a14="http://schemas.microsoft.com/office/drawing/2010/main" val="0"/>
+              </a:ext>
+            </a:extLst>
+          </a:blip>
+          <a:srcRect l="2722" t="5401" b="6504"/>
+          <a:stretch/>
+        </p:blipFill>
+        <p:spPr>
+          <a:xfrm>
+            <a:off x="1160207" y="1608502"/>
+            <a:ext cx="7121013" cy="2417949"/>
+          </a:xfrm>
+          <a:prstGeom prst="rect">
+            <a:avLst/>
+          </a:prstGeom>
+        </p:spPr>
+      </p:pic>
+      <p:pic>
+        <p:nvPicPr>
+          <p:cNvPr id="7" name="Grafik 6" descr="Ein Bild, das Text, Reihe, Diagramm, Schrift enthält.&#10;&#10;Automatisch generierte Beschreibung">
+            <a:extLst>
+              <a:ext uri="{FF2B5EF4-FFF2-40B4-BE49-F238E27FC236}">
+                <a16:creationId xmlns:a16="http://schemas.microsoft.com/office/drawing/2014/main" id="{2036E324-56E6-DF73-CF65-F372D35EDF5C}"/>
+              </a:ext>
+            </a:extLst>
+          </p:cNvPr>
+          <p:cNvPicPr>
+            <a:picLocks noChangeAspect="1"/>
+          </p:cNvPicPr>
+          <p:nvPr/>
+        </p:nvPicPr>
+        <p:blipFill rotWithShape="1">
+          <a:blip r:embed="rId3" cstate="print">
+            <a:extLst>
+              <a:ext uri="{28A0092B-C50C-407E-A947-70E740481C1C}">
+                <a14:useLocalDpi xmlns:a14="http://schemas.microsoft.com/office/drawing/2010/main" val="0"/>
+              </a:ext>
+            </a:extLst>
+          </a:blip>
+          <a:srcRect l="2204" t="10899" b="7469"/>
+          <a:stretch/>
+        </p:blipFill>
+        <p:spPr>
+          <a:xfrm>
+            <a:off x="1160207" y="4489956"/>
+            <a:ext cx="7047271" cy="1961094"/>
+          </a:xfrm>
+          <a:prstGeom prst="rect">
+            <a:avLst/>
+          </a:prstGeom>
+        </p:spPr>
+      </p:pic>
+      <p:sp>
+        <p:nvSpPr>
+          <p:cNvPr id="3" name="Ellipse 2">
+            <a:extLst>
+              <a:ext uri="{FF2B5EF4-FFF2-40B4-BE49-F238E27FC236}">
+                <a16:creationId xmlns:a16="http://schemas.microsoft.com/office/drawing/2014/main" id="{68EDE50F-E1DE-D45B-9E8A-49ECED7BF4C6}"/>
+              </a:ext>
+            </a:extLst>
+          </p:cNvPr>
+          <p:cNvSpPr/>
+          <p:nvPr/>
+        </p:nvSpPr>
+        <p:spPr>
+          <a:xfrm>
+            <a:off x="2534265" y="2911117"/>
+            <a:ext cx="1056968" cy="1112525"/>
+          </a:xfrm>
+          <a:prstGeom prst="ellipse">
+            <a:avLst/>
+          </a:prstGeom>
+          <a:noFill/>
+          <a:ln w="28575">
+            <a:solidFill>
+              <a:srgbClr val="C00000"/>
+            </a:solidFill>
+          </a:ln>
+        </p:spPr>
+        <p:style>
+          <a:lnRef idx="2">
+            <a:schemeClr val="accent1">
+              <a:shade val="15000"/>
+            </a:schemeClr>
+          </a:lnRef>
+          <a:fillRef idx="1">
+            <a:schemeClr val="accent1"/>
+          </a:fillRef>
+          <a:effectRef idx="0">
+            <a:schemeClr val="accent1"/>
+          </a:effectRef>
+          <a:fontRef idx="minor">
+            <a:schemeClr val="lt1"/>
+          </a:fontRef>
+        </p:style>
+        <p:txBody>
+          <a:bodyPr rtlCol="0" anchor="ctr"/>
+          <a:lstStyle/>
+          <a:p>
+            <a:pPr algn="ctr"/>
+            <a:endParaRPr lang="en-US"/>
+          </a:p>
+        </p:txBody>
+      </p:sp>
+      <p:sp>
+        <p:nvSpPr>
+          <p:cNvPr id="8" name="Rechteck: abgerundete Ecken 7">
+            <a:extLst>
+              <a:ext uri="{FF2B5EF4-FFF2-40B4-BE49-F238E27FC236}">
+                <a16:creationId xmlns:a16="http://schemas.microsoft.com/office/drawing/2014/main" id="{B01F6C44-16BB-F9F7-F4E9-B967F15C5042}"/>
+              </a:ext>
+            </a:extLst>
+          </p:cNvPr>
+          <p:cNvSpPr/>
+          <p:nvPr/>
+        </p:nvSpPr>
+        <p:spPr>
+          <a:xfrm>
+            <a:off x="9153831" y="2152650"/>
+            <a:ext cx="2286000" cy="1200145"/>
+          </a:xfrm>
+          <a:prstGeom prst="roundRect">
+            <a:avLst/>
+          </a:prstGeom>
+          <a:solidFill>
+            <a:srgbClr val="143742"/>
+          </a:solidFill>
+        </p:spPr>
+        <p:style>
+          <a:lnRef idx="2">
+            <a:schemeClr val="accent1">
+              <a:shade val="15000"/>
+            </a:schemeClr>
+          </a:lnRef>
+          <a:fillRef idx="1">
+            <a:schemeClr val="accent1"/>
+          </a:fillRef>
+          <a:effectRef idx="0">
+            <a:schemeClr val="accent1"/>
+          </a:effectRef>
+          <a:fontRef idx="minor">
+            <a:schemeClr val="lt1"/>
+          </a:fontRef>
+        </p:style>
+        <p:txBody>
+          <a:bodyPr rtlCol="0" anchor="ctr"/>
+          <a:lstStyle/>
+          <a:p>
+            <a:pPr algn="ctr"/>
+            <a:r>
+              <a:rPr lang="en-US" sz="3600" b="1" dirty="0"/>
+              <a:t>with emphasis</a:t>
+            </a:r>
+            <a:endParaRPr lang="en-US" sz="3200" b="1" dirty="0"/>
+          </a:p>
+        </p:txBody>
+      </p:sp>
+      <p:sp>
+        <p:nvSpPr>
+          <p:cNvPr id="9" name="Rechteck: abgerundete Ecken 8">
+            <a:extLst>
+              <a:ext uri="{FF2B5EF4-FFF2-40B4-BE49-F238E27FC236}">
+                <a16:creationId xmlns:a16="http://schemas.microsoft.com/office/drawing/2014/main" id="{7C519A2E-8467-2BE3-1FC3-7A64B6B885FE}"/>
+              </a:ext>
+            </a:extLst>
+          </p:cNvPr>
+          <p:cNvSpPr/>
+          <p:nvPr/>
+        </p:nvSpPr>
+        <p:spPr>
+          <a:xfrm>
+            <a:off x="9153831" y="4710022"/>
+            <a:ext cx="2286000" cy="1200145"/>
+          </a:xfrm>
+          <a:prstGeom prst="roundRect">
+            <a:avLst/>
+          </a:prstGeom>
+          <a:solidFill>
+            <a:srgbClr val="143742"/>
+          </a:solidFill>
+        </p:spPr>
+        <p:style>
+          <a:lnRef idx="2">
+            <a:schemeClr val="accent1">
+              <a:shade val="15000"/>
+            </a:schemeClr>
+          </a:lnRef>
+          <a:fillRef idx="1">
+            <a:schemeClr val="accent1"/>
+          </a:fillRef>
+          <a:effectRef idx="0">
+            <a:schemeClr val="accent1"/>
+          </a:effectRef>
+          <a:fontRef idx="minor">
+            <a:schemeClr val="lt1"/>
+          </a:fontRef>
+        </p:style>
+        <p:txBody>
+          <a:bodyPr rtlCol="0" anchor="ctr"/>
+          <a:lstStyle/>
+          <a:p>
+            <a:pPr algn="ctr"/>
+            <a:r>
+              <a:rPr lang="en-US" sz="3600" b="1" dirty="0"/>
+              <a:t>without emphasis</a:t>
+            </a:r>
+            <a:endParaRPr lang="en-US" sz="3200" b="1" dirty="0"/>
+          </a:p>
+        </p:txBody>
+      </p:sp>
+    </p:spTree>
+    <p:extLst>
+      <p:ext uri="{BB962C8B-B14F-4D97-AF65-F5344CB8AC3E}">
+        <p14:creationId xmlns:p14="http://schemas.microsoft.com/office/powerpoint/2010/main" val="3292949643"/>
       </p:ext>
     </p:extLst>
   </p:cSld>
